--- a/论文图/cnl2sqlnet.pptx
+++ b/论文图/cnl2sqlnet.pptx
@@ -289,7 +289,7 @@
             <a:fld id="{530820CF-B880-4189-942D-D702A7CBA730}" type="datetimeFigureOut">
               <a:rPr lang="zh-CN" altLang="en-US" smtClean="0"/>
               <a:pPr/>
-              <a:t>2018/11/26</a:t>
+              <a:t>2018/12/5</a:t>
             </a:fld>
             <a:endParaRPr lang="zh-CN" altLang="en-US"/>
           </a:p>
@@ -456,7 +456,7 @@
             <a:fld id="{530820CF-B880-4189-942D-D702A7CBA730}" type="datetimeFigureOut">
               <a:rPr lang="zh-CN" altLang="en-US" smtClean="0"/>
               <a:pPr/>
-              <a:t>2018/11/26</a:t>
+              <a:t>2018/12/5</a:t>
             </a:fld>
             <a:endParaRPr lang="zh-CN" altLang="en-US"/>
           </a:p>
@@ -633,7 +633,7 @@
             <a:fld id="{530820CF-B880-4189-942D-D702A7CBA730}" type="datetimeFigureOut">
               <a:rPr lang="zh-CN" altLang="en-US" smtClean="0"/>
               <a:pPr/>
-              <a:t>2018/11/26</a:t>
+              <a:t>2018/12/5</a:t>
             </a:fld>
             <a:endParaRPr lang="zh-CN" altLang="en-US"/>
           </a:p>
@@ -800,7 +800,7 @@
             <a:fld id="{530820CF-B880-4189-942D-D702A7CBA730}" type="datetimeFigureOut">
               <a:rPr lang="zh-CN" altLang="en-US" smtClean="0"/>
               <a:pPr/>
-              <a:t>2018/11/26</a:t>
+              <a:t>2018/12/5</a:t>
             </a:fld>
             <a:endParaRPr lang="zh-CN" altLang="en-US"/>
           </a:p>
@@ -1043,7 +1043,7 @@
             <a:fld id="{530820CF-B880-4189-942D-D702A7CBA730}" type="datetimeFigureOut">
               <a:rPr lang="zh-CN" altLang="en-US" smtClean="0"/>
               <a:pPr/>
-              <a:t>2018/11/26</a:t>
+              <a:t>2018/12/5</a:t>
             </a:fld>
             <a:endParaRPr lang="zh-CN" altLang="en-US"/>
           </a:p>
@@ -1328,7 +1328,7 @@
             <a:fld id="{530820CF-B880-4189-942D-D702A7CBA730}" type="datetimeFigureOut">
               <a:rPr lang="zh-CN" altLang="en-US" smtClean="0"/>
               <a:pPr/>
-              <a:t>2018/11/26</a:t>
+              <a:t>2018/12/5</a:t>
             </a:fld>
             <a:endParaRPr lang="zh-CN" altLang="en-US"/>
           </a:p>
@@ -1747,7 +1747,7 @@
             <a:fld id="{530820CF-B880-4189-942D-D702A7CBA730}" type="datetimeFigureOut">
               <a:rPr lang="zh-CN" altLang="en-US" smtClean="0"/>
               <a:pPr/>
-              <a:t>2018/11/26</a:t>
+              <a:t>2018/12/5</a:t>
             </a:fld>
             <a:endParaRPr lang="zh-CN" altLang="en-US"/>
           </a:p>
@@ -1862,7 +1862,7 @@
             <a:fld id="{530820CF-B880-4189-942D-D702A7CBA730}" type="datetimeFigureOut">
               <a:rPr lang="zh-CN" altLang="en-US" smtClean="0"/>
               <a:pPr/>
-              <a:t>2018/11/26</a:t>
+              <a:t>2018/12/5</a:t>
             </a:fld>
             <a:endParaRPr lang="zh-CN" altLang="en-US"/>
           </a:p>
@@ -1954,7 +1954,7 @@
             <a:fld id="{530820CF-B880-4189-942D-D702A7CBA730}" type="datetimeFigureOut">
               <a:rPr lang="zh-CN" altLang="en-US" smtClean="0"/>
               <a:pPr/>
-              <a:t>2018/11/26</a:t>
+              <a:t>2018/12/5</a:t>
             </a:fld>
             <a:endParaRPr lang="zh-CN" altLang="en-US"/>
           </a:p>
@@ -2228,7 +2228,7 @@
             <a:fld id="{530820CF-B880-4189-942D-D702A7CBA730}" type="datetimeFigureOut">
               <a:rPr lang="zh-CN" altLang="en-US" smtClean="0"/>
               <a:pPr/>
-              <a:t>2018/11/26</a:t>
+              <a:t>2018/12/5</a:t>
             </a:fld>
             <a:endParaRPr lang="zh-CN" altLang="en-US"/>
           </a:p>
@@ -2478,7 +2478,7 @@
             <a:fld id="{530820CF-B880-4189-942D-D702A7CBA730}" type="datetimeFigureOut">
               <a:rPr lang="zh-CN" altLang="en-US" smtClean="0"/>
               <a:pPr/>
-              <a:t>2018/11/26</a:t>
+              <a:t>2018/12/5</a:t>
             </a:fld>
             <a:endParaRPr lang="zh-CN" altLang="en-US"/>
           </a:p>
@@ -2688,7 +2688,7 @@
             <a:fld id="{530820CF-B880-4189-942D-D702A7CBA730}" type="datetimeFigureOut">
               <a:rPr lang="zh-CN" altLang="en-US" smtClean="0"/>
               <a:pPr/>
-              <a:t>2018/11/26</a:t>
+              <a:t>2018/12/5</a:t>
             </a:fld>
             <a:endParaRPr lang="zh-CN" altLang="en-US"/>
           </a:p>
@@ -9289,11 +9289,6 @@
               </a:rPr>
               <a:t>多头</a:t>
             </a:r>
-            <a:endParaRPr lang="zh-CN" altLang="en-US" sz="1050" dirty="0" smtClean="0">
-              <a:solidFill>
-                <a:schemeClr val="tx1"/>
-              </a:solidFill>
-            </a:endParaRPr>
           </a:p>
         </p:txBody>
       </p:sp>
@@ -10744,233 +10739,6 @@
       </p:cxnSp>
       <p:sp>
         <p:nvSpPr>
-          <p:cNvPr id="252" name="矩形 251"/>
-          <p:cNvSpPr/>
-          <p:nvPr/>
-        </p:nvSpPr>
-        <p:spPr>
-          <a:xfrm>
-            <a:off x="6578357" y="5003990"/>
-            <a:ext cx="360000" cy="56439"/>
-          </a:xfrm>
-          <a:prstGeom prst="rect">
-            <a:avLst/>
-          </a:prstGeom>
-          <a:solidFill>
-            <a:schemeClr val="bg1">
-              <a:lumMod val="65000"/>
-            </a:schemeClr>
-          </a:solidFill>
-          <a:ln>
-            <a:solidFill>
-              <a:schemeClr val="bg1">
-                <a:lumMod val="65000"/>
-              </a:schemeClr>
-            </a:solidFill>
-            <a:round/>
-          </a:ln>
-        </p:spPr>
-        <p:style>
-          <a:lnRef idx="2">
-            <a:schemeClr val="accent1">
-              <a:shade val="50000"/>
-            </a:schemeClr>
-          </a:lnRef>
-          <a:fillRef idx="1">
-            <a:schemeClr val="accent1"/>
-          </a:fillRef>
-          <a:effectRef idx="0">
-            <a:schemeClr val="accent1"/>
-          </a:effectRef>
-          <a:fontRef idx="minor">
-            <a:schemeClr val="lt1"/>
-          </a:fontRef>
-        </p:style>
-        <p:txBody>
-          <a:bodyPr rtlCol="0" anchor="ctr"/>
-          <a:lstStyle/>
-          <a:p>
-            <a:pPr algn="ctr"/>
-            <a:endParaRPr lang="zh-CN" altLang="en-US"/>
-          </a:p>
-        </p:txBody>
-      </p:sp>
-      <p:sp>
-        <p:nvSpPr>
-          <p:cNvPr id="253" name="流程图: 联系 252"/>
-          <p:cNvSpPr/>
-          <p:nvPr/>
-        </p:nvSpPr>
-        <p:spPr>
-          <a:xfrm>
-            <a:off x="6572264" y="5010084"/>
-            <a:ext cx="71438" cy="56439"/>
-          </a:xfrm>
-          <a:prstGeom prst="flowChartConnector">
-            <a:avLst/>
-          </a:prstGeom>
-          <a:solidFill>
-            <a:schemeClr val="tx1"/>
-          </a:solidFill>
-          <a:ln>
-            <a:solidFill>
-              <a:schemeClr val="tx1"/>
-            </a:solidFill>
-          </a:ln>
-        </p:spPr>
-        <p:style>
-          <a:lnRef idx="2">
-            <a:schemeClr val="accent1">
-              <a:shade val="50000"/>
-            </a:schemeClr>
-          </a:lnRef>
-          <a:fillRef idx="1">
-            <a:schemeClr val="accent1"/>
-          </a:fillRef>
-          <a:effectRef idx="0">
-            <a:schemeClr val="accent1"/>
-          </a:effectRef>
-          <a:fontRef idx="minor">
-            <a:schemeClr val="lt1"/>
-          </a:fontRef>
-        </p:style>
-        <p:txBody>
-          <a:bodyPr rtlCol="0" anchor="ctr"/>
-          <a:lstStyle/>
-          <a:p>
-            <a:pPr algn="ctr"/>
-            <a:endParaRPr lang="zh-CN" altLang="en-US"/>
-          </a:p>
-        </p:txBody>
-      </p:sp>
-      <p:sp>
-        <p:nvSpPr>
-          <p:cNvPr id="254" name="流程图: 联系 253"/>
-          <p:cNvSpPr/>
-          <p:nvPr/>
-        </p:nvSpPr>
-        <p:spPr>
-          <a:xfrm>
-            <a:off x="6722639" y="5002585"/>
-            <a:ext cx="71438" cy="56439"/>
-          </a:xfrm>
-          <a:prstGeom prst="flowChartConnector">
-            <a:avLst/>
-          </a:prstGeom>
-          <a:solidFill>
-            <a:schemeClr val="bg1"/>
-          </a:solidFill>
-          <a:ln>
-            <a:solidFill>
-              <a:schemeClr val="bg1"/>
-            </a:solidFill>
-          </a:ln>
-        </p:spPr>
-        <p:style>
-          <a:lnRef idx="2">
-            <a:schemeClr val="accent1">
-              <a:shade val="50000"/>
-            </a:schemeClr>
-          </a:lnRef>
-          <a:fillRef idx="1">
-            <a:schemeClr val="accent1"/>
-          </a:fillRef>
-          <a:effectRef idx="0">
-            <a:schemeClr val="accent1"/>
-          </a:effectRef>
-          <a:fontRef idx="minor">
-            <a:schemeClr val="lt1"/>
-          </a:fontRef>
-        </p:style>
-        <p:txBody>
-          <a:bodyPr rtlCol="0" anchor="ctr"/>
-          <a:lstStyle/>
-          <a:p>
-            <a:pPr algn="ctr"/>
-            <a:endParaRPr lang="zh-CN" altLang="en-US"/>
-          </a:p>
-        </p:txBody>
-      </p:sp>
-      <p:sp>
-        <p:nvSpPr>
-          <p:cNvPr id="255" name="流程图: 联系 254"/>
-          <p:cNvSpPr/>
-          <p:nvPr/>
-        </p:nvSpPr>
-        <p:spPr>
-          <a:xfrm>
-            <a:off x="6858016" y="5010084"/>
-            <a:ext cx="71438" cy="56439"/>
-          </a:xfrm>
-          <a:prstGeom prst="flowChartConnector">
-            <a:avLst/>
-          </a:prstGeom>
-          <a:solidFill>
-            <a:schemeClr val="tx1"/>
-          </a:solidFill>
-          <a:ln>
-            <a:solidFill>
-              <a:schemeClr val="tx1"/>
-            </a:solidFill>
-          </a:ln>
-        </p:spPr>
-        <p:style>
-          <a:lnRef idx="2">
-            <a:schemeClr val="accent1">
-              <a:shade val="50000"/>
-            </a:schemeClr>
-          </a:lnRef>
-          <a:fillRef idx="1">
-            <a:schemeClr val="accent1"/>
-          </a:fillRef>
-          <a:effectRef idx="0">
-            <a:schemeClr val="accent1"/>
-          </a:effectRef>
-          <a:fontRef idx="minor">
-            <a:schemeClr val="lt1"/>
-          </a:fontRef>
-        </p:style>
-        <p:txBody>
-          <a:bodyPr rtlCol="0" anchor="ctr"/>
-          <a:lstStyle/>
-          <a:p>
-            <a:pPr algn="ctr"/>
-            <a:endParaRPr lang="zh-CN" altLang="en-US"/>
-          </a:p>
-        </p:txBody>
-      </p:sp>
-      <p:sp>
-        <p:nvSpPr>
-          <p:cNvPr id="256" name="TextBox 255"/>
-          <p:cNvSpPr txBox="1"/>
-          <p:nvPr/>
-        </p:nvSpPr>
-        <p:spPr>
-          <a:xfrm>
-            <a:off x="6500826" y="5171917"/>
-            <a:ext cx="492443" cy="276999"/>
-          </a:xfrm>
-          <a:prstGeom prst="rect">
-            <a:avLst/>
-          </a:prstGeom>
-          <a:noFill/>
-        </p:spPr>
-        <p:txBody>
-          <a:bodyPr wrap="none" rtlCol="0">
-            <a:spAutoFit/>
-          </a:bodyPr>
-          <a:lstStyle/>
-          <a:p>
-            <a:r>
-              <a:rPr lang="zh-CN" altLang="en-US" sz="1200" b="1" dirty="0" smtClean="0"/>
-              <a:t>结果</a:t>
-            </a:r>
-            <a:endParaRPr lang="en-US" altLang="zh-CN" sz="1200" b="1" dirty="0" smtClean="0"/>
-          </a:p>
-        </p:txBody>
-      </p:sp>
-      <p:sp>
-        <p:nvSpPr>
           <p:cNvPr id="257" name="圆角矩形 256"/>
           <p:cNvSpPr/>
           <p:nvPr/>
@@ -11168,44 +10936,6 @@
       </p:cxnSp>
       <p:cxnSp>
         <p:nvCxnSpPr>
-          <p:cNvPr id="265" name="形状 264"/>
-          <p:cNvCxnSpPr>
-            <a:stCxn id="173" idx="2"/>
-          </p:cNvCxnSpPr>
-          <p:nvPr/>
-        </p:nvCxnSpPr>
-        <p:spPr>
-          <a:xfrm rot="16200000" flipH="1">
-            <a:off x="5268520" y="3405589"/>
-            <a:ext cx="785818" cy="2107421"/>
-          </a:xfrm>
-          <a:prstGeom prst="bentConnector2">
-            <a:avLst/>
-          </a:prstGeom>
-          <a:ln w="15875">
-            <a:solidFill>
-              <a:schemeClr val="tx1"/>
-            </a:solidFill>
-            <a:tailEnd type="arrow"/>
-          </a:ln>
-        </p:spPr>
-        <p:style>
-          <a:lnRef idx="1">
-            <a:schemeClr val="accent1"/>
-          </a:lnRef>
-          <a:fillRef idx="0">
-            <a:schemeClr val="accent1"/>
-          </a:fillRef>
-          <a:effectRef idx="0">
-            <a:schemeClr val="accent1"/>
-          </a:effectRef>
-          <a:fontRef idx="minor">
-            <a:schemeClr val="tx1"/>
-          </a:fontRef>
-        </p:style>
-      </p:cxnSp>
-      <p:cxnSp>
-        <p:nvCxnSpPr>
           <p:cNvPr id="266" name="直接箭头连接符 265"/>
           <p:cNvCxnSpPr/>
           <p:nvPr/>
@@ -11319,8 +11049,8 @@
           <p:nvPr/>
         </p:nvSpPr>
         <p:spPr>
-          <a:xfrm>
-            <a:off x="7000892" y="4820302"/>
+          <a:xfrm rot="5400000">
+            <a:off x="388521" y="5045084"/>
             <a:ext cx="418704" cy="338554"/>
           </a:xfrm>
           <a:prstGeom prst="rect">
@@ -11599,7 +11329,7 @@
         </p:nvSpPr>
         <p:spPr>
           <a:xfrm>
-            <a:off x="7358082" y="2780507"/>
+            <a:off x="7215206" y="2780507"/>
             <a:ext cx="214314" cy="571504"/>
           </a:xfrm>
           <a:prstGeom prst="rect">
@@ -11692,15 +11422,13 @@
       <p:cxnSp>
         <p:nvCxnSpPr>
           <p:cNvPr id="287" name="直接箭头连接符 286"/>
-          <p:cNvCxnSpPr>
-            <a:endCxn id="284" idx="1"/>
-          </p:cNvCxnSpPr>
+          <p:cNvCxnSpPr/>
           <p:nvPr/>
         </p:nvCxnSpPr>
         <p:spPr>
           <a:xfrm>
             <a:off x="6215074" y="3066259"/>
-            <a:ext cx="1143008" cy="1588"/>
+            <a:ext cx="1000132" cy="1588"/>
           </a:xfrm>
           <a:prstGeom prst="straightConnector1">
             <a:avLst/>
@@ -11735,8 +11463,8 @@
         </p:nvCxnSpPr>
         <p:spPr>
           <a:xfrm>
-            <a:off x="7572396" y="3066259"/>
-            <a:ext cx="500066" cy="1588"/>
+            <a:off x="7429520" y="3066259"/>
+            <a:ext cx="285752" cy="1588"/>
           </a:xfrm>
           <a:prstGeom prst="straightConnector1">
             <a:avLst/>
@@ -11803,14 +11531,15 @@
         <p:nvCxnSpPr>
           <p:cNvPr id="293" name="直接箭头连接符 292"/>
           <p:cNvCxnSpPr>
+            <a:stCxn id="276" idx="3"/>
             <a:endCxn id="281" idx="7"/>
           </p:cNvCxnSpPr>
           <p:nvPr/>
         </p:nvCxnSpPr>
         <p:spPr>
-          <a:xfrm rot="10800000">
-            <a:off x="6173228" y="3167289"/>
-            <a:ext cx="541913" cy="327599"/>
+          <a:xfrm rot="16200000" flipV="1">
+            <a:off x="6262525" y="3077991"/>
+            <a:ext cx="327599" cy="506194"/>
           </a:xfrm>
           <a:prstGeom prst="straightConnector1">
             <a:avLst/>
@@ -11847,8 +11576,8 @@
         </p:nvCxnSpPr>
         <p:spPr>
           <a:xfrm rot="5400000" flipH="1" flipV="1">
-            <a:off x="6732999" y="3012681"/>
-            <a:ext cx="428628" cy="535785"/>
+            <a:off x="6625844" y="3119838"/>
+            <a:ext cx="428627" cy="321472"/>
           </a:xfrm>
           <a:prstGeom prst="straightConnector1">
             <a:avLst/>
@@ -11920,7 +11649,7 @@
         <p:spPr>
           <a:xfrm>
             <a:off x="5643570" y="2709069"/>
-            <a:ext cx="1428760" cy="1588"/>
+            <a:ext cx="1214446" cy="1588"/>
           </a:xfrm>
           <a:prstGeom prst="straightConnector1">
             <a:avLst/>
@@ -11955,7 +11684,7 @@
         </p:nvCxnSpPr>
         <p:spPr>
           <a:xfrm rot="5400000">
-            <a:off x="6894529" y="2886870"/>
+            <a:off x="6680215" y="2886870"/>
             <a:ext cx="357190" cy="1588"/>
           </a:xfrm>
           <a:prstGeom prst="straightConnector1">
@@ -12021,7 +11750,7 @@
         </p:nvSpPr>
         <p:spPr>
           <a:xfrm rot="5400000">
-            <a:off x="5929322" y="1065995"/>
+            <a:off x="5643570" y="1065995"/>
             <a:ext cx="285752" cy="285752"/>
           </a:xfrm>
           <a:prstGeom prst="flowChartConnector">
@@ -12077,6 +11806,7 @@
         <p:nvCxnSpPr>
           <p:cNvPr id="322" name="直接箭头连接符 321"/>
           <p:cNvCxnSpPr>
+            <a:stCxn id="170" idx="3"/>
             <a:endCxn id="321" idx="4"/>
           </p:cNvCxnSpPr>
           <p:nvPr/>
@@ -12084,7 +11814,7 @@
         <p:spPr>
           <a:xfrm>
             <a:off x="5429256" y="1208871"/>
-            <a:ext cx="500066" cy="1588"/>
+            <a:ext cx="214314" cy="1588"/>
           </a:xfrm>
           <a:prstGeom prst="straightConnector1">
             <a:avLst/>
@@ -12119,7 +11849,7 @@
         </p:nvCxnSpPr>
         <p:spPr>
           <a:xfrm>
-            <a:off x="6215074" y="1208871"/>
+            <a:off x="5929322" y="1208871"/>
             <a:ext cx="357190" cy="1588"/>
           </a:xfrm>
           <a:prstGeom prst="straightConnector1">
@@ -12171,11 +11901,7 @@
           <a:p>
             <a:r>
               <a:rPr lang="zh-CN" altLang="en-US" sz="1000" dirty="0" smtClean="0"/>
-              <a:t>任务</a:t>
-            </a:r>
-            <a:r>
-              <a:rPr lang="zh-CN" altLang="en-US" sz="1000" dirty="0" smtClean="0"/>
-              <a:t>注意力</a:t>
+              <a:t>任务注意力</a:t>
             </a:r>
             <a:endParaRPr lang="zh-CN" altLang="en-US" sz="1000" dirty="0"/>
           </a:p>
@@ -12186,17 +11912,18 @@
           <p:cNvPr id="326" name="肘形连接符 325"/>
           <p:cNvCxnSpPr>
             <a:stCxn id="276" idx="3"/>
+            <a:endCxn id="321" idx="6"/>
           </p:cNvCxnSpPr>
           <p:nvPr/>
         </p:nvCxnSpPr>
         <p:spPr>
           <a:xfrm rot="16200000" flipV="1">
-            <a:off x="5304241" y="2119706"/>
-            <a:ext cx="2143140" cy="607221"/>
+            <a:off x="5161364" y="1976829"/>
+            <a:ext cx="2143140" cy="892975"/>
           </a:xfrm>
           <a:prstGeom prst="bentConnector3">
             <a:avLst>
-              <a:gd name="adj1" fmla="val 83221"/>
+              <a:gd name="adj1" fmla="val 72222"/>
             </a:avLst>
           </a:prstGeom>
           <a:ln w="15875">
@@ -12231,8 +11958,8 @@
         </p:nvCxnSpPr>
         <p:spPr>
           <a:xfrm rot="5400000" flipH="1" flipV="1">
-            <a:off x="6322231" y="1958970"/>
-            <a:ext cx="714380" cy="1214446"/>
+            <a:off x="6179355" y="2101846"/>
+            <a:ext cx="714380" cy="928694"/>
           </a:xfrm>
           <a:prstGeom prst="bentConnector2">
             <a:avLst/>
@@ -12267,7 +11994,7 @@
         </p:nvSpPr>
         <p:spPr>
           <a:xfrm>
-            <a:off x="6573058" y="1137433"/>
+            <a:off x="6287306" y="1137433"/>
             <a:ext cx="71438" cy="214314"/>
           </a:xfrm>
           <a:prstGeom prst="rect">
@@ -12322,7 +12049,7 @@
         </p:nvSpPr>
         <p:spPr>
           <a:xfrm>
-            <a:off x="6644496" y="1208871"/>
+            <a:off x="6358744" y="1208871"/>
             <a:ext cx="71438" cy="142876"/>
           </a:xfrm>
           <a:prstGeom prst="rect">
@@ -12377,7 +12104,7 @@
         </p:nvSpPr>
         <p:spPr>
           <a:xfrm>
-            <a:off x="6715934" y="1065995"/>
+            <a:off x="6430182" y="1065995"/>
             <a:ext cx="71438" cy="285752"/>
           </a:xfrm>
           <a:prstGeom prst="rect">
@@ -12432,7 +12159,7 @@
         </p:nvSpPr>
         <p:spPr>
           <a:xfrm>
-            <a:off x="6787372" y="1137433"/>
+            <a:off x="6501620" y="1137433"/>
             <a:ext cx="71438" cy="214314"/>
           </a:xfrm>
           <a:prstGeom prst="rect">
@@ -12487,7 +12214,7 @@
         </p:nvSpPr>
         <p:spPr>
           <a:xfrm>
-            <a:off x="6858810" y="1208871"/>
+            <a:off x="6573058" y="1208871"/>
             <a:ext cx="71438" cy="142876"/>
           </a:xfrm>
           <a:prstGeom prst="rect">
@@ -12542,7 +12269,7 @@
         </p:nvSpPr>
         <p:spPr>
           <a:xfrm>
-            <a:off x="6930248" y="1208871"/>
+            <a:off x="6644496" y="1208871"/>
             <a:ext cx="71438" cy="142876"/>
           </a:xfrm>
           <a:prstGeom prst="rect">
@@ -12597,7 +12324,7 @@
         </p:nvSpPr>
         <p:spPr>
           <a:xfrm>
-            <a:off x="7001686" y="1280309"/>
+            <a:off x="6715934" y="1280309"/>
             <a:ext cx="71438" cy="71438"/>
           </a:xfrm>
           <a:prstGeom prst="rect">
@@ -12652,7 +12379,7 @@
         </p:nvSpPr>
         <p:spPr>
           <a:xfrm>
-            <a:off x="7073124" y="1137433"/>
+            <a:off x="6787372" y="1137433"/>
             <a:ext cx="71438" cy="214314"/>
           </a:xfrm>
           <a:prstGeom prst="rect">
@@ -12707,7 +12434,7 @@
         </p:nvCxnSpPr>
         <p:spPr>
           <a:xfrm rot="5400000">
-            <a:off x="6358744" y="1137433"/>
+            <a:off x="6072992" y="1137433"/>
             <a:ext cx="428628" cy="1588"/>
           </a:xfrm>
           <a:prstGeom prst="straightConnector1">
@@ -12744,7 +12471,7 @@
         </p:nvCxnSpPr>
         <p:spPr>
           <a:xfrm>
-            <a:off x="6573058" y="1351747"/>
+            <a:off x="6287306" y="1351747"/>
             <a:ext cx="714380" cy="1588"/>
           </a:xfrm>
           <a:prstGeom prst="straightConnector1">
@@ -12780,7 +12507,7 @@
         </p:nvSpPr>
         <p:spPr>
           <a:xfrm>
-            <a:off x="6500826" y="708805"/>
+            <a:off x="6215074" y="708805"/>
             <a:ext cx="697627" cy="246221"/>
           </a:xfrm>
           <a:prstGeom prst="rect">
@@ -12810,7 +12537,7 @@
         </p:nvSpPr>
         <p:spPr>
           <a:xfrm>
-            <a:off x="7286644" y="2280441"/>
+            <a:off x="7072330" y="2280441"/>
             <a:ext cx="71438" cy="71438"/>
           </a:xfrm>
           <a:prstGeom prst="rect">
@@ -12865,7 +12592,7 @@
         </p:nvSpPr>
         <p:spPr>
           <a:xfrm>
-            <a:off x="7358082" y="2209003"/>
+            <a:off x="7143768" y="2209003"/>
             <a:ext cx="71438" cy="142876"/>
           </a:xfrm>
           <a:prstGeom prst="rect">
@@ -12920,7 +12647,7 @@
         </p:nvSpPr>
         <p:spPr>
           <a:xfrm>
-            <a:off x="7429520" y="2137565"/>
+            <a:off x="7215206" y="2137565"/>
             <a:ext cx="71438" cy="214314"/>
           </a:xfrm>
           <a:prstGeom prst="rect">
@@ -12975,7 +12702,7 @@
         </p:nvSpPr>
         <p:spPr>
           <a:xfrm>
-            <a:off x="7500958" y="2137565"/>
+            <a:off x="7286644" y="2137565"/>
             <a:ext cx="71438" cy="214314"/>
           </a:xfrm>
           <a:prstGeom prst="rect">
@@ -13030,7 +12757,7 @@
         </p:nvSpPr>
         <p:spPr>
           <a:xfrm>
-            <a:off x="7572396" y="2209003"/>
+            <a:off x="7358082" y="2209003"/>
             <a:ext cx="71438" cy="142876"/>
           </a:xfrm>
           <a:prstGeom prst="rect">
@@ -13085,7 +12812,7 @@
         </p:nvSpPr>
         <p:spPr>
           <a:xfrm>
-            <a:off x="7643834" y="1994689"/>
+            <a:off x="7429520" y="1994689"/>
             <a:ext cx="71438" cy="357190"/>
           </a:xfrm>
           <a:prstGeom prst="rect">
@@ -13140,7 +12867,7 @@
         </p:nvSpPr>
         <p:spPr>
           <a:xfrm>
-            <a:off x="7715272" y="2280441"/>
+            <a:off x="7500958" y="2280441"/>
             <a:ext cx="71438" cy="71438"/>
           </a:xfrm>
           <a:prstGeom prst="rect">
@@ -13195,7 +12922,7 @@
         </p:nvSpPr>
         <p:spPr>
           <a:xfrm>
-            <a:off x="7786710" y="2209003"/>
+            <a:off x="7572396" y="2209003"/>
             <a:ext cx="71438" cy="142876"/>
           </a:xfrm>
           <a:prstGeom prst="rect">
@@ -13250,7 +12977,7 @@
         </p:nvCxnSpPr>
         <p:spPr>
           <a:xfrm rot="5400000">
-            <a:off x="7072330" y="2137565"/>
+            <a:off x="6858016" y="2137565"/>
             <a:ext cx="428628" cy="1588"/>
           </a:xfrm>
           <a:prstGeom prst="straightConnector1">
@@ -13287,7 +13014,7 @@
         </p:nvCxnSpPr>
         <p:spPr>
           <a:xfrm>
-            <a:off x="7286644" y="2351879"/>
+            <a:off x="7072330" y="2351879"/>
             <a:ext cx="714380" cy="1588"/>
           </a:xfrm>
           <a:prstGeom prst="straightConnector1">
@@ -13323,7 +13050,7 @@
         </p:nvSpPr>
         <p:spPr>
           <a:xfrm>
-            <a:off x="7215206" y="1708937"/>
+            <a:off x="7000892" y="1708937"/>
             <a:ext cx="697627" cy="246221"/>
           </a:xfrm>
           <a:prstGeom prst="rect">
@@ -13336,58 +13063,61 @@
             <a:spAutoFit/>
           </a:bodyPr>
           <a:lstStyle/>
+          <a:p>
+            <a:r>
+              <a:rPr lang="zh-CN" altLang="en-US" sz="1000" dirty="0" smtClean="0"/>
+              <a:t>内容指针</a:t>
+            </a:r>
+            <a:endParaRPr lang="zh-CN" altLang="en-US" sz="1000" dirty="0"/>
+          </a:p>
+        </p:txBody>
+      </p:sp>
+      <p:sp>
+        <p:nvSpPr>
+          <p:cNvPr id="359" name="TextBox 358"/>
+          <p:cNvSpPr txBox="1"/>
+          <p:nvPr/>
+        </p:nvSpPr>
+        <p:spPr>
+          <a:xfrm>
+            <a:off x="7358082" y="3137697"/>
+            <a:ext cx="441146" cy="400110"/>
+          </a:xfrm>
+          <a:prstGeom prst="rect">
+            <a:avLst/>
+          </a:prstGeom>
+          <a:noFill/>
+        </p:spPr>
+        <p:txBody>
+          <a:bodyPr wrap="none" rtlCol="0">
+            <a:spAutoFit/>
+          </a:bodyPr>
+          <a:lstStyle/>
+          <a:p>
+            <a:r>
+              <a:rPr lang="zh-CN" altLang="en-US" sz="1000" dirty="0" smtClean="0"/>
+              <a:t>循环</a:t>
+            </a:r>
+            <a:endParaRPr lang="en-US" altLang="zh-CN" sz="1000" dirty="0" smtClean="0"/>
+          </a:p>
           <a:p>
             <a:r>
               <a:rPr lang="zh-CN" altLang="en-US" sz="1000" dirty="0" smtClean="0"/>
               <a:t>内容</a:t>
             </a:r>
-            <a:r>
-              <a:rPr lang="zh-CN" altLang="en-US" sz="1000" dirty="0" smtClean="0"/>
-              <a:t>指针</a:t>
-            </a:r>
             <a:endParaRPr lang="zh-CN" altLang="en-US" sz="1000" dirty="0"/>
           </a:p>
         </p:txBody>
       </p:sp>
       <p:sp>
         <p:nvSpPr>
-          <p:cNvPr id="359" name="TextBox 358"/>
-          <p:cNvSpPr txBox="1"/>
+          <p:cNvPr id="371" name="矩形 370"/>
+          <p:cNvSpPr/>
           <p:nvPr/>
         </p:nvSpPr>
         <p:spPr>
           <a:xfrm>
-            <a:off x="7572396" y="3137697"/>
-            <a:ext cx="697627" cy="246221"/>
-          </a:xfrm>
-          <a:prstGeom prst="rect">
-            <a:avLst/>
-          </a:prstGeom>
-          <a:noFill/>
-        </p:spPr>
-        <p:txBody>
-          <a:bodyPr wrap="none" rtlCol="0">
-            <a:spAutoFit/>
-          </a:bodyPr>
-          <a:lstStyle/>
-          <a:p>
-            <a:r>
-              <a:rPr lang="zh-CN" altLang="en-US" sz="1000" dirty="0" smtClean="0"/>
-              <a:t>循环内容</a:t>
-            </a:r>
-            <a:endParaRPr lang="zh-CN" altLang="en-US" sz="1000" dirty="0"/>
-          </a:p>
-        </p:txBody>
-      </p:sp>
-      <p:sp>
-        <p:nvSpPr>
-          <p:cNvPr id="371" name="矩形 370"/>
-          <p:cNvSpPr/>
-          <p:nvPr/>
-        </p:nvSpPr>
-        <p:spPr>
-          <a:xfrm>
-            <a:off x="8143900" y="2923383"/>
+            <a:off x="7747455" y="2923383"/>
             <a:ext cx="71438" cy="214314"/>
           </a:xfrm>
           <a:prstGeom prst="rect">
@@ -13442,7 +13172,7 @@
         </p:nvSpPr>
         <p:spPr>
           <a:xfrm>
-            <a:off x="8215338" y="2994821"/>
+            <a:off x="7818893" y="2994821"/>
             <a:ext cx="71438" cy="142876"/>
           </a:xfrm>
           <a:prstGeom prst="rect">
@@ -13497,7 +13227,7 @@
         </p:nvSpPr>
         <p:spPr>
           <a:xfrm>
-            <a:off x="8286776" y="2923383"/>
+            <a:off x="7890331" y="2923383"/>
             <a:ext cx="71438" cy="214314"/>
           </a:xfrm>
           <a:prstGeom prst="rect">
@@ -13552,7 +13282,7 @@
         </p:nvSpPr>
         <p:spPr>
           <a:xfrm>
-            <a:off x="8358214" y="2851945"/>
+            <a:off x="7961769" y="2851945"/>
             <a:ext cx="71438" cy="285752"/>
           </a:xfrm>
           <a:prstGeom prst="rect">
@@ -13607,7 +13337,7 @@
         </p:nvSpPr>
         <p:spPr>
           <a:xfrm>
-            <a:off x="8429652" y="2780507"/>
+            <a:off x="8033207" y="2780507"/>
             <a:ext cx="71438" cy="357190"/>
           </a:xfrm>
           <a:prstGeom prst="rect">
@@ -13662,7 +13392,7 @@
         </p:nvSpPr>
         <p:spPr>
           <a:xfrm>
-            <a:off x="8501090" y="2994821"/>
+            <a:off x="8104645" y="2994821"/>
             <a:ext cx="71438" cy="142876"/>
           </a:xfrm>
           <a:prstGeom prst="rect">
@@ -13717,7 +13447,7 @@
         </p:nvSpPr>
         <p:spPr>
           <a:xfrm>
-            <a:off x="8572528" y="3066259"/>
+            <a:off x="8176083" y="3066259"/>
             <a:ext cx="71438" cy="71438"/>
           </a:xfrm>
           <a:prstGeom prst="rect">
@@ -13772,7 +13502,7 @@
         </p:nvSpPr>
         <p:spPr>
           <a:xfrm>
-            <a:off x="8643966" y="3066259"/>
+            <a:off x="8247521" y="3066259"/>
             <a:ext cx="71438" cy="71438"/>
           </a:xfrm>
           <a:prstGeom prst="rect">
@@ -13827,7 +13557,7 @@
         </p:nvCxnSpPr>
         <p:spPr>
           <a:xfrm rot="5400000">
-            <a:off x="7929586" y="2923383"/>
+            <a:off x="7533141" y="2923383"/>
             <a:ext cx="428628" cy="1588"/>
           </a:xfrm>
           <a:prstGeom prst="straightConnector1">
@@ -13864,7 +13594,7 @@
         </p:nvCxnSpPr>
         <p:spPr>
           <a:xfrm>
-            <a:off x="8143900" y="3137697"/>
+            <a:off x="7747455" y="3137697"/>
             <a:ext cx="714380" cy="1588"/>
           </a:xfrm>
           <a:prstGeom prst="straightConnector1">
@@ -13900,7 +13630,7 @@
         </p:nvSpPr>
         <p:spPr>
           <a:xfrm>
-            <a:off x="8071668" y="2494755"/>
+            <a:off x="7675223" y="2494755"/>
             <a:ext cx="825867" cy="246221"/>
           </a:xfrm>
           <a:prstGeom prst="rect">
@@ -13930,7 +13660,7 @@
         </p:nvSpPr>
         <p:spPr>
           <a:xfrm rot="5400000">
-            <a:off x="7500958" y="1065995"/>
+            <a:off x="7143768" y="1065995"/>
             <a:ext cx="285752" cy="285752"/>
           </a:xfrm>
           <a:prstGeom prst="flowChartConnector">
@@ -13992,7 +13722,7 @@
         </p:nvCxnSpPr>
         <p:spPr>
           <a:xfrm rot="5400000" flipH="1" flipV="1">
-            <a:off x="7465239" y="1530342"/>
+            <a:off x="7108049" y="1530342"/>
             <a:ext cx="357190" cy="1588"/>
           </a:xfrm>
           <a:prstGeom prst="straightConnector1">
@@ -14028,7 +13758,7 @@
         </p:nvCxnSpPr>
         <p:spPr>
           <a:xfrm>
-            <a:off x="7286644" y="1208871"/>
+            <a:off x="6929454" y="1208871"/>
             <a:ext cx="214314" cy="1588"/>
           </a:xfrm>
           <a:prstGeom prst="straightConnector1">
@@ -14064,7 +13794,7 @@
         </p:nvSpPr>
         <p:spPr>
           <a:xfrm rot="5400000">
-            <a:off x="8286776" y="1065995"/>
+            <a:off x="7929586" y="1065995"/>
             <a:ext cx="285752" cy="285752"/>
           </a:xfrm>
           <a:prstGeom prst="flowChartConnector">
@@ -14119,14 +13849,12 @@
       <p:cxnSp>
         <p:nvCxnSpPr>
           <p:cNvPr id="388" name="直接箭头连接符 387"/>
-          <p:cNvCxnSpPr>
-            <a:endCxn id="387" idx="4"/>
-          </p:cNvCxnSpPr>
+          <p:cNvCxnSpPr/>
           <p:nvPr/>
         </p:nvCxnSpPr>
         <p:spPr>
           <a:xfrm>
-            <a:off x="7786710" y="1208871"/>
+            <a:off x="7429520" y="1208871"/>
             <a:ext cx="500066" cy="1588"/>
           </a:xfrm>
           <a:prstGeom prst="straightConnector1">
@@ -14157,15 +13885,13 @@
       <p:cxnSp>
         <p:nvCxnSpPr>
           <p:cNvPr id="389" name="直接箭头连接符 388"/>
-          <p:cNvCxnSpPr>
-            <a:endCxn id="387" idx="6"/>
-          </p:cNvCxnSpPr>
+          <p:cNvCxnSpPr/>
           <p:nvPr/>
         </p:nvCxnSpPr>
         <p:spPr>
           <a:xfrm rot="5400000" flipH="1" flipV="1">
-            <a:off x="7893073" y="1887532"/>
-            <a:ext cx="1072364" cy="794"/>
+            <a:off x="7500561" y="1922854"/>
+            <a:ext cx="1143008" cy="794"/>
           </a:xfrm>
           <a:prstGeom prst="straightConnector1">
             <a:avLst/>
@@ -14199,9 +13925,9 @@
           <p:nvPr/>
         </p:nvCxnSpPr>
         <p:spPr>
-          <a:xfrm rot="5400000" flipH="1" flipV="1">
-            <a:off x="8322495" y="958838"/>
-            <a:ext cx="214314" cy="1588"/>
+          <a:xfrm flipV="1">
+            <a:off x="8214544" y="1208077"/>
+            <a:ext cx="215108" cy="794"/>
           </a:xfrm>
           <a:prstGeom prst="straightConnector1">
             <a:avLst/>
@@ -14236,7 +13962,7 @@
         </p:nvSpPr>
         <p:spPr>
           <a:xfrm>
-            <a:off x="8073256" y="565929"/>
+            <a:off x="8429652" y="1137433"/>
             <a:ext cx="71438" cy="214314"/>
           </a:xfrm>
           <a:prstGeom prst="rect">
@@ -14291,7 +14017,7 @@
         </p:nvSpPr>
         <p:spPr>
           <a:xfrm>
-            <a:off x="8144694" y="708805"/>
+            <a:off x="8501090" y="1280309"/>
             <a:ext cx="70644" cy="71438"/>
           </a:xfrm>
           <a:prstGeom prst="rect">
@@ -14346,7 +14072,7 @@
         </p:nvSpPr>
         <p:spPr>
           <a:xfrm>
-            <a:off x="8216132" y="637367"/>
+            <a:off x="8572528" y="1208871"/>
             <a:ext cx="70644" cy="142876"/>
           </a:xfrm>
           <a:prstGeom prst="rect">
@@ -14401,7 +14127,7 @@
         </p:nvSpPr>
         <p:spPr>
           <a:xfrm>
-            <a:off x="8287570" y="494491"/>
+            <a:off x="8643966" y="1065995"/>
             <a:ext cx="71438" cy="285752"/>
           </a:xfrm>
           <a:prstGeom prst="rect">
@@ -14456,7 +14182,7 @@
         </p:nvSpPr>
         <p:spPr>
           <a:xfrm>
-            <a:off x="8359008" y="637367"/>
+            <a:off x="8715404" y="1208871"/>
             <a:ext cx="70644" cy="142876"/>
           </a:xfrm>
           <a:prstGeom prst="rect">
@@ -14511,7 +14237,7 @@
         </p:nvSpPr>
         <p:spPr>
           <a:xfrm>
-            <a:off x="8430446" y="423053"/>
+            <a:off x="8786842" y="994557"/>
             <a:ext cx="70644" cy="357190"/>
           </a:xfrm>
           <a:prstGeom prst="rect">
@@ -14566,7 +14292,7 @@
         </p:nvSpPr>
         <p:spPr>
           <a:xfrm>
-            <a:off x="8501884" y="708805"/>
+            <a:off x="8858280" y="1280309"/>
             <a:ext cx="71438" cy="71438"/>
           </a:xfrm>
           <a:prstGeom prst="rect">
@@ -14621,7 +14347,7 @@
         </p:nvSpPr>
         <p:spPr>
           <a:xfrm>
-            <a:off x="8573322" y="637367"/>
+            <a:off x="8929718" y="1208871"/>
             <a:ext cx="70644" cy="142876"/>
           </a:xfrm>
           <a:prstGeom prst="rect">
@@ -14676,7 +14402,7 @@
         </p:nvCxnSpPr>
         <p:spPr>
           <a:xfrm rot="5400000">
-            <a:off x="7858942" y="565929"/>
+            <a:off x="8215338" y="1137433"/>
             <a:ext cx="428628" cy="1588"/>
           </a:xfrm>
           <a:prstGeom prst="straightConnector1">
@@ -14713,7 +14439,7 @@
         </p:nvCxnSpPr>
         <p:spPr>
           <a:xfrm>
-            <a:off x="8073256" y="780243"/>
+            <a:off x="8429652" y="1351747"/>
             <a:ext cx="714380" cy="1588"/>
           </a:xfrm>
           <a:prstGeom prst="straightConnector1">
@@ -14749,7 +14475,7 @@
         </p:nvSpPr>
         <p:spPr>
           <a:xfrm>
-            <a:off x="8001024" y="137301"/>
+            <a:off x="8357420" y="708805"/>
             <a:ext cx="748923" cy="261610"/>
           </a:xfrm>
           <a:prstGeom prst="rect">
@@ -14768,6 +14494,405 @@
               <a:t>输出分布</a:t>
             </a:r>
             <a:endParaRPr lang="zh-CN" altLang="en-US" sz="1050" b="1" dirty="0"/>
+          </a:p>
+        </p:txBody>
+      </p:sp>
+      <p:sp>
+        <p:nvSpPr>
+          <p:cNvPr id="268" name="矩形 267"/>
+          <p:cNvSpPr/>
+          <p:nvPr/>
+        </p:nvSpPr>
+        <p:spPr>
+          <a:xfrm rot="5400000">
+            <a:off x="348254" y="4728162"/>
+            <a:ext cx="360000" cy="56439"/>
+          </a:xfrm>
+          <a:prstGeom prst="rect">
+            <a:avLst/>
+          </a:prstGeom>
+          <a:solidFill>
+            <a:schemeClr val="bg1">
+              <a:lumMod val="65000"/>
+            </a:schemeClr>
+          </a:solidFill>
+          <a:ln>
+            <a:solidFill>
+              <a:schemeClr val="bg1">
+                <a:lumMod val="65000"/>
+              </a:schemeClr>
+            </a:solidFill>
+            <a:round/>
+          </a:ln>
+        </p:spPr>
+        <p:style>
+          <a:lnRef idx="2">
+            <a:schemeClr val="accent1">
+              <a:shade val="50000"/>
+            </a:schemeClr>
+          </a:lnRef>
+          <a:fillRef idx="1">
+            <a:schemeClr val="accent1"/>
+          </a:fillRef>
+          <a:effectRef idx="0">
+            <a:schemeClr val="accent1"/>
+          </a:effectRef>
+          <a:fontRef idx="minor">
+            <a:schemeClr val="lt1"/>
+          </a:fontRef>
+        </p:style>
+        <p:txBody>
+          <a:bodyPr rtlCol="0" anchor="ctr"/>
+          <a:lstStyle/>
+          <a:p>
+            <a:pPr algn="ctr"/>
+            <a:endParaRPr lang="zh-CN" altLang="en-US"/>
+          </a:p>
+        </p:txBody>
+      </p:sp>
+      <p:sp>
+        <p:nvSpPr>
+          <p:cNvPr id="269" name="流程图: 联系 268"/>
+          <p:cNvSpPr/>
+          <p:nvPr/>
+        </p:nvSpPr>
+        <p:spPr>
+          <a:xfrm rot="5400000">
+            <a:off x="492536" y="4583881"/>
+            <a:ext cx="71438" cy="56439"/>
+          </a:xfrm>
+          <a:prstGeom prst="flowChartConnector">
+            <a:avLst/>
+          </a:prstGeom>
+          <a:solidFill>
+            <a:schemeClr val="tx1"/>
+          </a:solidFill>
+          <a:ln>
+            <a:solidFill>
+              <a:schemeClr val="tx1"/>
+            </a:solidFill>
+          </a:ln>
+        </p:spPr>
+        <p:style>
+          <a:lnRef idx="2">
+            <a:schemeClr val="accent1">
+              <a:shade val="50000"/>
+            </a:schemeClr>
+          </a:lnRef>
+          <a:fillRef idx="1">
+            <a:schemeClr val="accent1"/>
+          </a:fillRef>
+          <a:effectRef idx="0">
+            <a:schemeClr val="accent1"/>
+          </a:effectRef>
+          <a:fontRef idx="minor">
+            <a:schemeClr val="lt1"/>
+          </a:fontRef>
+        </p:style>
+        <p:txBody>
+          <a:bodyPr rtlCol="0" anchor="ctr"/>
+          <a:lstStyle/>
+          <a:p>
+            <a:pPr algn="ctr"/>
+            <a:endParaRPr lang="zh-CN" altLang="en-US"/>
+          </a:p>
+        </p:txBody>
+      </p:sp>
+      <p:sp>
+        <p:nvSpPr>
+          <p:cNvPr id="271" name="流程图: 联系 270"/>
+          <p:cNvSpPr/>
+          <p:nvPr/>
+        </p:nvSpPr>
+        <p:spPr>
+          <a:xfrm rot="5400000">
+            <a:off x="492536" y="4726757"/>
+            <a:ext cx="71438" cy="56439"/>
+          </a:xfrm>
+          <a:prstGeom prst="flowChartConnector">
+            <a:avLst/>
+          </a:prstGeom>
+          <a:solidFill>
+            <a:schemeClr val="bg1"/>
+          </a:solidFill>
+          <a:ln>
+            <a:solidFill>
+              <a:schemeClr val="bg1"/>
+            </a:solidFill>
+          </a:ln>
+        </p:spPr>
+        <p:style>
+          <a:lnRef idx="2">
+            <a:schemeClr val="accent1">
+              <a:shade val="50000"/>
+            </a:schemeClr>
+          </a:lnRef>
+          <a:fillRef idx="1">
+            <a:schemeClr val="accent1"/>
+          </a:fillRef>
+          <a:effectRef idx="0">
+            <a:schemeClr val="accent1"/>
+          </a:effectRef>
+          <a:fontRef idx="minor">
+            <a:schemeClr val="lt1"/>
+          </a:fontRef>
+        </p:style>
+        <p:txBody>
+          <a:bodyPr rtlCol="0" anchor="ctr"/>
+          <a:lstStyle/>
+          <a:p>
+            <a:pPr algn="ctr"/>
+            <a:endParaRPr lang="zh-CN" altLang="en-US"/>
+          </a:p>
+        </p:txBody>
+      </p:sp>
+      <p:sp>
+        <p:nvSpPr>
+          <p:cNvPr id="272" name="流程图: 联系 271"/>
+          <p:cNvSpPr/>
+          <p:nvPr/>
+        </p:nvSpPr>
+        <p:spPr>
+          <a:xfrm rot="5400000">
+            <a:off x="492536" y="4869633"/>
+            <a:ext cx="71438" cy="56439"/>
+          </a:xfrm>
+          <a:prstGeom prst="flowChartConnector">
+            <a:avLst/>
+          </a:prstGeom>
+          <a:solidFill>
+            <a:schemeClr val="tx1"/>
+          </a:solidFill>
+          <a:ln>
+            <a:solidFill>
+              <a:schemeClr val="tx1"/>
+            </a:solidFill>
+          </a:ln>
+        </p:spPr>
+        <p:style>
+          <a:lnRef idx="2">
+            <a:schemeClr val="accent1">
+              <a:shade val="50000"/>
+            </a:schemeClr>
+          </a:lnRef>
+          <a:fillRef idx="1">
+            <a:schemeClr val="accent1"/>
+          </a:fillRef>
+          <a:effectRef idx="0">
+            <a:schemeClr val="accent1"/>
+          </a:effectRef>
+          <a:fontRef idx="minor">
+            <a:schemeClr val="lt1"/>
+          </a:fontRef>
+        </p:style>
+        <p:txBody>
+          <a:bodyPr rtlCol="0" anchor="ctr"/>
+          <a:lstStyle/>
+          <a:p>
+            <a:pPr algn="ctr"/>
+            <a:endParaRPr lang="zh-CN" altLang="en-US"/>
+          </a:p>
+        </p:txBody>
+      </p:sp>
+      <p:sp>
+        <p:nvSpPr>
+          <p:cNvPr id="274" name="TextBox 273"/>
+          <p:cNvSpPr txBox="1"/>
+          <p:nvPr/>
+        </p:nvSpPr>
+        <p:spPr>
+          <a:xfrm>
+            <a:off x="500034" y="4780771"/>
+            <a:ext cx="235962" cy="584775"/>
+          </a:xfrm>
+          <a:prstGeom prst="rect">
+            <a:avLst/>
+          </a:prstGeom>
+          <a:noFill/>
+        </p:spPr>
+        <p:txBody>
+          <a:bodyPr wrap="none" rtlCol="0">
+            <a:spAutoFit/>
+          </a:bodyPr>
+          <a:lstStyle/>
+          <a:p>
+            <a:endParaRPr lang="en-US" altLang="zh-CN" sz="1600" dirty="0" smtClean="0"/>
+          </a:p>
+          <a:p>
+            <a:r>
+              <a:rPr lang="en-US" altLang="zh-CN" sz="1600" dirty="0" smtClean="0"/>
+              <a:t> </a:t>
+            </a:r>
+            <a:endParaRPr lang="en-US" altLang="zh-CN" sz="1600" dirty="0" smtClean="0"/>
+          </a:p>
+        </p:txBody>
+      </p:sp>
+      <p:sp>
+        <p:nvSpPr>
+          <p:cNvPr id="282" name="TextBox 281"/>
+          <p:cNvSpPr txBox="1"/>
+          <p:nvPr/>
+        </p:nvSpPr>
+        <p:spPr>
+          <a:xfrm>
+            <a:off x="142844" y="4686220"/>
+            <a:ext cx="338554" cy="461665"/>
+          </a:xfrm>
+          <a:prstGeom prst="rect">
+            <a:avLst/>
+          </a:prstGeom>
+          <a:noFill/>
+        </p:spPr>
+        <p:txBody>
+          <a:bodyPr wrap="none" rtlCol="0">
+            <a:spAutoFit/>
+          </a:bodyPr>
+          <a:lstStyle/>
+          <a:p>
+            <a:r>
+              <a:rPr lang="zh-CN" altLang="en-US" sz="1200" b="1" dirty="0" smtClean="0"/>
+              <a:t>结</a:t>
+            </a:r>
+            <a:endParaRPr lang="en-US" altLang="zh-CN" sz="1200" b="1" dirty="0" smtClean="0"/>
+          </a:p>
+          <a:p>
+            <a:r>
+              <a:rPr lang="zh-CN" altLang="en-US" sz="1200" b="1" dirty="0" smtClean="0"/>
+              <a:t>果</a:t>
+            </a:r>
+            <a:endParaRPr lang="en-US" altLang="zh-CN" sz="1200" b="1" dirty="0" smtClean="0"/>
+          </a:p>
+        </p:txBody>
+      </p:sp>
+      <p:cxnSp>
+        <p:nvCxnSpPr>
+          <p:cNvPr id="283" name="直接箭头连接符 282"/>
+          <p:cNvCxnSpPr/>
+          <p:nvPr/>
+        </p:nvCxnSpPr>
+        <p:spPr>
+          <a:xfrm>
+            <a:off x="642910" y="4993497"/>
+            <a:ext cx="6072230" cy="1588"/>
+          </a:xfrm>
+          <a:prstGeom prst="straightConnector1">
+            <a:avLst/>
+          </a:prstGeom>
+          <a:ln w="15875">
+            <a:solidFill>
+              <a:schemeClr val="tx1"/>
+            </a:solidFill>
+            <a:tailEnd type="none"/>
+          </a:ln>
+        </p:spPr>
+        <p:style>
+          <a:lnRef idx="1">
+            <a:schemeClr val="accent1"/>
+          </a:lnRef>
+          <a:fillRef idx="0">
+            <a:schemeClr val="accent1"/>
+          </a:fillRef>
+          <a:effectRef idx="0">
+            <a:schemeClr val="accent1"/>
+          </a:effectRef>
+          <a:fontRef idx="minor">
+            <a:schemeClr val="tx1"/>
+          </a:fontRef>
+        </p:style>
+      </p:cxnSp>
+      <p:cxnSp>
+        <p:nvCxnSpPr>
+          <p:cNvPr id="298" name="直接箭头连接符 297"/>
+          <p:cNvCxnSpPr/>
+          <p:nvPr/>
+        </p:nvCxnSpPr>
+        <p:spPr>
+          <a:xfrm rot="5400000">
+            <a:off x="4108447" y="4529944"/>
+            <a:ext cx="928694" cy="1588"/>
+          </a:xfrm>
+          <a:prstGeom prst="straightConnector1">
+            <a:avLst/>
+          </a:prstGeom>
+          <a:ln w="15875">
+            <a:solidFill>
+              <a:schemeClr val="tx1"/>
+            </a:solidFill>
+            <a:tailEnd type="none"/>
+          </a:ln>
+        </p:spPr>
+        <p:style>
+          <a:lnRef idx="1">
+            <a:schemeClr val="accent1"/>
+          </a:lnRef>
+          <a:fillRef idx="0">
+            <a:schemeClr val="accent1"/>
+          </a:fillRef>
+          <a:effectRef idx="0">
+            <a:schemeClr val="accent1"/>
+          </a:effectRef>
+          <a:fontRef idx="minor">
+            <a:schemeClr val="tx1"/>
+          </a:fontRef>
+        </p:style>
+      </p:cxnSp>
+      <p:sp>
+        <p:nvSpPr>
+          <p:cNvPr id="325" name="TextBox 324"/>
+          <p:cNvSpPr txBox="1"/>
+          <p:nvPr/>
+        </p:nvSpPr>
+        <p:spPr>
+          <a:xfrm>
+            <a:off x="71406" y="90005"/>
+            <a:ext cx="453970" cy="253916"/>
+          </a:xfrm>
+          <a:prstGeom prst="rect">
+            <a:avLst/>
+          </a:prstGeom>
+          <a:noFill/>
+        </p:spPr>
+        <p:txBody>
+          <a:bodyPr wrap="none" rtlCol="0">
+            <a:spAutoFit/>
+          </a:bodyPr>
+          <a:lstStyle/>
+          <a:p>
+            <a:r>
+              <a:rPr lang="zh-CN" altLang="en-US" sz="1050" dirty="0" smtClean="0"/>
+              <a:t>输入</a:t>
+            </a:r>
+            <a:endParaRPr lang="zh-CN" altLang="en-US" sz="1050" dirty="0"/>
+          </a:p>
+        </p:txBody>
+      </p:sp>
+      <p:sp>
+        <p:nvSpPr>
+          <p:cNvPr id="327" name="TextBox 326"/>
+          <p:cNvSpPr txBox="1"/>
+          <p:nvPr/>
+        </p:nvSpPr>
+        <p:spPr>
+          <a:xfrm>
+            <a:off x="8475748" y="90005"/>
+            <a:ext cx="453970" cy="253916"/>
+          </a:xfrm>
+          <a:prstGeom prst="rect">
+            <a:avLst/>
+          </a:prstGeom>
+          <a:noFill/>
+        </p:spPr>
+        <p:txBody>
+          <a:bodyPr wrap="none" rtlCol="0">
+            <a:spAutoFit/>
+          </a:bodyPr>
+          <a:lstStyle/>
+          <a:p>
+            <a:r>
+              <a:rPr lang="zh-CN" altLang="en-US" sz="1050" dirty="0" smtClean="0"/>
+              <a:t>输出</a:t>
+            </a:r>
+            <a:endParaRPr lang="zh-CN" altLang="en-US" sz="1050" dirty="0"/>
           </a:p>
         </p:txBody>
       </p:sp>

--- a/论文图/cnl2sqlnet.pptx
+++ b/论文图/cnl2sqlnet.pptx
@@ -289,7 +289,7 @@
             <a:fld id="{530820CF-B880-4189-942D-D702A7CBA730}" type="datetimeFigureOut">
               <a:rPr lang="zh-CN" altLang="en-US" smtClean="0"/>
               <a:pPr/>
-              <a:t>2018/12/5</a:t>
+              <a:t>2018/12/8</a:t>
             </a:fld>
             <a:endParaRPr lang="zh-CN" altLang="en-US"/>
           </a:p>
@@ -456,7 +456,7 @@
             <a:fld id="{530820CF-B880-4189-942D-D702A7CBA730}" type="datetimeFigureOut">
               <a:rPr lang="zh-CN" altLang="en-US" smtClean="0"/>
               <a:pPr/>
-              <a:t>2018/12/5</a:t>
+              <a:t>2018/12/8</a:t>
             </a:fld>
             <a:endParaRPr lang="zh-CN" altLang="en-US"/>
           </a:p>
@@ -633,7 +633,7 @@
             <a:fld id="{530820CF-B880-4189-942D-D702A7CBA730}" type="datetimeFigureOut">
               <a:rPr lang="zh-CN" altLang="en-US" smtClean="0"/>
               <a:pPr/>
-              <a:t>2018/12/5</a:t>
+              <a:t>2018/12/8</a:t>
             </a:fld>
             <a:endParaRPr lang="zh-CN" altLang="en-US"/>
           </a:p>
@@ -800,7 +800,7 @@
             <a:fld id="{530820CF-B880-4189-942D-D702A7CBA730}" type="datetimeFigureOut">
               <a:rPr lang="zh-CN" altLang="en-US" smtClean="0"/>
               <a:pPr/>
-              <a:t>2018/12/5</a:t>
+              <a:t>2018/12/8</a:t>
             </a:fld>
             <a:endParaRPr lang="zh-CN" altLang="en-US"/>
           </a:p>
@@ -1043,7 +1043,7 @@
             <a:fld id="{530820CF-B880-4189-942D-D702A7CBA730}" type="datetimeFigureOut">
               <a:rPr lang="zh-CN" altLang="en-US" smtClean="0"/>
               <a:pPr/>
-              <a:t>2018/12/5</a:t>
+              <a:t>2018/12/8</a:t>
             </a:fld>
             <a:endParaRPr lang="zh-CN" altLang="en-US"/>
           </a:p>
@@ -1328,7 +1328,7 @@
             <a:fld id="{530820CF-B880-4189-942D-D702A7CBA730}" type="datetimeFigureOut">
               <a:rPr lang="zh-CN" altLang="en-US" smtClean="0"/>
               <a:pPr/>
-              <a:t>2018/12/5</a:t>
+              <a:t>2018/12/8</a:t>
             </a:fld>
             <a:endParaRPr lang="zh-CN" altLang="en-US"/>
           </a:p>
@@ -1747,7 +1747,7 @@
             <a:fld id="{530820CF-B880-4189-942D-D702A7CBA730}" type="datetimeFigureOut">
               <a:rPr lang="zh-CN" altLang="en-US" smtClean="0"/>
               <a:pPr/>
-              <a:t>2018/12/5</a:t>
+              <a:t>2018/12/8</a:t>
             </a:fld>
             <a:endParaRPr lang="zh-CN" altLang="en-US"/>
           </a:p>
@@ -1862,7 +1862,7 @@
             <a:fld id="{530820CF-B880-4189-942D-D702A7CBA730}" type="datetimeFigureOut">
               <a:rPr lang="zh-CN" altLang="en-US" smtClean="0"/>
               <a:pPr/>
-              <a:t>2018/12/5</a:t>
+              <a:t>2018/12/8</a:t>
             </a:fld>
             <a:endParaRPr lang="zh-CN" altLang="en-US"/>
           </a:p>
@@ -1954,7 +1954,7 @@
             <a:fld id="{530820CF-B880-4189-942D-D702A7CBA730}" type="datetimeFigureOut">
               <a:rPr lang="zh-CN" altLang="en-US" smtClean="0"/>
               <a:pPr/>
-              <a:t>2018/12/5</a:t>
+              <a:t>2018/12/8</a:t>
             </a:fld>
             <a:endParaRPr lang="zh-CN" altLang="en-US"/>
           </a:p>
@@ -2228,7 +2228,7 @@
             <a:fld id="{530820CF-B880-4189-942D-D702A7CBA730}" type="datetimeFigureOut">
               <a:rPr lang="zh-CN" altLang="en-US" smtClean="0"/>
               <a:pPr/>
-              <a:t>2018/12/5</a:t>
+              <a:t>2018/12/8</a:t>
             </a:fld>
             <a:endParaRPr lang="zh-CN" altLang="en-US"/>
           </a:p>
@@ -2478,7 +2478,7 @@
             <a:fld id="{530820CF-B880-4189-942D-D702A7CBA730}" type="datetimeFigureOut">
               <a:rPr lang="zh-CN" altLang="en-US" smtClean="0"/>
               <a:pPr/>
-              <a:t>2018/12/5</a:t>
+              <a:t>2018/12/8</a:t>
             </a:fld>
             <a:endParaRPr lang="zh-CN" altLang="en-US"/>
           </a:p>
@@ -2688,7 +2688,7 @@
             <a:fld id="{530820CF-B880-4189-942D-D702A7CBA730}" type="datetimeFigureOut">
               <a:rPr lang="zh-CN" altLang="en-US" smtClean="0"/>
               <a:pPr/>
-              <a:t>2018/12/5</a:t>
+              <a:t>2018/12/8</a:t>
             </a:fld>
             <a:endParaRPr lang="zh-CN" altLang="en-US"/>
           </a:p>
@@ -14476,7 +14476,7 @@
         <p:spPr>
           <a:xfrm>
             <a:off x="8357420" y="708805"/>
-            <a:ext cx="748923" cy="261610"/>
+            <a:ext cx="723275" cy="253916"/>
           </a:xfrm>
           <a:prstGeom prst="rect">
             <a:avLst/>
@@ -14491,7 +14491,11 @@
           <a:p>
             <a:r>
               <a:rPr lang="zh-CN" altLang="en-US" sz="1050" b="1" dirty="0" smtClean="0"/>
-              <a:t>输出分布</a:t>
+              <a:t>综合</a:t>
+            </a:r>
+            <a:r>
+              <a:rPr lang="zh-CN" altLang="en-US" sz="1050" b="1" dirty="0" smtClean="0"/>
+              <a:t>分布</a:t>
             </a:r>
             <a:endParaRPr lang="zh-CN" altLang="en-US" sz="1050" b="1" dirty="0"/>
           </a:p>
@@ -14723,7 +14727,6 @@
               <a:rPr lang="en-US" altLang="zh-CN" sz="1600" dirty="0" smtClean="0"/>
               <a:t> </a:t>
             </a:r>
-            <a:endParaRPr lang="en-US" altLang="zh-CN" sz="1600" dirty="0" smtClean="0"/>
           </a:p>
         </p:txBody>
       </p:sp>

--- a/论文图/cnl2sqlnet.pptx
+++ b/论文图/cnl2sqlnet.pptx
@@ -5,9 +5,9 @@
     <p:sldMasterId id="2147483648" r:id="rId1"/>
   </p:sldMasterIdLst>
   <p:sldIdLst>
-    <p:sldId id="257" r:id="rId2"/>
+    <p:sldId id="256" r:id="rId2"/>
   </p:sldIdLst>
-  <p:sldSz cx="9144000" cy="5418138"/>
+  <p:sldSz cx="9361488" cy="6138863"/>
   <p:notesSz cx="6858000" cy="9144000"/>
   <p:defaultTextStyle>
     <a:defPPr>
@@ -136,8 +136,8 @@
         </p:nvSpPr>
         <p:spPr>
           <a:xfrm>
-            <a:off x="685800" y="1683135"/>
-            <a:ext cx="7772400" cy="1161388"/>
+            <a:off x="702112" y="1907028"/>
+            <a:ext cx="7957265" cy="1315877"/>
           </a:xfrm>
         </p:spPr>
         <p:txBody>
@@ -164,8 +164,8 @@
         </p:nvSpPr>
         <p:spPr>
           <a:xfrm>
-            <a:off x="1371600" y="3070278"/>
-            <a:ext cx="6400800" cy="1384635"/>
+            <a:off x="1404223" y="3478690"/>
+            <a:ext cx="6553042" cy="1568821"/>
           </a:xfrm>
         </p:spPr>
         <p:txBody>
@@ -289,7 +289,7 @@
             <a:fld id="{530820CF-B880-4189-942D-D702A7CBA730}" type="datetimeFigureOut">
               <a:rPr lang="zh-CN" altLang="en-US" smtClean="0"/>
               <a:pPr/>
-              <a:t>2018/12/8</a:t>
+              <a:t>2018/12/27</a:t>
             </a:fld>
             <a:endParaRPr lang="zh-CN" altLang="en-US"/>
           </a:p>
@@ -456,7 +456,7 @@
             <a:fld id="{530820CF-B880-4189-942D-D702A7CBA730}" type="datetimeFigureOut">
               <a:rPr lang="zh-CN" altLang="en-US" smtClean="0"/>
               <a:pPr/>
-              <a:t>2018/12/8</a:t>
+              <a:t>2018/12/27</a:t>
             </a:fld>
             <a:endParaRPr lang="zh-CN" altLang="en-US"/>
           </a:p>
@@ -542,8 +542,8 @@
         </p:nvSpPr>
         <p:spPr>
           <a:xfrm>
-            <a:off x="6629400" y="216977"/>
-            <a:ext cx="2057400" cy="4622976"/>
+            <a:off x="6787079" y="245840"/>
+            <a:ext cx="2106335" cy="5237928"/>
           </a:xfrm>
         </p:spPr>
         <p:txBody>
@@ -570,8 +570,8 @@
         </p:nvSpPr>
         <p:spPr>
           <a:xfrm>
-            <a:off x="457200" y="216977"/>
-            <a:ext cx="6019800" cy="4622976"/>
+            <a:off x="468074" y="245840"/>
+            <a:ext cx="6162980" cy="5237928"/>
           </a:xfrm>
         </p:spPr>
         <p:txBody>
@@ -633,7 +633,7 @@
             <a:fld id="{530820CF-B880-4189-942D-D702A7CBA730}" type="datetimeFigureOut">
               <a:rPr lang="zh-CN" altLang="en-US" smtClean="0"/>
               <a:pPr/>
-              <a:t>2018/12/8</a:t>
+              <a:t>2018/12/27</a:t>
             </a:fld>
             <a:endParaRPr lang="zh-CN" altLang="en-US"/>
           </a:p>
@@ -800,7 +800,7 @@
             <a:fld id="{530820CF-B880-4189-942D-D702A7CBA730}" type="datetimeFigureOut">
               <a:rPr lang="zh-CN" altLang="en-US" smtClean="0"/>
               <a:pPr/>
-              <a:t>2018/12/8</a:t>
+              <a:t>2018/12/27</a:t>
             </a:fld>
             <a:endParaRPr lang="zh-CN" altLang="en-US"/>
           </a:p>
@@ -886,8 +886,8 @@
         </p:nvSpPr>
         <p:spPr>
           <a:xfrm>
-            <a:off x="722313" y="3481656"/>
-            <a:ext cx="7772400" cy="1076102"/>
+            <a:off x="739493" y="3944789"/>
+            <a:ext cx="7957265" cy="1219246"/>
           </a:xfrm>
         </p:spPr>
         <p:txBody>
@@ -918,8 +918,8 @@
         </p:nvSpPr>
         <p:spPr>
           <a:xfrm>
-            <a:off x="722313" y="2296439"/>
-            <a:ext cx="7772400" cy="1185217"/>
+            <a:off x="739493" y="2601912"/>
+            <a:ext cx="7957265" cy="1342876"/>
           </a:xfrm>
         </p:spPr>
         <p:txBody>
@@ -1043,7 +1043,7 @@
             <a:fld id="{530820CF-B880-4189-942D-D702A7CBA730}" type="datetimeFigureOut">
               <a:rPr lang="zh-CN" altLang="en-US" smtClean="0"/>
               <a:pPr/>
-              <a:t>2018/12/8</a:t>
+              <a:t>2018/12/27</a:t>
             </a:fld>
             <a:endParaRPr lang="zh-CN" altLang="en-US"/>
           </a:p>
@@ -1152,8 +1152,8 @@
         </p:nvSpPr>
         <p:spPr>
           <a:xfrm>
-            <a:off x="457200" y="1264232"/>
-            <a:ext cx="4038600" cy="3575721"/>
+            <a:off x="468075" y="1432402"/>
+            <a:ext cx="4134657" cy="4051366"/>
           </a:xfrm>
         </p:spPr>
         <p:txBody>
@@ -1237,8 +1237,8 @@
         </p:nvSpPr>
         <p:spPr>
           <a:xfrm>
-            <a:off x="4648200" y="1264232"/>
-            <a:ext cx="4038600" cy="3575721"/>
+            <a:off x="4758757" y="1432402"/>
+            <a:ext cx="4134657" cy="4051366"/>
           </a:xfrm>
         </p:spPr>
         <p:txBody>
@@ -1328,7 +1328,7 @@
             <a:fld id="{530820CF-B880-4189-942D-D702A7CBA730}" type="datetimeFigureOut">
               <a:rPr lang="zh-CN" altLang="en-US" smtClean="0"/>
               <a:pPr/>
-              <a:t>2018/12/8</a:t>
+              <a:t>2018/12/27</a:t>
             </a:fld>
             <a:endParaRPr lang="zh-CN" altLang="en-US"/>
           </a:p>
@@ -1441,8 +1441,8 @@
         </p:nvSpPr>
         <p:spPr>
           <a:xfrm>
-            <a:off x="457200" y="1212810"/>
-            <a:ext cx="4040188" cy="505442"/>
+            <a:off x="468074" y="1374139"/>
+            <a:ext cx="4136283" cy="572676"/>
           </a:xfrm>
         </p:spPr>
         <p:txBody>
@@ -1506,8 +1506,8 @@
         </p:nvSpPr>
         <p:spPr>
           <a:xfrm>
-            <a:off x="457200" y="1718252"/>
-            <a:ext cx="4040188" cy="3121701"/>
+            <a:off x="468074" y="1946815"/>
+            <a:ext cx="4136283" cy="3536952"/>
           </a:xfrm>
         </p:spPr>
         <p:txBody>
@@ -1591,8 +1591,8 @@
         </p:nvSpPr>
         <p:spPr>
           <a:xfrm>
-            <a:off x="4645026" y="1212810"/>
-            <a:ext cx="4041775" cy="505442"/>
+            <a:off x="4755507" y="1374139"/>
+            <a:ext cx="4137908" cy="572676"/>
           </a:xfrm>
         </p:spPr>
         <p:txBody>
@@ -1656,8 +1656,8 @@
         </p:nvSpPr>
         <p:spPr>
           <a:xfrm>
-            <a:off x="4645026" y="1718252"/>
-            <a:ext cx="4041775" cy="3121701"/>
+            <a:off x="4755507" y="1946815"/>
+            <a:ext cx="4137908" cy="3536952"/>
           </a:xfrm>
         </p:spPr>
         <p:txBody>
@@ -1747,7 +1747,7 @@
             <a:fld id="{530820CF-B880-4189-942D-D702A7CBA730}" type="datetimeFigureOut">
               <a:rPr lang="zh-CN" altLang="en-US" smtClean="0"/>
               <a:pPr/>
-              <a:t>2018/12/8</a:t>
+              <a:t>2018/12/27</a:t>
             </a:fld>
             <a:endParaRPr lang="zh-CN" altLang="en-US"/>
           </a:p>
@@ -1862,7 +1862,7 @@
             <a:fld id="{530820CF-B880-4189-942D-D702A7CBA730}" type="datetimeFigureOut">
               <a:rPr lang="zh-CN" altLang="en-US" smtClean="0"/>
               <a:pPr/>
-              <a:t>2018/12/8</a:t>
+              <a:t>2018/12/27</a:t>
             </a:fld>
             <a:endParaRPr lang="zh-CN" altLang="en-US"/>
           </a:p>
@@ -1954,7 +1954,7 @@
             <a:fld id="{530820CF-B880-4189-942D-D702A7CBA730}" type="datetimeFigureOut">
               <a:rPr lang="zh-CN" altLang="en-US" smtClean="0"/>
               <a:pPr/>
-              <a:t>2018/12/8</a:t>
+              <a:t>2018/12/27</a:t>
             </a:fld>
             <a:endParaRPr lang="zh-CN" altLang="en-US"/>
           </a:p>
@@ -2040,8 +2040,8 @@
         </p:nvSpPr>
         <p:spPr>
           <a:xfrm>
-            <a:off x="457201" y="215722"/>
-            <a:ext cx="3008313" cy="918073"/>
+            <a:off x="468076" y="244418"/>
+            <a:ext cx="3079865" cy="1040196"/>
           </a:xfrm>
         </p:spPr>
         <p:txBody>
@@ -2072,8 +2072,8 @@
         </p:nvSpPr>
         <p:spPr>
           <a:xfrm>
-            <a:off x="3575050" y="215722"/>
-            <a:ext cx="5111750" cy="4624231"/>
+            <a:off x="3660082" y="244419"/>
+            <a:ext cx="5233332" cy="5239349"/>
           </a:xfrm>
         </p:spPr>
         <p:txBody>
@@ -2157,8 +2157,8 @@
         </p:nvSpPr>
         <p:spPr>
           <a:xfrm>
-            <a:off x="457201" y="1133796"/>
-            <a:ext cx="3008313" cy="3706157"/>
+            <a:off x="468076" y="1284616"/>
+            <a:ext cx="3079865" cy="4199153"/>
           </a:xfrm>
         </p:spPr>
         <p:txBody>
@@ -2228,7 +2228,7 @@
             <a:fld id="{530820CF-B880-4189-942D-D702A7CBA730}" type="datetimeFigureOut">
               <a:rPr lang="zh-CN" altLang="en-US" smtClean="0"/>
               <a:pPr/>
-              <a:t>2018/12/8</a:t>
+              <a:t>2018/12/27</a:t>
             </a:fld>
             <a:endParaRPr lang="zh-CN" altLang="en-US"/>
           </a:p>
@@ -2314,8 +2314,8 @@
         </p:nvSpPr>
         <p:spPr>
           <a:xfrm>
-            <a:off x="1792288" y="3792697"/>
-            <a:ext cx="5486400" cy="447749"/>
+            <a:off x="1834917" y="4297205"/>
+            <a:ext cx="5616893" cy="507309"/>
           </a:xfrm>
         </p:spPr>
         <p:txBody>
@@ -2346,8 +2346,8 @@
         </p:nvSpPr>
         <p:spPr>
           <a:xfrm>
-            <a:off x="1792288" y="484121"/>
-            <a:ext cx="5486400" cy="3250883"/>
+            <a:off x="1834917" y="548519"/>
+            <a:ext cx="5616893" cy="3683318"/>
           </a:xfrm>
         </p:spPr>
         <p:txBody>
@@ -2407,8 +2407,8 @@
         </p:nvSpPr>
         <p:spPr>
           <a:xfrm>
-            <a:off x="1792288" y="4240446"/>
-            <a:ext cx="5486400" cy="635878"/>
+            <a:off x="1834917" y="4804515"/>
+            <a:ext cx="5616893" cy="720463"/>
           </a:xfrm>
         </p:spPr>
         <p:txBody>
@@ -2478,7 +2478,7 @@
             <a:fld id="{530820CF-B880-4189-942D-D702A7CBA730}" type="datetimeFigureOut">
               <a:rPr lang="zh-CN" altLang="en-US" smtClean="0"/>
               <a:pPr/>
-              <a:t>2018/12/8</a:t>
+              <a:t>2018/12/27</a:t>
             </a:fld>
             <a:endParaRPr lang="zh-CN" altLang="en-US"/>
           </a:p>
@@ -2569,8 +2569,8 @@
         </p:nvSpPr>
         <p:spPr>
           <a:xfrm>
-            <a:off x="457200" y="216977"/>
-            <a:ext cx="8229600" cy="903023"/>
+            <a:off x="468075" y="245839"/>
+            <a:ext cx="8425339" cy="1023144"/>
           </a:xfrm>
           <a:prstGeom prst="rect">
             <a:avLst/>
@@ -2602,8 +2602,8 @@
         </p:nvSpPr>
         <p:spPr>
           <a:xfrm>
-            <a:off x="457200" y="1264232"/>
-            <a:ext cx="8229600" cy="3575721"/>
+            <a:off x="468075" y="1432402"/>
+            <a:ext cx="8425339" cy="4051366"/>
           </a:xfrm>
           <a:prstGeom prst="rect">
             <a:avLst/>
@@ -2664,8 +2664,8 @@
         </p:nvSpPr>
         <p:spPr>
           <a:xfrm>
-            <a:off x="457200" y="5021811"/>
-            <a:ext cx="2133600" cy="288466"/>
+            <a:off x="468075" y="5689817"/>
+            <a:ext cx="2184347" cy="326838"/>
           </a:xfrm>
           <a:prstGeom prst="rect">
             <a:avLst/>
@@ -2688,7 +2688,7 @@
             <a:fld id="{530820CF-B880-4189-942D-D702A7CBA730}" type="datetimeFigureOut">
               <a:rPr lang="zh-CN" altLang="en-US" smtClean="0"/>
               <a:pPr/>
-              <a:t>2018/12/8</a:t>
+              <a:t>2018/12/27</a:t>
             </a:fld>
             <a:endParaRPr lang="zh-CN" altLang="en-US"/>
           </a:p>
@@ -2706,8 +2706,8 @@
         </p:nvSpPr>
         <p:spPr>
           <a:xfrm>
-            <a:off x="3124200" y="5021811"/>
-            <a:ext cx="2895600" cy="288466"/>
+            <a:off x="3198509" y="5689817"/>
+            <a:ext cx="2964471" cy="326838"/>
           </a:xfrm>
           <a:prstGeom prst="rect">
             <a:avLst/>
@@ -2743,8 +2743,8 @@
         </p:nvSpPr>
         <p:spPr>
           <a:xfrm>
-            <a:off x="6553200" y="5021811"/>
-            <a:ext cx="2133600" cy="288466"/>
+            <a:off x="6709067" y="5689817"/>
+            <a:ext cx="2184347" cy="326838"/>
           </a:xfrm>
           <a:prstGeom prst="rect">
             <a:avLst/>
@@ -3061,13 +3061,13 @@
       </p:grpSpPr>
       <p:sp>
         <p:nvSpPr>
-          <p:cNvPr id="94" name="圆角矩形 93"/>
+          <p:cNvPr id="544" name="圆角矩形 543"/>
           <p:cNvSpPr/>
           <p:nvPr/>
         </p:nvSpPr>
         <p:spPr>
           <a:xfrm rot="5400000">
-            <a:off x="1393009" y="2744788"/>
+            <a:off x="1430315" y="3462340"/>
             <a:ext cx="928694" cy="714380"/>
           </a:xfrm>
           <a:prstGeom prst="roundRect">
@@ -3112,13 +3112,13 @@
       </p:sp>
       <p:sp>
         <p:nvSpPr>
-          <p:cNvPr id="9" name="矩形 8"/>
+          <p:cNvPr id="545" name="矩形 544"/>
           <p:cNvSpPr/>
           <p:nvPr/>
         </p:nvSpPr>
         <p:spPr>
           <a:xfrm rot="5400000">
-            <a:off x="348253" y="717710"/>
+            <a:off x="385559" y="1435262"/>
             <a:ext cx="360000" cy="56439"/>
           </a:xfrm>
           <a:prstGeom prst="rect">
@@ -3165,13 +3165,13 @@
       </p:sp>
       <p:sp>
         <p:nvSpPr>
-          <p:cNvPr id="10" name="流程图: 联系 9"/>
+          <p:cNvPr id="546" name="流程图: 联系 545"/>
           <p:cNvSpPr/>
           <p:nvPr/>
         </p:nvSpPr>
         <p:spPr>
           <a:xfrm rot="5400000">
-            <a:off x="492535" y="573429"/>
+            <a:off x="529841" y="1290981"/>
             <a:ext cx="71438" cy="56439"/>
           </a:xfrm>
           <a:prstGeom prst="flowChartConnector">
@@ -3213,13 +3213,13 @@
       </p:sp>
       <p:sp>
         <p:nvSpPr>
-          <p:cNvPr id="11" name="流程图: 联系 10"/>
+          <p:cNvPr id="547" name="流程图: 联系 546"/>
           <p:cNvSpPr/>
           <p:nvPr/>
         </p:nvSpPr>
         <p:spPr>
           <a:xfrm rot="5400000">
-            <a:off x="492535" y="716305"/>
+            <a:off x="529841" y="1433857"/>
             <a:ext cx="71438" cy="56439"/>
           </a:xfrm>
           <a:prstGeom prst="flowChartConnector">
@@ -3261,13 +3261,13 @@
       </p:sp>
       <p:sp>
         <p:nvSpPr>
-          <p:cNvPr id="12" name="流程图: 联系 11"/>
+          <p:cNvPr id="548" name="流程图: 联系 547"/>
           <p:cNvSpPr/>
           <p:nvPr/>
         </p:nvSpPr>
         <p:spPr>
           <a:xfrm rot="5400000">
-            <a:off x="492535" y="859181"/>
+            <a:off x="529841" y="1576733"/>
             <a:ext cx="71438" cy="56439"/>
           </a:xfrm>
           <a:prstGeom prst="flowChartConnector">
@@ -3309,13 +3309,13 @@
       </p:sp>
       <p:sp>
         <p:nvSpPr>
-          <p:cNvPr id="15" name="矩形 14"/>
+          <p:cNvPr id="549" name="矩形 548"/>
           <p:cNvSpPr/>
           <p:nvPr/>
         </p:nvSpPr>
         <p:spPr>
           <a:xfrm rot="5400000">
-            <a:off x="348254" y="1214965"/>
+            <a:off x="385560" y="1932517"/>
             <a:ext cx="360000" cy="56439"/>
           </a:xfrm>
           <a:prstGeom prst="rect">
@@ -3362,13 +3362,13 @@
       </p:sp>
       <p:sp>
         <p:nvSpPr>
-          <p:cNvPr id="16" name="流程图: 联系 15"/>
+          <p:cNvPr id="550" name="流程图: 联系 549"/>
           <p:cNvSpPr/>
           <p:nvPr/>
         </p:nvSpPr>
         <p:spPr>
           <a:xfrm rot="5400000">
-            <a:off x="492536" y="1070684"/>
+            <a:off x="529842" y="1788236"/>
             <a:ext cx="71438" cy="56439"/>
           </a:xfrm>
           <a:prstGeom prst="flowChartConnector">
@@ -3410,13 +3410,13 @@
       </p:sp>
       <p:sp>
         <p:nvSpPr>
-          <p:cNvPr id="17" name="流程图: 联系 16"/>
+          <p:cNvPr id="551" name="流程图: 联系 550"/>
           <p:cNvSpPr/>
           <p:nvPr/>
         </p:nvSpPr>
         <p:spPr>
           <a:xfrm rot="5400000">
-            <a:off x="492536" y="1213560"/>
+            <a:off x="529842" y="1931112"/>
             <a:ext cx="71438" cy="56439"/>
           </a:xfrm>
           <a:prstGeom prst="flowChartConnector">
@@ -3458,13 +3458,13 @@
       </p:sp>
       <p:sp>
         <p:nvSpPr>
-          <p:cNvPr id="18" name="流程图: 联系 17"/>
+          <p:cNvPr id="552" name="流程图: 联系 551"/>
           <p:cNvSpPr/>
           <p:nvPr/>
         </p:nvSpPr>
         <p:spPr>
           <a:xfrm rot="5400000">
-            <a:off x="492536" y="1356436"/>
+            <a:off x="529842" y="2073988"/>
             <a:ext cx="71438" cy="56439"/>
           </a:xfrm>
           <a:prstGeom prst="flowChartConnector">
@@ -3506,13 +3506,13 @@
       </p:sp>
       <p:sp>
         <p:nvSpPr>
-          <p:cNvPr id="19" name="矩形 18"/>
+          <p:cNvPr id="553" name="矩形 552"/>
           <p:cNvSpPr/>
           <p:nvPr/>
         </p:nvSpPr>
         <p:spPr>
           <a:xfrm rot="5400000">
-            <a:off x="348254" y="1715031"/>
+            <a:off x="385560" y="2432583"/>
             <a:ext cx="360000" cy="56439"/>
           </a:xfrm>
           <a:prstGeom prst="rect">
@@ -3559,13 +3559,13 @@
       </p:sp>
       <p:sp>
         <p:nvSpPr>
-          <p:cNvPr id="20" name="流程图: 联系 19"/>
+          <p:cNvPr id="554" name="流程图: 联系 553"/>
           <p:cNvSpPr/>
           <p:nvPr/>
         </p:nvSpPr>
         <p:spPr>
           <a:xfrm rot="5400000">
-            <a:off x="492536" y="1570750"/>
+            <a:off x="529842" y="2288302"/>
             <a:ext cx="71438" cy="56439"/>
           </a:xfrm>
           <a:prstGeom prst="flowChartConnector">
@@ -3607,13 +3607,13 @@
       </p:sp>
       <p:sp>
         <p:nvSpPr>
-          <p:cNvPr id="21" name="流程图: 联系 20"/>
+          <p:cNvPr id="555" name="流程图: 联系 554"/>
           <p:cNvSpPr/>
           <p:nvPr/>
         </p:nvSpPr>
         <p:spPr>
           <a:xfrm rot="5400000">
-            <a:off x="492536" y="1713626"/>
+            <a:off x="529842" y="2431178"/>
             <a:ext cx="71438" cy="56439"/>
           </a:xfrm>
           <a:prstGeom prst="flowChartConnector">
@@ -3655,13 +3655,13 @@
       </p:sp>
       <p:sp>
         <p:nvSpPr>
-          <p:cNvPr id="22" name="流程图: 联系 21"/>
+          <p:cNvPr id="556" name="流程图: 联系 555"/>
           <p:cNvSpPr/>
           <p:nvPr/>
         </p:nvSpPr>
         <p:spPr>
           <a:xfrm rot="5400000">
-            <a:off x="492536" y="1856502"/>
+            <a:off x="529842" y="2574054"/>
             <a:ext cx="71438" cy="56439"/>
           </a:xfrm>
           <a:prstGeom prst="flowChartConnector">
@@ -3703,13 +3703,13 @@
       </p:sp>
       <p:sp>
         <p:nvSpPr>
-          <p:cNvPr id="23" name="矩形 22"/>
+          <p:cNvPr id="557" name="矩形 556"/>
           <p:cNvSpPr/>
           <p:nvPr/>
         </p:nvSpPr>
         <p:spPr>
           <a:xfrm rot="5400000">
-            <a:off x="750067" y="601648"/>
+            <a:off x="787373" y="1319200"/>
             <a:ext cx="285752" cy="214314"/>
           </a:xfrm>
           <a:prstGeom prst="rect">
@@ -3752,13 +3752,13 @@
       </p:sp>
       <p:sp>
         <p:nvSpPr>
-          <p:cNvPr id="27" name="矩形 26"/>
+          <p:cNvPr id="558" name="矩形 557"/>
           <p:cNvSpPr/>
           <p:nvPr/>
         </p:nvSpPr>
         <p:spPr>
           <a:xfrm rot="5400000">
-            <a:off x="750067" y="1101714"/>
+            <a:off x="787373" y="1819266"/>
             <a:ext cx="285752" cy="214314"/>
           </a:xfrm>
           <a:prstGeom prst="rect">
@@ -3801,13 +3801,13 @@
       </p:sp>
       <p:sp>
         <p:nvSpPr>
-          <p:cNvPr id="28" name="矩形 27"/>
+          <p:cNvPr id="559" name="矩形 558"/>
           <p:cNvSpPr/>
           <p:nvPr/>
         </p:nvSpPr>
         <p:spPr>
           <a:xfrm rot="5400000">
-            <a:off x="750067" y="1601780"/>
+            <a:off x="787373" y="2319332"/>
             <a:ext cx="285752" cy="214314"/>
           </a:xfrm>
           <a:prstGeom prst="rect">
@@ -3850,13 +3850,13 @@
       </p:sp>
       <p:sp>
         <p:nvSpPr>
-          <p:cNvPr id="29" name="矩形 28"/>
+          <p:cNvPr id="560" name="矩形 559"/>
           <p:cNvSpPr/>
           <p:nvPr/>
         </p:nvSpPr>
         <p:spPr>
           <a:xfrm rot="5400000">
-            <a:off x="348253" y="2360784"/>
+            <a:off x="385559" y="3078336"/>
             <a:ext cx="360000" cy="56439"/>
           </a:xfrm>
           <a:prstGeom prst="rect">
@@ -3903,13 +3903,13 @@
       </p:sp>
       <p:sp>
         <p:nvSpPr>
-          <p:cNvPr id="30" name="流程图: 联系 29"/>
+          <p:cNvPr id="561" name="流程图: 联系 560"/>
           <p:cNvSpPr/>
           <p:nvPr/>
         </p:nvSpPr>
         <p:spPr>
           <a:xfrm rot="5400000">
-            <a:off x="492535" y="2216503"/>
+            <a:off x="529841" y="2934055"/>
             <a:ext cx="71438" cy="56439"/>
           </a:xfrm>
           <a:prstGeom prst="flowChartConnector">
@@ -3951,13 +3951,13 @@
       </p:sp>
       <p:sp>
         <p:nvSpPr>
-          <p:cNvPr id="31" name="流程图: 联系 30"/>
+          <p:cNvPr id="562" name="流程图: 联系 561"/>
           <p:cNvSpPr/>
           <p:nvPr/>
         </p:nvSpPr>
         <p:spPr>
           <a:xfrm rot="5400000">
-            <a:off x="492535" y="2359379"/>
+            <a:off x="529841" y="3076931"/>
             <a:ext cx="71438" cy="56439"/>
           </a:xfrm>
           <a:prstGeom prst="flowChartConnector">
@@ -3999,13 +3999,13 @@
       </p:sp>
       <p:sp>
         <p:nvSpPr>
-          <p:cNvPr id="32" name="流程图: 联系 31"/>
+          <p:cNvPr id="563" name="流程图: 联系 562"/>
           <p:cNvSpPr/>
           <p:nvPr/>
         </p:nvSpPr>
         <p:spPr>
           <a:xfrm rot="5400000">
-            <a:off x="492535" y="2502255"/>
+            <a:off x="529841" y="3219807"/>
             <a:ext cx="71438" cy="56439"/>
           </a:xfrm>
           <a:prstGeom prst="flowChartConnector">
@@ -4047,13 +4047,13 @@
       </p:sp>
       <p:sp>
         <p:nvSpPr>
-          <p:cNvPr id="33" name="矩形 32"/>
+          <p:cNvPr id="564" name="矩形 563"/>
           <p:cNvSpPr/>
           <p:nvPr/>
         </p:nvSpPr>
         <p:spPr>
           <a:xfrm rot="5400000">
-            <a:off x="348254" y="2858039"/>
+            <a:off x="385560" y="3575591"/>
             <a:ext cx="360000" cy="56439"/>
           </a:xfrm>
           <a:prstGeom prst="rect">
@@ -4100,13 +4100,13 @@
       </p:sp>
       <p:sp>
         <p:nvSpPr>
-          <p:cNvPr id="34" name="流程图: 联系 33"/>
+          <p:cNvPr id="565" name="流程图: 联系 564"/>
           <p:cNvSpPr/>
           <p:nvPr/>
         </p:nvSpPr>
         <p:spPr>
           <a:xfrm rot="5400000">
-            <a:off x="492536" y="2713758"/>
+            <a:off x="529842" y="3431310"/>
             <a:ext cx="71438" cy="56439"/>
           </a:xfrm>
           <a:prstGeom prst="flowChartConnector">
@@ -4148,13 +4148,13 @@
       </p:sp>
       <p:sp>
         <p:nvSpPr>
-          <p:cNvPr id="35" name="流程图: 联系 34"/>
+          <p:cNvPr id="566" name="流程图: 联系 565"/>
           <p:cNvSpPr/>
           <p:nvPr/>
         </p:nvSpPr>
         <p:spPr>
           <a:xfrm rot="5400000">
-            <a:off x="492536" y="2856634"/>
+            <a:off x="529842" y="3574186"/>
             <a:ext cx="71438" cy="56439"/>
           </a:xfrm>
           <a:prstGeom prst="flowChartConnector">
@@ -4196,13 +4196,13 @@
       </p:sp>
       <p:sp>
         <p:nvSpPr>
-          <p:cNvPr id="36" name="流程图: 联系 35"/>
+          <p:cNvPr id="567" name="流程图: 联系 566"/>
           <p:cNvSpPr/>
           <p:nvPr/>
         </p:nvSpPr>
         <p:spPr>
           <a:xfrm rot="5400000">
-            <a:off x="492536" y="2999510"/>
+            <a:off x="529842" y="3717062"/>
             <a:ext cx="71438" cy="56439"/>
           </a:xfrm>
           <a:prstGeom prst="flowChartConnector">
@@ -4244,13 +4244,13 @@
       </p:sp>
       <p:sp>
         <p:nvSpPr>
-          <p:cNvPr id="37" name="矩形 36"/>
+          <p:cNvPr id="568" name="矩形 567"/>
           <p:cNvSpPr/>
           <p:nvPr/>
         </p:nvSpPr>
         <p:spPr>
           <a:xfrm rot="5400000">
-            <a:off x="348254" y="3358105"/>
+            <a:off x="385560" y="4075657"/>
             <a:ext cx="360000" cy="56439"/>
           </a:xfrm>
           <a:prstGeom prst="rect">
@@ -4297,13 +4297,13 @@
       </p:sp>
       <p:sp>
         <p:nvSpPr>
-          <p:cNvPr id="38" name="流程图: 联系 37"/>
+          <p:cNvPr id="569" name="流程图: 联系 568"/>
           <p:cNvSpPr/>
           <p:nvPr/>
         </p:nvSpPr>
         <p:spPr>
           <a:xfrm rot="5400000">
-            <a:off x="492536" y="3213824"/>
+            <a:off x="529842" y="3931376"/>
             <a:ext cx="71438" cy="56439"/>
           </a:xfrm>
           <a:prstGeom prst="flowChartConnector">
@@ -4345,13 +4345,13 @@
       </p:sp>
       <p:sp>
         <p:nvSpPr>
-          <p:cNvPr id="39" name="流程图: 联系 38"/>
+          <p:cNvPr id="570" name="流程图: 联系 569"/>
           <p:cNvSpPr/>
           <p:nvPr/>
         </p:nvSpPr>
         <p:spPr>
           <a:xfrm rot="5400000">
-            <a:off x="492536" y="3356700"/>
+            <a:off x="529842" y="4074252"/>
             <a:ext cx="71438" cy="56439"/>
           </a:xfrm>
           <a:prstGeom prst="flowChartConnector">
@@ -4393,13 +4393,13 @@
       </p:sp>
       <p:sp>
         <p:nvSpPr>
-          <p:cNvPr id="40" name="流程图: 联系 39"/>
+          <p:cNvPr id="571" name="流程图: 联系 570"/>
           <p:cNvSpPr/>
           <p:nvPr/>
         </p:nvSpPr>
         <p:spPr>
           <a:xfrm rot="5400000">
-            <a:off x="492536" y="3499576"/>
+            <a:off x="529842" y="4217128"/>
             <a:ext cx="71438" cy="56439"/>
           </a:xfrm>
           <a:prstGeom prst="flowChartConnector">
@@ -4441,13 +4441,13 @@
       </p:sp>
       <p:sp>
         <p:nvSpPr>
-          <p:cNvPr id="41" name="矩形 40"/>
+          <p:cNvPr id="572" name="矩形 571"/>
           <p:cNvSpPr/>
           <p:nvPr/>
         </p:nvSpPr>
         <p:spPr>
           <a:xfrm rot="5400000">
-            <a:off x="750067" y="2244722"/>
+            <a:off x="787373" y="2962274"/>
             <a:ext cx="285752" cy="214314"/>
           </a:xfrm>
           <a:prstGeom prst="rect">
@@ -4490,13 +4490,13 @@
       </p:sp>
       <p:sp>
         <p:nvSpPr>
-          <p:cNvPr id="42" name="矩形 41"/>
+          <p:cNvPr id="573" name="矩形 572"/>
           <p:cNvSpPr/>
           <p:nvPr/>
         </p:nvSpPr>
         <p:spPr>
           <a:xfrm rot="5400000">
-            <a:off x="750067" y="2744788"/>
+            <a:off x="787373" y="3462340"/>
             <a:ext cx="285752" cy="214314"/>
           </a:xfrm>
           <a:prstGeom prst="rect">
@@ -4539,13 +4539,13 @@
       </p:sp>
       <p:sp>
         <p:nvSpPr>
-          <p:cNvPr id="43" name="矩形 42"/>
+          <p:cNvPr id="574" name="矩形 573"/>
           <p:cNvSpPr/>
           <p:nvPr/>
         </p:nvSpPr>
         <p:spPr>
           <a:xfrm rot="5400000">
-            <a:off x="750067" y="3244854"/>
+            <a:off x="787373" y="3962406"/>
             <a:ext cx="285752" cy="214314"/>
           </a:xfrm>
           <a:prstGeom prst="rect">
@@ -4588,13 +4588,13 @@
       </p:sp>
       <p:sp>
         <p:nvSpPr>
-          <p:cNvPr id="44" name="矩形 43"/>
+          <p:cNvPr id="575" name="矩形 574"/>
           <p:cNvSpPr/>
           <p:nvPr/>
         </p:nvSpPr>
         <p:spPr>
           <a:xfrm rot="5400000">
-            <a:off x="348254" y="3860982"/>
+            <a:off x="385560" y="4578534"/>
             <a:ext cx="360000" cy="56439"/>
           </a:xfrm>
           <a:prstGeom prst="rect">
@@ -4641,13 +4641,13 @@
       </p:sp>
       <p:sp>
         <p:nvSpPr>
-          <p:cNvPr id="45" name="流程图: 联系 44"/>
+          <p:cNvPr id="576" name="流程图: 联系 575"/>
           <p:cNvSpPr/>
           <p:nvPr/>
         </p:nvSpPr>
         <p:spPr>
           <a:xfrm rot="5400000">
-            <a:off x="492536" y="3716701"/>
+            <a:off x="529842" y="4434253"/>
             <a:ext cx="71438" cy="56439"/>
           </a:xfrm>
           <a:prstGeom prst="flowChartConnector">
@@ -4689,13 +4689,13 @@
       </p:sp>
       <p:sp>
         <p:nvSpPr>
-          <p:cNvPr id="46" name="流程图: 联系 45"/>
+          <p:cNvPr id="577" name="流程图: 联系 576"/>
           <p:cNvSpPr/>
           <p:nvPr/>
         </p:nvSpPr>
         <p:spPr>
           <a:xfrm rot="5400000">
-            <a:off x="492536" y="3859577"/>
+            <a:off x="529842" y="4577129"/>
             <a:ext cx="71438" cy="56439"/>
           </a:xfrm>
           <a:prstGeom prst="flowChartConnector">
@@ -4737,13 +4737,13 @@
       </p:sp>
       <p:sp>
         <p:nvSpPr>
-          <p:cNvPr id="47" name="流程图: 联系 46"/>
+          <p:cNvPr id="578" name="流程图: 联系 577"/>
           <p:cNvSpPr/>
           <p:nvPr/>
         </p:nvSpPr>
         <p:spPr>
           <a:xfrm rot="5400000">
-            <a:off x="492536" y="4002453"/>
+            <a:off x="529842" y="4720005"/>
             <a:ext cx="71438" cy="56439"/>
           </a:xfrm>
           <a:prstGeom prst="flowChartConnector">
@@ -4785,13 +4785,13 @@
       </p:sp>
       <p:sp>
         <p:nvSpPr>
-          <p:cNvPr id="48" name="矩形 47"/>
+          <p:cNvPr id="579" name="矩形 578"/>
           <p:cNvSpPr/>
           <p:nvPr/>
         </p:nvSpPr>
         <p:spPr>
           <a:xfrm rot="5400000">
-            <a:off x="750067" y="3747731"/>
+            <a:off x="787373" y="4465283"/>
             <a:ext cx="285752" cy="214314"/>
           </a:xfrm>
           <a:prstGeom prst="rect">
@@ -4834,13 +4834,13 @@
       </p:sp>
       <p:cxnSp>
         <p:nvCxnSpPr>
-          <p:cNvPr id="49" name="直接箭头连接符 48"/>
+          <p:cNvPr id="580" name="直接箭头连接符 579"/>
           <p:cNvCxnSpPr/>
           <p:nvPr/>
         </p:nvCxnSpPr>
         <p:spPr>
           <a:xfrm rot="5400000">
-            <a:off x="753978" y="953338"/>
+            <a:off x="791284" y="1670890"/>
             <a:ext cx="204902" cy="1588"/>
           </a:xfrm>
           <a:prstGeom prst="straightConnector1">
@@ -4871,13 +4871,13 @@
       </p:cxnSp>
       <p:cxnSp>
         <p:nvCxnSpPr>
-          <p:cNvPr id="50" name="直接箭头连接符 49"/>
+          <p:cNvPr id="581" name="直接箭头连接符 580"/>
           <p:cNvCxnSpPr/>
           <p:nvPr/>
         </p:nvCxnSpPr>
         <p:spPr>
           <a:xfrm rot="5400000">
-            <a:off x="822298" y="958839"/>
+            <a:off x="859604" y="1676391"/>
             <a:ext cx="214316" cy="1588"/>
           </a:xfrm>
           <a:prstGeom prst="straightConnector1">
@@ -4908,13 +4908,13 @@
       </p:cxnSp>
       <p:cxnSp>
         <p:nvCxnSpPr>
-          <p:cNvPr id="56" name="直接箭头连接符 55"/>
+          <p:cNvPr id="582" name="直接箭头连接符 581"/>
           <p:cNvCxnSpPr/>
           <p:nvPr/>
         </p:nvCxnSpPr>
         <p:spPr>
           <a:xfrm rot="5400000">
-            <a:off x="755567" y="1453404"/>
+            <a:off x="792873" y="2170956"/>
             <a:ext cx="204902" cy="1588"/>
           </a:xfrm>
           <a:prstGeom prst="straightConnector1">
@@ -4945,13 +4945,13 @@
       </p:cxnSp>
       <p:cxnSp>
         <p:nvCxnSpPr>
-          <p:cNvPr id="57" name="直接箭头连接符 56"/>
+          <p:cNvPr id="583" name="直接箭头连接符 582"/>
           <p:cNvCxnSpPr/>
           <p:nvPr/>
         </p:nvCxnSpPr>
         <p:spPr>
           <a:xfrm rot="5400000">
-            <a:off x="823887" y="1458905"/>
+            <a:off x="861193" y="2176457"/>
             <a:ext cx="214316" cy="1588"/>
           </a:xfrm>
           <a:prstGeom prst="straightConnector1">
@@ -4982,13 +4982,13 @@
       </p:cxnSp>
       <p:cxnSp>
         <p:nvCxnSpPr>
-          <p:cNvPr id="58" name="直接箭头连接符 57"/>
+          <p:cNvPr id="584" name="直接箭头连接符 583"/>
           <p:cNvCxnSpPr/>
           <p:nvPr/>
         </p:nvCxnSpPr>
         <p:spPr>
           <a:xfrm rot="5400000">
-            <a:off x="755567" y="2596412"/>
+            <a:off x="792873" y="3313964"/>
             <a:ext cx="204902" cy="1588"/>
           </a:xfrm>
           <a:prstGeom prst="straightConnector1">
@@ -5019,13 +5019,13 @@
       </p:cxnSp>
       <p:cxnSp>
         <p:nvCxnSpPr>
-          <p:cNvPr id="59" name="直接箭头连接符 58"/>
+          <p:cNvPr id="585" name="直接箭头连接符 584"/>
           <p:cNvCxnSpPr/>
           <p:nvPr/>
         </p:nvCxnSpPr>
         <p:spPr>
           <a:xfrm rot="5400000">
-            <a:off x="823887" y="2601913"/>
+            <a:off x="861193" y="3319465"/>
             <a:ext cx="214316" cy="1588"/>
           </a:xfrm>
           <a:prstGeom prst="straightConnector1">
@@ -5056,13 +5056,13 @@
       </p:cxnSp>
       <p:cxnSp>
         <p:nvCxnSpPr>
-          <p:cNvPr id="60" name="直接箭头连接符 59"/>
+          <p:cNvPr id="586" name="直接箭头连接符 585"/>
           <p:cNvCxnSpPr/>
           <p:nvPr/>
         </p:nvCxnSpPr>
         <p:spPr>
           <a:xfrm rot="5400000">
-            <a:off x="753978" y="3095684"/>
+            <a:off x="791284" y="3813236"/>
             <a:ext cx="204902" cy="1588"/>
           </a:xfrm>
           <a:prstGeom prst="straightConnector1">
@@ -5093,13 +5093,13 @@
       </p:cxnSp>
       <p:cxnSp>
         <p:nvCxnSpPr>
-          <p:cNvPr id="61" name="直接箭头连接符 60"/>
+          <p:cNvPr id="587" name="直接箭头连接符 586"/>
           <p:cNvCxnSpPr/>
           <p:nvPr/>
         </p:nvCxnSpPr>
         <p:spPr>
           <a:xfrm rot="5400000">
-            <a:off x="822298" y="3101185"/>
+            <a:off x="859604" y="3818737"/>
             <a:ext cx="214316" cy="1588"/>
           </a:xfrm>
           <a:prstGeom prst="straightConnector1">
@@ -5130,13 +5130,13 @@
       </p:cxnSp>
       <p:cxnSp>
         <p:nvCxnSpPr>
-          <p:cNvPr id="62" name="直接箭头连接符 61"/>
+          <p:cNvPr id="588" name="直接箭头连接符 587"/>
           <p:cNvCxnSpPr/>
           <p:nvPr/>
         </p:nvCxnSpPr>
         <p:spPr>
           <a:xfrm rot="5400000">
-            <a:off x="753978" y="3595750"/>
+            <a:off x="791284" y="4313302"/>
             <a:ext cx="204902" cy="1588"/>
           </a:xfrm>
           <a:prstGeom prst="straightConnector1">
@@ -5167,13 +5167,13 @@
       </p:cxnSp>
       <p:cxnSp>
         <p:nvCxnSpPr>
-          <p:cNvPr id="63" name="直接箭头连接符 62"/>
+          <p:cNvPr id="589" name="直接箭头连接符 588"/>
           <p:cNvCxnSpPr/>
           <p:nvPr/>
         </p:nvCxnSpPr>
         <p:spPr>
           <a:xfrm rot="5400000">
-            <a:off x="822298" y="3601251"/>
+            <a:off x="859604" y="4318803"/>
             <a:ext cx="214316" cy="1588"/>
           </a:xfrm>
           <a:prstGeom prst="straightConnector1">
@@ -5204,13 +5204,13 @@
       </p:cxnSp>
       <p:sp>
         <p:nvSpPr>
-          <p:cNvPr id="64" name="圆角矩形 63"/>
+          <p:cNvPr id="590" name="圆角矩形 589"/>
           <p:cNvSpPr/>
           <p:nvPr/>
         </p:nvSpPr>
         <p:spPr>
           <a:xfrm>
-            <a:off x="714348" y="494491"/>
+            <a:off x="751654" y="1212043"/>
             <a:ext cx="357190" cy="1428760"/>
           </a:xfrm>
           <a:prstGeom prst="roundRect">
@@ -5250,13 +5250,13 @@
       </p:sp>
       <p:sp>
         <p:nvSpPr>
-          <p:cNvPr id="65" name="圆角矩形 64"/>
+          <p:cNvPr id="591" name="圆角矩形 590"/>
           <p:cNvSpPr/>
           <p:nvPr/>
         </p:nvSpPr>
         <p:spPr>
           <a:xfrm>
-            <a:off x="714348" y="2137565"/>
+            <a:off x="751654" y="2855117"/>
             <a:ext cx="357190" cy="1928826"/>
           </a:xfrm>
           <a:prstGeom prst="roundRect">
@@ -5296,13 +5296,13 @@
       </p:sp>
       <p:sp>
         <p:nvSpPr>
-          <p:cNvPr id="66" name="圆角矩形 65"/>
+          <p:cNvPr id="592" name="圆角矩形 591"/>
           <p:cNvSpPr/>
           <p:nvPr/>
         </p:nvSpPr>
         <p:spPr>
           <a:xfrm>
-            <a:off x="1285852" y="637367"/>
+            <a:off x="1323158" y="1354919"/>
             <a:ext cx="1071570" cy="3071834"/>
           </a:xfrm>
           <a:prstGeom prst="roundRect">
@@ -5342,13 +5342,13 @@
       </p:sp>
       <p:sp>
         <p:nvSpPr>
-          <p:cNvPr id="67" name="圆角矩形 66"/>
+          <p:cNvPr id="593" name="圆角矩形 592"/>
           <p:cNvSpPr/>
           <p:nvPr/>
         </p:nvSpPr>
         <p:spPr>
           <a:xfrm>
-            <a:off x="1357290" y="851681"/>
+            <a:off x="1394596" y="1569233"/>
             <a:ext cx="928694" cy="714380"/>
           </a:xfrm>
           <a:prstGeom prst="roundRect">
@@ -5393,13 +5393,13 @@
       </p:sp>
       <p:sp>
         <p:nvSpPr>
-          <p:cNvPr id="69" name="流程图: 联系 68"/>
+          <p:cNvPr id="594" name="流程图: 联系 593"/>
           <p:cNvSpPr/>
           <p:nvPr/>
         </p:nvSpPr>
         <p:spPr>
           <a:xfrm>
-            <a:off x="1428728" y="923119"/>
+            <a:off x="1466034" y="1640671"/>
             <a:ext cx="142876" cy="142876"/>
           </a:xfrm>
           <a:prstGeom prst="flowChartConnector">
@@ -5438,13 +5438,13 @@
       </p:sp>
       <p:sp>
         <p:nvSpPr>
-          <p:cNvPr id="70" name="流程图: 联系 69"/>
+          <p:cNvPr id="595" name="流程图: 联系 594"/>
           <p:cNvSpPr/>
           <p:nvPr/>
         </p:nvSpPr>
         <p:spPr>
           <a:xfrm>
-            <a:off x="1643042" y="923119"/>
+            <a:off x="1680348" y="1640671"/>
             <a:ext cx="142876" cy="142876"/>
           </a:xfrm>
           <a:prstGeom prst="flowChartConnector">
@@ -5483,13 +5483,13 @@
       </p:sp>
       <p:sp>
         <p:nvSpPr>
-          <p:cNvPr id="71" name="流程图: 联系 70"/>
+          <p:cNvPr id="596" name="流程图: 联系 595"/>
           <p:cNvSpPr/>
           <p:nvPr/>
         </p:nvSpPr>
         <p:spPr>
           <a:xfrm>
-            <a:off x="1857356" y="923119"/>
+            <a:off x="1894662" y="1640671"/>
             <a:ext cx="142876" cy="142876"/>
           </a:xfrm>
           <a:prstGeom prst="flowChartConnector">
@@ -5528,13 +5528,13 @@
       </p:sp>
       <p:sp>
         <p:nvSpPr>
-          <p:cNvPr id="72" name="流程图: 联系 71"/>
+          <p:cNvPr id="597" name="流程图: 联系 596"/>
           <p:cNvSpPr/>
           <p:nvPr/>
         </p:nvSpPr>
         <p:spPr>
           <a:xfrm>
-            <a:off x="2071670" y="923119"/>
+            <a:off x="2108976" y="1640671"/>
             <a:ext cx="142876" cy="142876"/>
           </a:xfrm>
           <a:prstGeom prst="flowChartConnector">
@@ -5573,13 +5573,13 @@
       </p:sp>
       <p:sp>
         <p:nvSpPr>
-          <p:cNvPr id="73" name="流程图: 联系 72"/>
+          <p:cNvPr id="598" name="流程图: 联系 597"/>
           <p:cNvSpPr/>
           <p:nvPr/>
         </p:nvSpPr>
         <p:spPr>
           <a:xfrm>
-            <a:off x="1428728" y="1137433"/>
+            <a:off x="1466034" y="1854985"/>
             <a:ext cx="142876" cy="142876"/>
           </a:xfrm>
           <a:prstGeom prst="flowChartConnector">
@@ -5618,13 +5618,13 @@
       </p:sp>
       <p:sp>
         <p:nvSpPr>
-          <p:cNvPr id="74" name="流程图: 联系 73"/>
+          <p:cNvPr id="599" name="流程图: 联系 598"/>
           <p:cNvSpPr/>
           <p:nvPr/>
         </p:nvSpPr>
         <p:spPr>
           <a:xfrm>
-            <a:off x="1643042" y="1137433"/>
+            <a:off x="1680348" y="1854985"/>
             <a:ext cx="142876" cy="142876"/>
           </a:xfrm>
           <a:prstGeom prst="flowChartConnector">
@@ -5663,13 +5663,13 @@
       </p:sp>
       <p:sp>
         <p:nvSpPr>
-          <p:cNvPr id="75" name="流程图: 联系 74"/>
+          <p:cNvPr id="600" name="流程图: 联系 599"/>
           <p:cNvSpPr/>
           <p:nvPr/>
         </p:nvSpPr>
         <p:spPr>
           <a:xfrm>
-            <a:off x="1857356" y="1137433"/>
+            <a:off x="1894662" y="1854985"/>
             <a:ext cx="142876" cy="142876"/>
           </a:xfrm>
           <a:prstGeom prst="flowChartConnector">
@@ -5708,13 +5708,13 @@
       </p:sp>
       <p:sp>
         <p:nvSpPr>
-          <p:cNvPr id="76" name="流程图: 联系 75"/>
+          <p:cNvPr id="601" name="流程图: 联系 600"/>
           <p:cNvSpPr/>
           <p:nvPr/>
         </p:nvSpPr>
         <p:spPr>
           <a:xfrm>
-            <a:off x="2071670" y="1137433"/>
+            <a:off x="2108976" y="1854985"/>
             <a:ext cx="142876" cy="142876"/>
           </a:xfrm>
           <a:prstGeom prst="flowChartConnector">
@@ -5753,13 +5753,13 @@
       </p:sp>
       <p:sp>
         <p:nvSpPr>
-          <p:cNvPr id="77" name="流程图: 联系 76"/>
+          <p:cNvPr id="602" name="流程图: 联系 601"/>
           <p:cNvSpPr/>
           <p:nvPr/>
         </p:nvSpPr>
         <p:spPr>
           <a:xfrm>
-            <a:off x="1428728" y="1351747"/>
+            <a:off x="1466034" y="2069299"/>
             <a:ext cx="142876" cy="142876"/>
           </a:xfrm>
           <a:prstGeom prst="flowChartConnector">
@@ -5798,13 +5798,13 @@
       </p:sp>
       <p:sp>
         <p:nvSpPr>
-          <p:cNvPr id="78" name="流程图: 联系 77"/>
+          <p:cNvPr id="603" name="流程图: 联系 602"/>
           <p:cNvSpPr/>
           <p:nvPr/>
         </p:nvSpPr>
         <p:spPr>
           <a:xfrm>
-            <a:off x="1643042" y="1351747"/>
+            <a:off x="1680348" y="2069299"/>
             <a:ext cx="142876" cy="142876"/>
           </a:xfrm>
           <a:prstGeom prst="flowChartConnector">
@@ -5843,13 +5843,13 @@
       </p:sp>
       <p:sp>
         <p:nvSpPr>
-          <p:cNvPr id="79" name="流程图: 联系 78"/>
+          <p:cNvPr id="604" name="流程图: 联系 603"/>
           <p:cNvSpPr/>
           <p:nvPr/>
         </p:nvSpPr>
         <p:spPr>
           <a:xfrm>
-            <a:off x="1857356" y="1351747"/>
+            <a:off x="1894662" y="2069299"/>
             <a:ext cx="142876" cy="142876"/>
           </a:xfrm>
           <a:prstGeom prst="flowChartConnector">
@@ -5888,13 +5888,13 @@
       </p:sp>
       <p:sp>
         <p:nvSpPr>
-          <p:cNvPr id="80" name="流程图: 联系 79"/>
+          <p:cNvPr id="605" name="流程图: 联系 604"/>
           <p:cNvSpPr/>
           <p:nvPr/>
         </p:nvSpPr>
         <p:spPr>
           <a:xfrm>
-            <a:off x="2071670" y="1351747"/>
+            <a:off x="2108976" y="2069299"/>
             <a:ext cx="142876" cy="142876"/>
           </a:xfrm>
           <a:prstGeom prst="flowChartConnector">
@@ -5933,13 +5933,13 @@
       </p:sp>
       <p:sp>
         <p:nvSpPr>
-          <p:cNvPr id="82" name="流程图: 联系 81"/>
+          <p:cNvPr id="606" name="流程图: 联系 605"/>
           <p:cNvSpPr/>
           <p:nvPr/>
         </p:nvSpPr>
         <p:spPr>
           <a:xfrm rot="5400000">
-            <a:off x="1571604" y="2709069"/>
+            <a:off x="1608910" y="3426621"/>
             <a:ext cx="142876" cy="142876"/>
           </a:xfrm>
           <a:prstGeom prst="flowChartConnector">
@@ -5978,13 +5978,13 @@
       </p:sp>
       <p:sp>
         <p:nvSpPr>
-          <p:cNvPr id="83" name="流程图: 联系 82"/>
+          <p:cNvPr id="607" name="流程图: 联系 606"/>
           <p:cNvSpPr/>
           <p:nvPr/>
         </p:nvSpPr>
         <p:spPr>
           <a:xfrm rot="5400000">
-            <a:off x="1785918" y="2709069"/>
+            <a:off x="1823224" y="3426621"/>
             <a:ext cx="142876" cy="142876"/>
           </a:xfrm>
           <a:prstGeom prst="flowChartConnector">
@@ -6023,13 +6023,13 @@
       </p:sp>
       <p:sp>
         <p:nvSpPr>
-          <p:cNvPr id="84" name="流程图: 联系 83"/>
+          <p:cNvPr id="608" name="流程图: 联系 607"/>
           <p:cNvSpPr/>
           <p:nvPr/>
         </p:nvSpPr>
         <p:spPr>
           <a:xfrm rot="5400000">
-            <a:off x="2000232" y="2709069"/>
+            <a:off x="2037538" y="3426621"/>
             <a:ext cx="142876" cy="142876"/>
           </a:xfrm>
           <a:prstGeom prst="flowChartConnector">
@@ -6068,13 +6068,13 @@
       </p:sp>
       <p:sp>
         <p:nvSpPr>
-          <p:cNvPr id="85" name="流程图: 联系 84"/>
+          <p:cNvPr id="609" name="流程图: 联系 608"/>
           <p:cNvSpPr/>
           <p:nvPr/>
         </p:nvSpPr>
         <p:spPr>
           <a:xfrm rot="5400000">
-            <a:off x="1571604" y="3352011"/>
+            <a:off x="1608910" y="4069563"/>
             <a:ext cx="142876" cy="142876"/>
           </a:xfrm>
           <a:prstGeom prst="flowChartConnector">
@@ -6113,13 +6113,13 @@
       </p:sp>
       <p:sp>
         <p:nvSpPr>
-          <p:cNvPr id="86" name="流程图: 联系 85"/>
+          <p:cNvPr id="610" name="流程图: 联系 609"/>
           <p:cNvSpPr/>
           <p:nvPr/>
         </p:nvSpPr>
         <p:spPr>
           <a:xfrm rot="5400000">
-            <a:off x="1571604" y="2923383"/>
+            <a:off x="1608910" y="3640935"/>
             <a:ext cx="142876" cy="142876"/>
           </a:xfrm>
           <a:prstGeom prst="flowChartConnector">
@@ -6158,13 +6158,13 @@
       </p:sp>
       <p:sp>
         <p:nvSpPr>
-          <p:cNvPr id="87" name="流程图: 联系 86"/>
+          <p:cNvPr id="611" name="流程图: 联系 610"/>
           <p:cNvSpPr/>
           <p:nvPr/>
         </p:nvSpPr>
         <p:spPr>
           <a:xfrm rot="5400000">
-            <a:off x="1785918" y="2923383"/>
+            <a:off x="1823224" y="3640935"/>
             <a:ext cx="142876" cy="142876"/>
           </a:xfrm>
           <a:prstGeom prst="flowChartConnector">
@@ -6203,13 +6203,13 @@
       </p:sp>
       <p:sp>
         <p:nvSpPr>
-          <p:cNvPr id="88" name="流程图: 联系 87"/>
+          <p:cNvPr id="612" name="流程图: 联系 611"/>
           <p:cNvSpPr/>
           <p:nvPr/>
         </p:nvSpPr>
         <p:spPr>
           <a:xfrm rot="5400000">
-            <a:off x="2000232" y="2923383"/>
+            <a:off x="2037538" y="3640935"/>
             <a:ext cx="142876" cy="142876"/>
           </a:xfrm>
           <a:prstGeom prst="flowChartConnector">
@@ -6248,13 +6248,13 @@
       </p:sp>
       <p:sp>
         <p:nvSpPr>
-          <p:cNvPr id="89" name="流程图: 联系 88"/>
+          <p:cNvPr id="613" name="流程图: 联系 612"/>
           <p:cNvSpPr/>
           <p:nvPr/>
         </p:nvSpPr>
         <p:spPr>
           <a:xfrm rot="5400000">
-            <a:off x="1785918" y="3352011"/>
+            <a:off x="1823224" y="4069563"/>
             <a:ext cx="142876" cy="142876"/>
           </a:xfrm>
           <a:prstGeom prst="flowChartConnector">
@@ -6293,13 +6293,13 @@
       </p:sp>
       <p:sp>
         <p:nvSpPr>
-          <p:cNvPr id="90" name="流程图: 联系 89"/>
+          <p:cNvPr id="614" name="流程图: 联系 613"/>
           <p:cNvSpPr/>
           <p:nvPr/>
         </p:nvSpPr>
         <p:spPr>
           <a:xfrm rot="5400000">
-            <a:off x="1571604" y="3137697"/>
+            <a:off x="1608910" y="3855249"/>
             <a:ext cx="142876" cy="142876"/>
           </a:xfrm>
           <a:prstGeom prst="flowChartConnector">
@@ -6338,13 +6338,13 @@
       </p:sp>
       <p:sp>
         <p:nvSpPr>
-          <p:cNvPr id="91" name="流程图: 联系 90"/>
+          <p:cNvPr id="615" name="流程图: 联系 614"/>
           <p:cNvSpPr/>
           <p:nvPr/>
         </p:nvSpPr>
         <p:spPr>
           <a:xfrm rot="5400000">
-            <a:off x="1785918" y="3137697"/>
+            <a:off x="1823224" y="3855249"/>
             <a:ext cx="142876" cy="142876"/>
           </a:xfrm>
           <a:prstGeom prst="flowChartConnector">
@@ -6383,13 +6383,13 @@
       </p:sp>
       <p:sp>
         <p:nvSpPr>
-          <p:cNvPr id="92" name="流程图: 联系 91"/>
+          <p:cNvPr id="616" name="流程图: 联系 615"/>
           <p:cNvSpPr/>
           <p:nvPr/>
         </p:nvSpPr>
         <p:spPr>
           <a:xfrm rot="5400000">
-            <a:off x="2000232" y="3137697"/>
+            <a:off x="2037538" y="3855249"/>
             <a:ext cx="142876" cy="142876"/>
           </a:xfrm>
           <a:prstGeom prst="flowChartConnector">
@@ -6428,13 +6428,13 @@
       </p:sp>
       <p:sp>
         <p:nvSpPr>
-          <p:cNvPr id="93" name="流程图: 联系 92"/>
+          <p:cNvPr id="617" name="流程图: 联系 616"/>
           <p:cNvSpPr/>
           <p:nvPr/>
         </p:nvSpPr>
         <p:spPr>
           <a:xfrm rot="5400000">
-            <a:off x="2000232" y="3352011"/>
+            <a:off x="2037538" y="4069563"/>
             <a:ext cx="142876" cy="142876"/>
           </a:xfrm>
           <a:prstGeom prst="flowChartConnector">
@@ -6473,13 +6473,13 @@
       </p:sp>
       <p:sp>
         <p:nvSpPr>
-          <p:cNvPr id="95" name="矩形 94"/>
+          <p:cNvPr id="618" name="矩形 617"/>
           <p:cNvSpPr/>
           <p:nvPr/>
         </p:nvSpPr>
         <p:spPr>
           <a:xfrm rot="5400000">
-            <a:off x="2750331" y="601648"/>
+            <a:off x="2787637" y="1319200"/>
             <a:ext cx="285752" cy="214314"/>
           </a:xfrm>
           <a:prstGeom prst="rect">
@@ -6522,13 +6522,13 @@
       </p:sp>
       <p:sp>
         <p:nvSpPr>
-          <p:cNvPr id="96" name="矩形 95"/>
+          <p:cNvPr id="619" name="矩形 618"/>
           <p:cNvSpPr/>
           <p:nvPr/>
         </p:nvSpPr>
         <p:spPr>
           <a:xfrm rot="5400000">
-            <a:off x="2750331" y="1101714"/>
+            <a:off x="2787637" y="1819266"/>
             <a:ext cx="285752" cy="214314"/>
           </a:xfrm>
           <a:prstGeom prst="rect">
@@ -6571,13 +6571,13 @@
       </p:sp>
       <p:sp>
         <p:nvSpPr>
-          <p:cNvPr id="97" name="矩形 96"/>
+          <p:cNvPr id="620" name="矩形 619"/>
           <p:cNvSpPr/>
           <p:nvPr/>
         </p:nvSpPr>
         <p:spPr>
           <a:xfrm rot="5400000">
-            <a:off x="2750331" y="1601780"/>
+            <a:off x="2787637" y="2319332"/>
             <a:ext cx="285752" cy="214314"/>
           </a:xfrm>
           <a:prstGeom prst="rect">
@@ -6620,13 +6620,13 @@
       </p:sp>
       <p:sp>
         <p:nvSpPr>
-          <p:cNvPr id="98" name="矩形 97"/>
+          <p:cNvPr id="621" name="矩形 620"/>
           <p:cNvSpPr/>
           <p:nvPr/>
         </p:nvSpPr>
         <p:spPr>
           <a:xfrm rot="5400000">
-            <a:off x="2750331" y="2244722"/>
+            <a:off x="2787637" y="2962274"/>
             <a:ext cx="285752" cy="214314"/>
           </a:xfrm>
           <a:prstGeom prst="rect">
@@ -6669,13 +6669,13 @@
       </p:sp>
       <p:sp>
         <p:nvSpPr>
-          <p:cNvPr id="99" name="矩形 98"/>
+          <p:cNvPr id="622" name="矩形 621"/>
           <p:cNvSpPr/>
           <p:nvPr/>
         </p:nvSpPr>
         <p:spPr>
           <a:xfrm rot="5400000">
-            <a:off x="2750331" y="2744788"/>
+            <a:off x="2787637" y="3462340"/>
             <a:ext cx="285752" cy="214314"/>
           </a:xfrm>
           <a:prstGeom prst="rect">
@@ -6718,13 +6718,13 @@
       </p:sp>
       <p:sp>
         <p:nvSpPr>
-          <p:cNvPr id="100" name="矩形 99"/>
+          <p:cNvPr id="623" name="矩形 622"/>
           <p:cNvSpPr/>
           <p:nvPr/>
         </p:nvSpPr>
         <p:spPr>
           <a:xfrm rot="5400000">
-            <a:off x="2750331" y="3244854"/>
+            <a:off x="2787637" y="3962406"/>
             <a:ext cx="285752" cy="214314"/>
           </a:xfrm>
           <a:prstGeom prst="rect">
@@ -6767,13 +6767,13 @@
       </p:sp>
       <p:sp>
         <p:nvSpPr>
-          <p:cNvPr id="101" name="矩形 100"/>
+          <p:cNvPr id="624" name="矩形 623"/>
           <p:cNvSpPr/>
           <p:nvPr/>
         </p:nvSpPr>
         <p:spPr>
           <a:xfrm rot="5400000">
-            <a:off x="2750331" y="3747731"/>
+            <a:off x="2787637" y="4465283"/>
             <a:ext cx="285752" cy="214314"/>
           </a:xfrm>
           <a:prstGeom prst="rect">
@@ -6816,13 +6816,13 @@
       </p:sp>
       <p:sp>
         <p:nvSpPr>
-          <p:cNvPr id="112" name="圆角矩形 111"/>
+          <p:cNvPr id="625" name="圆角矩形 624"/>
           <p:cNvSpPr/>
           <p:nvPr/>
         </p:nvSpPr>
         <p:spPr>
           <a:xfrm>
-            <a:off x="2714612" y="494491"/>
+            <a:off x="2751918" y="1212043"/>
             <a:ext cx="357190" cy="1428760"/>
           </a:xfrm>
           <a:prstGeom prst="roundRect">
@@ -6862,13 +6862,13 @@
       </p:sp>
       <p:sp>
         <p:nvSpPr>
-          <p:cNvPr id="113" name="圆角矩形 112"/>
+          <p:cNvPr id="626" name="圆角矩形 625"/>
           <p:cNvSpPr/>
           <p:nvPr/>
         </p:nvSpPr>
         <p:spPr>
           <a:xfrm>
-            <a:off x="2714612" y="2137565"/>
+            <a:off x="2751918" y="2855117"/>
             <a:ext cx="357190" cy="1928826"/>
           </a:xfrm>
           <a:prstGeom prst="roundRect">
@@ -6908,13 +6908,13 @@
       </p:sp>
       <p:sp>
         <p:nvSpPr>
-          <p:cNvPr id="114" name="矩形 113"/>
+          <p:cNvPr id="627" name="矩形 626"/>
           <p:cNvSpPr/>
           <p:nvPr/>
         </p:nvSpPr>
         <p:spPr>
           <a:xfrm rot="5400000">
-            <a:off x="3250397" y="601648"/>
+            <a:off x="3287703" y="1319200"/>
             <a:ext cx="285752" cy="214314"/>
           </a:xfrm>
           <a:prstGeom prst="rect">
@@ -6957,13 +6957,13 @@
       </p:sp>
       <p:sp>
         <p:nvSpPr>
-          <p:cNvPr id="115" name="矩形 114"/>
+          <p:cNvPr id="628" name="矩形 627"/>
           <p:cNvSpPr/>
           <p:nvPr/>
         </p:nvSpPr>
         <p:spPr>
           <a:xfrm rot="5400000">
-            <a:off x="3250397" y="1101714"/>
+            <a:off x="3287703" y="1819266"/>
             <a:ext cx="285752" cy="214314"/>
           </a:xfrm>
           <a:prstGeom prst="rect">
@@ -7006,13 +7006,13 @@
       </p:sp>
       <p:sp>
         <p:nvSpPr>
-          <p:cNvPr id="116" name="矩形 115"/>
+          <p:cNvPr id="629" name="矩形 628"/>
           <p:cNvSpPr/>
           <p:nvPr/>
         </p:nvSpPr>
         <p:spPr>
           <a:xfrm rot="5400000">
-            <a:off x="3250397" y="1601780"/>
+            <a:off x="3287703" y="2319332"/>
             <a:ext cx="285752" cy="214314"/>
           </a:xfrm>
           <a:prstGeom prst="rect">
@@ -7055,13 +7055,13 @@
       </p:sp>
       <p:sp>
         <p:nvSpPr>
-          <p:cNvPr id="117" name="矩形 116"/>
+          <p:cNvPr id="630" name="矩形 629"/>
           <p:cNvSpPr/>
           <p:nvPr/>
         </p:nvSpPr>
         <p:spPr>
           <a:xfrm rot="5400000">
-            <a:off x="3250397" y="2244722"/>
+            <a:off x="3287703" y="2962274"/>
             <a:ext cx="285752" cy="214314"/>
           </a:xfrm>
           <a:prstGeom prst="rect">
@@ -7104,13 +7104,13 @@
       </p:sp>
       <p:sp>
         <p:nvSpPr>
-          <p:cNvPr id="118" name="矩形 117"/>
+          <p:cNvPr id="631" name="矩形 630"/>
           <p:cNvSpPr/>
           <p:nvPr/>
         </p:nvSpPr>
         <p:spPr>
           <a:xfrm rot="5400000">
-            <a:off x="3250397" y="2744788"/>
+            <a:off x="3287703" y="3462340"/>
             <a:ext cx="285752" cy="214314"/>
           </a:xfrm>
           <a:prstGeom prst="rect">
@@ -7153,13 +7153,13 @@
       </p:sp>
       <p:sp>
         <p:nvSpPr>
-          <p:cNvPr id="119" name="矩形 118"/>
+          <p:cNvPr id="632" name="矩形 631"/>
           <p:cNvSpPr/>
           <p:nvPr/>
         </p:nvSpPr>
         <p:spPr>
           <a:xfrm rot="5400000">
-            <a:off x="3250397" y="3244854"/>
+            <a:off x="3287703" y="3962406"/>
             <a:ext cx="285752" cy="214314"/>
           </a:xfrm>
           <a:prstGeom prst="rect">
@@ -7202,13 +7202,13 @@
       </p:sp>
       <p:sp>
         <p:nvSpPr>
-          <p:cNvPr id="120" name="矩形 119"/>
+          <p:cNvPr id="633" name="矩形 632"/>
           <p:cNvSpPr/>
           <p:nvPr/>
         </p:nvSpPr>
         <p:spPr>
           <a:xfrm rot="5400000">
-            <a:off x="3250397" y="3747731"/>
+            <a:off x="3287703" y="4465283"/>
             <a:ext cx="285752" cy="214314"/>
           </a:xfrm>
           <a:prstGeom prst="rect">
@@ -7251,13 +7251,13 @@
       </p:sp>
       <p:sp>
         <p:nvSpPr>
-          <p:cNvPr id="131" name="圆角矩形 130"/>
+          <p:cNvPr id="634" name="圆角矩形 633"/>
           <p:cNvSpPr/>
           <p:nvPr/>
         </p:nvSpPr>
         <p:spPr>
           <a:xfrm>
-            <a:off x="3214678" y="494491"/>
+            <a:off x="3251984" y="1212043"/>
             <a:ext cx="357190" cy="1428760"/>
           </a:xfrm>
           <a:prstGeom prst="roundRect">
@@ -7297,13 +7297,13 @@
       </p:sp>
       <p:sp>
         <p:nvSpPr>
-          <p:cNvPr id="132" name="圆角矩形 131"/>
+          <p:cNvPr id="635" name="圆角矩形 634"/>
           <p:cNvSpPr/>
           <p:nvPr/>
         </p:nvSpPr>
         <p:spPr>
           <a:xfrm>
-            <a:off x="3214678" y="2137565"/>
+            <a:off x="3251984" y="2855117"/>
             <a:ext cx="357190" cy="1928826"/>
           </a:xfrm>
           <a:prstGeom prst="roundRect">
@@ -7343,13 +7343,13 @@
       </p:sp>
       <p:sp>
         <p:nvSpPr>
-          <p:cNvPr id="133" name="圆角矩形 132"/>
+          <p:cNvPr id="636" name="圆角矩形 635"/>
           <p:cNvSpPr/>
           <p:nvPr/>
         </p:nvSpPr>
         <p:spPr>
           <a:xfrm>
-            <a:off x="2643174" y="423053"/>
+            <a:off x="2680480" y="1140605"/>
             <a:ext cx="1000132" cy="3714776"/>
           </a:xfrm>
           <a:prstGeom prst="roundRect">
@@ -7389,13 +7389,13 @@
       </p:sp>
       <p:sp>
         <p:nvSpPr>
-          <p:cNvPr id="134" name="矩形 133"/>
+          <p:cNvPr id="637" name="矩形 636"/>
           <p:cNvSpPr/>
           <p:nvPr/>
         </p:nvSpPr>
         <p:spPr>
           <a:xfrm rot="5400000">
-            <a:off x="3821901" y="601648"/>
+            <a:off x="3859207" y="1319200"/>
             <a:ext cx="285752" cy="214314"/>
           </a:xfrm>
           <a:prstGeom prst="rect">
@@ -7438,13 +7438,13 @@
       </p:sp>
       <p:sp>
         <p:nvSpPr>
-          <p:cNvPr id="135" name="矩形 134"/>
+          <p:cNvPr id="638" name="矩形 637"/>
           <p:cNvSpPr/>
           <p:nvPr/>
         </p:nvSpPr>
         <p:spPr>
           <a:xfrm rot="5400000">
-            <a:off x="3821901" y="1101714"/>
+            <a:off x="3859207" y="1819266"/>
             <a:ext cx="285752" cy="214314"/>
           </a:xfrm>
           <a:prstGeom prst="rect">
@@ -7487,13 +7487,13 @@
       </p:sp>
       <p:sp>
         <p:nvSpPr>
-          <p:cNvPr id="136" name="矩形 135"/>
+          <p:cNvPr id="639" name="矩形 638"/>
           <p:cNvSpPr/>
           <p:nvPr/>
         </p:nvSpPr>
         <p:spPr>
           <a:xfrm rot="5400000">
-            <a:off x="3821901" y="1601780"/>
+            <a:off x="3859207" y="2319332"/>
             <a:ext cx="285752" cy="214314"/>
           </a:xfrm>
           <a:prstGeom prst="rect">
@@ -7536,13 +7536,13 @@
       </p:sp>
       <p:sp>
         <p:nvSpPr>
-          <p:cNvPr id="137" name="矩形 136"/>
+          <p:cNvPr id="640" name="矩形 639"/>
           <p:cNvSpPr/>
           <p:nvPr/>
         </p:nvSpPr>
         <p:spPr>
           <a:xfrm rot="5400000">
-            <a:off x="3821901" y="2244722"/>
+            <a:off x="3859207" y="2962274"/>
             <a:ext cx="285752" cy="214314"/>
           </a:xfrm>
           <a:prstGeom prst="rect">
@@ -7585,13 +7585,13 @@
       </p:sp>
       <p:sp>
         <p:nvSpPr>
-          <p:cNvPr id="138" name="矩形 137"/>
+          <p:cNvPr id="641" name="矩形 640"/>
           <p:cNvSpPr/>
           <p:nvPr/>
         </p:nvSpPr>
         <p:spPr>
           <a:xfrm rot="5400000">
-            <a:off x="3821901" y="2744788"/>
+            <a:off x="3859207" y="3462340"/>
             <a:ext cx="285752" cy="214314"/>
           </a:xfrm>
           <a:prstGeom prst="rect">
@@ -7634,13 +7634,13 @@
       </p:sp>
       <p:sp>
         <p:nvSpPr>
-          <p:cNvPr id="139" name="矩形 138"/>
+          <p:cNvPr id="642" name="矩形 641"/>
           <p:cNvSpPr/>
           <p:nvPr/>
         </p:nvSpPr>
         <p:spPr>
           <a:xfrm rot="5400000">
-            <a:off x="3821901" y="3244854"/>
+            <a:off x="3859207" y="3962406"/>
             <a:ext cx="285752" cy="214314"/>
           </a:xfrm>
           <a:prstGeom prst="rect">
@@ -7683,13 +7683,13 @@
       </p:sp>
       <p:sp>
         <p:nvSpPr>
-          <p:cNvPr id="140" name="矩形 139"/>
+          <p:cNvPr id="643" name="矩形 642"/>
           <p:cNvSpPr/>
           <p:nvPr/>
         </p:nvSpPr>
         <p:spPr>
           <a:xfrm rot="5400000">
-            <a:off x="3821901" y="3747731"/>
+            <a:off x="3859207" y="4465283"/>
             <a:ext cx="285752" cy="214314"/>
           </a:xfrm>
           <a:prstGeom prst="rect">
@@ -7732,13 +7732,13 @@
       </p:sp>
       <p:cxnSp>
         <p:nvCxnSpPr>
-          <p:cNvPr id="141" name="直接箭头连接符 140"/>
+          <p:cNvPr id="644" name="直接箭头连接符 643"/>
           <p:cNvCxnSpPr/>
           <p:nvPr/>
         </p:nvCxnSpPr>
         <p:spPr>
           <a:xfrm rot="5400000">
-            <a:off x="3825812" y="953338"/>
+            <a:off x="3863118" y="1670890"/>
             <a:ext cx="204902" cy="1588"/>
           </a:xfrm>
           <a:prstGeom prst="straightConnector1">
@@ -7769,13 +7769,13 @@
       </p:cxnSp>
       <p:cxnSp>
         <p:nvCxnSpPr>
-          <p:cNvPr id="142" name="直接箭头连接符 141"/>
+          <p:cNvPr id="645" name="直接箭头连接符 644"/>
           <p:cNvCxnSpPr/>
           <p:nvPr/>
         </p:nvCxnSpPr>
         <p:spPr>
           <a:xfrm rot="5400000">
-            <a:off x="3894132" y="958839"/>
+            <a:off x="3931438" y="1676391"/>
             <a:ext cx="214316" cy="1588"/>
           </a:xfrm>
           <a:prstGeom prst="straightConnector1">
@@ -7806,13 +7806,13 @@
       </p:cxnSp>
       <p:cxnSp>
         <p:nvCxnSpPr>
-          <p:cNvPr id="143" name="直接箭头连接符 142"/>
+          <p:cNvPr id="646" name="直接箭头连接符 645"/>
           <p:cNvCxnSpPr/>
           <p:nvPr/>
         </p:nvCxnSpPr>
         <p:spPr>
           <a:xfrm rot="5400000">
-            <a:off x="3827401" y="1453404"/>
+            <a:off x="3864707" y="2170956"/>
             <a:ext cx="204902" cy="1588"/>
           </a:xfrm>
           <a:prstGeom prst="straightConnector1">
@@ -7843,13 +7843,13 @@
       </p:cxnSp>
       <p:cxnSp>
         <p:nvCxnSpPr>
-          <p:cNvPr id="144" name="直接箭头连接符 143"/>
+          <p:cNvPr id="647" name="直接箭头连接符 646"/>
           <p:cNvCxnSpPr/>
           <p:nvPr/>
         </p:nvCxnSpPr>
         <p:spPr>
           <a:xfrm rot="5400000">
-            <a:off x="3895721" y="1458905"/>
+            <a:off x="3933027" y="2176457"/>
             <a:ext cx="214316" cy="1588"/>
           </a:xfrm>
           <a:prstGeom prst="straightConnector1">
@@ -7880,13 +7880,13 @@
       </p:cxnSp>
       <p:cxnSp>
         <p:nvCxnSpPr>
-          <p:cNvPr id="145" name="直接箭头连接符 144"/>
+          <p:cNvPr id="648" name="直接箭头连接符 647"/>
           <p:cNvCxnSpPr/>
           <p:nvPr/>
         </p:nvCxnSpPr>
         <p:spPr>
           <a:xfrm rot="5400000">
-            <a:off x="3827401" y="2596412"/>
+            <a:off x="3864707" y="3313964"/>
             <a:ext cx="204902" cy="1588"/>
           </a:xfrm>
           <a:prstGeom prst="straightConnector1">
@@ -7917,13 +7917,13 @@
       </p:cxnSp>
       <p:cxnSp>
         <p:nvCxnSpPr>
-          <p:cNvPr id="146" name="直接箭头连接符 145"/>
+          <p:cNvPr id="649" name="直接箭头连接符 648"/>
           <p:cNvCxnSpPr/>
           <p:nvPr/>
         </p:nvCxnSpPr>
         <p:spPr>
           <a:xfrm rot="5400000">
-            <a:off x="3895721" y="2601913"/>
+            <a:off x="3933027" y="3319465"/>
             <a:ext cx="214316" cy="1588"/>
           </a:xfrm>
           <a:prstGeom prst="straightConnector1">
@@ -7954,13 +7954,13 @@
       </p:cxnSp>
       <p:cxnSp>
         <p:nvCxnSpPr>
-          <p:cNvPr id="147" name="直接箭头连接符 146"/>
+          <p:cNvPr id="650" name="直接箭头连接符 649"/>
           <p:cNvCxnSpPr/>
           <p:nvPr/>
         </p:nvCxnSpPr>
         <p:spPr>
           <a:xfrm rot="5400000">
-            <a:off x="3825812" y="3095684"/>
+            <a:off x="3863118" y="3813236"/>
             <a:ext cx="204902" cy="1588"/>
           </a:xfrm>
           <a:prstGeom prst="straightConnector1">
@@ -7991,13 +7991,13 @@
       </p:cxnSp>
       <p:cxnSp>
         <p:nvCxnSpPr>
-          <p:cNvPr id="148" name="直接箭头连接符 147"/>
+          <p:cNvPr id="651" name="直接箭头连接符 650"/>
           <p:cNvCxnSpPr/>
           <p:nvPr/>
         </p:nvCxnSpPr>
         <p:spPr>
           <a:xfrm rot="5400000">
-            <a:off x="3894132" y="3101185"/>
+            <a:off x="3931438" y="3818737"/>
             <a:ext cx="214316" cy="1588"/>
           </a:xfrm>
           <a:prstGeom prst="straightConnector1">
@@ -8028,13 +8028,13 @@
       </p:cxnSp>
       <p:cxnSp>
         <p:nvCxnSpPr>
-          <p:cNvPr id="149" name="直接箭头连接符 148"/>
+          <p:cNvPr id="652" name="直接箭头连接符 651"/>
           <p:cNvCxnSpPr/>
           <p:nvPr/>
         </p:nvCxnSpPr>
         <p:spPr>
           <a:xfrm rot="5400000">
-            <a:off x="3825812" y="3595750"/>
+            <a:off x="3863118" y="4313302"/>
             <a:ext cx="204902" cy="1588"/>
           </a:xfrm>
           <a:prstGeom prst="straightConnector1">
@@ -8065,13 +8065,13 @@
       </p:cxnSp>
       <p:cxnSp>
         <p:nvCxnSpPr>
-          <p:cNvPr id="150" name="直接箭头连接符 149"/>
+          <p:cNvPr id="653" name="直接箭头连接符 652"/>
           <p:cNvCxnSpPr/>
           <p:nvPr/>
         </p:nvCxnSpPr>
         <p:spPr>
           <a:xfrm rot="5400000">
-            <a:off x="3894132" y="3601251"/>
+            <a:off x="3931438" y="4318803"/>
             <a:ext cx="214316" cy="1588"/>
           </a:xfrm>
           <a:prstGeom prst="straightConnector1">
@@ -8102,13 +8102,13 @@
       </p:cxnSp>
       <p:sp>
         <p:nvSpPr>
-          <p:cNvPr id="151" name="圆角矩形 150"/>
+          <p:cNvPr id="654" name="圆角矩形 653"/>
           <p:cNvSpPr/>
           <p:nvPr/>
         </p:nvSpPr>
         <p:spPr>
           <a:xfrm>
-            <a:off x="3786182" y="494491"/>
+            <a:off x="3823488" y="1212043"/>
             <a:ext cx="357190" cy="1428760"/>
           </a:xfrm>
           <a:prstGeom prst="roundRect">
@@ -8148,13 +8148,13 @@
       </p:sp>
       <p:sp>
         <p:nvSpPr>
-          <p:cNvPr id="152" name="圆角矩形 151"/>
+          <p:cNvPr id="655" name="圆角矩形 654"/>
           <p:cNvSpPr/>
           <p:nvPr/>
         </p:nvSpPr>
         <p:spPr>
           <a:xfrm>
-            <a:off x="3786182" y="2137565"/>
+            <a:off x="3823488" y="2855117"/>
             <a:ext cx="357190" cy="1928826"/>
           </a:xfrm>
           <a:prstGeom prst="roundRect">
@@ -8194,13 +8194,13 @@
       </p:sp>
       <p:sp>
         <p:nvSpPr>
-          <p:cNvPr id="153" name="矩形 152"/>
+          <p:cNvPr id="656" name="矩形 655"/>
           <p:cNvSpPr/>
           <p:nvPr/>
         </p:nvSpPr>
         <p:spPr>
           <a:xfrm rot="5400000">
-            <a:off x="5107785" y="601648"/>
+            <a:off x="5145091" y="1319200"/>
             <a:ext cx="285752" cy="214314"/>
           </a:xfrm>
           <a:prstGeom prst="rect">
@@ -8247,13 +8247,13 @@
       </p:sp>
       <p:sp>
         <p:nvSpPr>
-          <p:cNvPr id="154" name="矩形 153"/>
+          <p:cNvPr id="657" name="矩形 656"/>
           <p:cNvSpPr/>
           <p:nvPr/>
         </p:nvSpPr>
         <p:spPr>
           <a:xfrm rot="5400000">
-            <a:off x="5107785" y="1101714"/>
+            <a:off x="5145091" y="1819266"/>
             <a:ext cx="285752" cy="214314"/>
           </a:xfrm>
           <a:prstGeom prst="rect">
@@ -8300,13 +8300,13 @@
       </p:sp>
       <p:sp>
         <p:nvSpPr>
-          <p:cNvPr id="155" name="矩形 154"/>
+          <p:cNvPr id="658" name="矩形 657"/>
           <p:cNvSpPr/>
           <p:nvPr/>
         </p:nvSpPr>
         <p:spPr>
           <a:xfrm rot="5400000">
-            <a:off x="5107785" y="1601780"/>
+            <a:off x="5145091" y="2319332"/>
             <a:ext cx="285752" cy="214314"/>
           </a:xfrm>
           <a:prstGeom prst="rect">
@@ -8353,13 +8353,13 @@
       </p:sp>
       <p:sp>
         <p:nvSpPr>
-          <p:cNvPr id="156" name="矩形 155"/>
+          <p:cNvPr id="659" name="矩形 658"/>
           <p:cNvSpPr/>
           <p:nvPr/>
         </p:nvSpPr>
         <p:spPr>
           <a:xfrm rot="5400000">
-            <a:off x="5107785" y="2244722"/>
+            <a:off x="5145091" y="2962274"/>
             <a:ext cx="285752" cy="214314"/>
           </a:xfrm>
           <a:prstGeom prst="rect">
@@ -8406,13 +8406,13 @@
       </p:sp>
       <p:sp>
         <p:nvSpPr>
-          <p:cNvPr id="157" name="矩形 156"/>
+          <p:cNvPr id="660" name="矩形 659"/>
           <p:cNvSpPr/>
           <p:nvPr/>
         </p:nvSpPr>
         <p:spPr>
           <a:xfrm rot="5400000">
-            <a:off x="5107785" y="2744788"/>
+            <a:off x="5145091" y="3462340"/>
             <a:ext cx="285752" cy="214314"/>
           </a:xfrm>
           <a:prstGeom prst="rect">
@@ -8459,13 +8459,13 @@
       </p:sp>
       <p:sp>
         <p:nvSpPr>
-          <p:cNvPr id="158" name="矩形 157"/>
+          <p:cNvPr id="661" name="矩形 660"/>
           <p:cNvSpPr/>
           <p:nvPr/>
         </p:nvSpPr>
         <p:spPr>
           <a:xfrm rot="5400000">
-            <a:off x="5107785" y="3244854"/>
+            <a:off x="5145091" y="3962406"/>
             <a:ext cx="285752" cy="214314"/>
           </a:xfrm>
           <a:prstGeom prst="rect">
@@ -8512,13 +8512,13 @@
       </p:sp>
       <p:sp>
         <p:nvSpPr>
-          <p:cNvPr id="159" name="矩形 158"/>
+          <p:cNvPr id="662" name="矩形 661"/>
           <p:cNvSpPr/>
           <p:nvPr/>
         </p:nvSpPr>
         <p:spPr>
           <a:xfrm rot="5400000">
-            <a:off x="5107785" y="3747731"/>
+            <a:off x="5145091" y="4465283"/>
             <a:ext cx="285752" cy="214314"/>
           </a:xfrm>
           <a:prstGeom prst="rect">
@@ -8565,13 +8565,13 @@
       </p:sp>
       <p:cxnSp>
         <p:nvCxnSpPr>
-          <p:cNvPr id="160" name="直接箭头连接符 159"/>
+          <p:cNvPr id="663" name="直接箭头连接符 662"/>
           <p:cNvCxnSpPr/>
           <p:nvPr/>
         </p:nvCxnSpPr>
         <p:spPr>
           <a:xfrm rot="5400000">
-            <a:off x="5111696" y="953338"/>
+            <a:off x="5149002" y="1670890"/>
             <a:ext cx="204902" cy="1588"/>
           </a:xfrm>
           <a:prstGeom prst="straightConnector1">
@@ -8602,13 +8602,13 @@
       </p:cxnSp>
       <p:cxnSp>
         <p:nvCxnSpPr>
-          <p:cNvPr id="161" name="直接箭头连接符 160"/>
+          <p:cNvPr id="664" name="直接箭头连接符 663"/>
           <p:cNvCxnSpPr/>
           <p:nvPr/>
         </p:nvCxnSpPr>
         <p:spPr>
           <a:xfrm rot="5400000">
-            <a:off x="5180016" y="958839"/>
+            <a:off x="5217322" y="1676391"/>
             <a:ext cx="214316" cy="1588"/>
           </a:xfrm>
           <a:prstGeom prst="straightConnector1">
@@ -8639,13 +8639,13 @@
       </p:cxnSp>
       <p:cxnSp>
         <p:nvCxnSpPr>
-          <p:cNvPr id="162" name="直接箭头连接符 161"/>
+          <p:cNvPr id="665" name="直接箭头连接符 664"/>
           <p:cNvCxnSpPr/>
           <p:nvPr/>
         </p:nvCxnSpPr>
         <p:spPr>
           <a:xfrm rot="5400000">
-            <a:off x="5113285" y="1453404"/>
+            <a:off x="5150591" y="2170956"/>
             <a:ext cx="204902" cy="1588"/>
           </a:xfrm>
           <a:prstGeom prst="straightConnector1">
@@ -8676,13 +8676,13 @@
       </p:cxnSp>
       <p:cxnSp>
         <p:nvCxnSpPr>
-          <p:cNvPr id="163" name="直接箭头连接符 162"/>
+          <p:cNvPr id="666" name="直接箭头连接符 665"/>
           <p:cNvCxnSpPr/>
           <p:nvPr/>
         </p:nvCxnSpPr>
         <p:spPr>
           <a:xfrm rot="5400000">
-            <a:off x="5181605" y="1458905"/>
+            <a:off x="5218911" y="2176457"/>
             <a:ext cx="214316" cy="1588"/>
           </a:xfrm>
           <a:prstGeom prst="straightConnector1">
@@ -8713,13 +8713,13 @@
       </p:cxnSp>
       <p:cxnSp>
         <p:nvCxnSpPr>
-          <p:cNvPr id="164" name="直接箭头连接符 163"/>
+          <p:cNvPr id="667" name="直接箭头连接符 666"/>
           <p:cNvCxnSpPr/>
           <p:nvPr/>
         </p:nvCxnSpPr>
         <p:spPr>
           <a:xfrm rot="5400000">
-            <a:off x="5113285" y="2596412"/>
+            <a:off x="5150591" y="3313964"/>
             <a:ext cx="204902" cy="1588"/>
           </a:xfrm>
           <a:prstGeom prst="straightConnector1">
@@ -8750,13 +8750,13 @@
       </p:cxnSp>
       <p:cxnSp>
         <p:nvCxnSpPr>
-          <p:cNvPr id="165" name="直接箭头连接符 164"/>
+          <p:cNvPr id="668" name="直接箭头连接符 667"/>
           <p:cNvCxnSpPr/>
           <p:nvPr/>
         </p:nvCxnSpPr>
         <p:spPr>
           <a:xfrm rot="5400000">
-            <a:off x="5181605" y="2601913"/>
+            <a:off x="5218911" y="3319465"/>
             <a:ext cx="214316" cy="1588"/>
           </a:xfrm>
           <a:prstGeom prst="straightConnector1">
@@ -8787,13 +8787,13 @@
       </p:cxnSp>
       <p:cxnSp>
         <p:nvCxnSpPr>
-          <p:cNvPr id="166" name="直接箭头连接符 165"/>
+          <p:cNvPr id="669" name="直接箭头连接符 668"/>
           <p:cNvCxnSpPr/>
           <p:nvPr/>
         </p:nvCxnSpPr>
         <p:spPr>
           <a:xfrm rot="5400000">
-            <a:off x="5111696" y="3095684"/>
+            <a:off x="5149002" y="3813236"/>
             <a:ext cx="204902" cy="1588"/>
           </a:xfrm>
           <a:prstGeom prst="straightConnector1">
@@ -8824,13 +8824,13 @@
       </p:cxnSp>
       <p:cxnSp>
         <p:nvCxnSpPr>
-          <p:cNvPr id="167" name="直接箭头连接符 166"/>
+          <p:cNvPr id="670" name="直接箭头连接符 669"/>
           <p:cNvCxnSpPr/>
           <p:nvPr/>
         </p:nvCxnSpPr>
         <p:spPr>
           <a:xfrm rot="5400000">
-            <a:off x="5180016" y="3101185"/>
+            <a:off x="5217322" y="3818737"/>
             <a:ext cx="214316" cy="1588"/>
           </a:xfrm>
           <a:prstGeom prst="straightConnector1">
@@ -8861,13 +8861,13 @@
       </p:cxnSp>
       <p:cxnSp>
         <p:nvCxnSpPr>
-          <p:cNvPr id="168" name="直接箭头连接符 167"/>
+          <p:cNvPr id="671" name="直接箭头连接符 670"/>
           <p:cNvCxnSpPr/>
           <p:nvPr/>
         </p:nvCxnSpPr>
         <p:spPr>
           <a:xfrm rot="5400000">
-            <a:off x="5111696" y="3595750"/>
+            <a:off x="5149002" y="4313302"/>
             <a:ext cx="204902" cy="1588"/>
           </a:xfrm>
           <a:prstGeom prst="straightConnector1">
@@ -8898,13 +8898,13 @@
       </p:cxnSp>
       <p:cxnSp>
         <p:nvCxnSpPr>
-          <p:cNvPr id="169" name="直接箭头连接符 168"/>
+          <p:cNvPr id="672" name="直接箭头连接符 671"/>
           <p:cNvCxnSpPr/>
           <p:nvPr/>
         </p:nvCxnSpPr>
         <p:spPr>
           <a:xfrm rot="5400000">
-            <a:off x="5180016" y="3601251"/>
+            <a:off x="5217322" y="4318803"/>
             <a:ext cx="214316" cy="1588"/>
           </a:xfrm>
           <a:prstGeom prst="straightConnector1">
@@ -8935,13 +8935,13 @@
       </p:cxnSp>
       <p:sp>
         <p:nvSpPr>
-          <p:cNvPr id="170" name="圆角矩形 169"/>
+          <p:cNvPr id="673" name="圆角矩形 672"/>
           <p:cNvSpPr/>
           <p:nvPr/>
         </p:nvSpPr>
         <p:spPr>
           <a:xfrm>
-            <a:off x="5072066" y="494491"/>
+            <a:off x="5109372" y="1212043"/>
             <a:ext cx="357190" cy="1428760"/>
           </a:xfrm>
           <a:prstGeom prst="roundRect">
@@ -8981,13 +8981,13 @@
       </p:sp>
       <p:sp>
         <p:nvSpPr>
-          <p:cNvPr id="171" name="圆角矩形 170"/>
+          <p:cNvPr id="674" name="圆角矩形 673"/>
           <p:cNvSpPr/>
           <p:nvPr/>
         </p:nvSpPr>
         <p:spPr>
           <a:xfrm>
-            <a:off x="5072066" y="2137565"/>
+            <a:off x="5109372" y="2855117"/>
             <a:ext cx="357190" cy="1928826"/>
           </a:xfrm>
           <a:prstGeom prst="roundRect">
@@ -9027,13 +9027,13 @@
       </p:sp>
       <p:sp>
         <p:nvSpPr>
-          <p:cNvPr id="172" name="圆角矩形 171"/>
+          <p:cNvPr id="675" name="圆角矩形 674"/>
           <p:cNvSpPr/>
           <p:nvPr/>
         </p:nvSpPr>
         <p:spPr>
           <a:xfrm>
-            <a:off x="4214810" y="494491"/>
+            <a:off x="4252116" y="1212043"/>
             <a:ext cx="785818" cy="1428760"/>
           </a:xfrm>
           <a:prstGeom prst="roundRect">
@@ -9073,13 +9073,13 @@
       </p:sp>
       <p:sp>
         <p:nvSpPr>
-          <p:cNvPr id="173" name="圆角矩形 172"/>
+          <p:cNvPr id="676" name="圆角矩形 675"/>
           <p:cNvSpPr/>
           <p:nvPr/>
         </p:nvSpPr>
         <p:spPr>
           <a:xfrm>
-            <a:off x="4214810" y="2137565"/>
+            <a:off x="4252116" y="2855117"/>
             <a:ext cx="785818" cy="1928826"/>
           </a:xfrm>
           <a:prstGeom prst="roundRect">
@@ -9119,13 +9119,13 @@
       </p:sp>
       <p:sp>
         <p:nvSpPr>
-          <p:cNvPr id="174" name="矩形 173"/>
+          <p:cNvPr id="677" name="矩形 676"/>
           <p:cNvSpPr/>
           <p:nvPr/>
         </p:nvSpPr>
         <p:spPr>
           <a:xfrm>
-            <a:off x="4357686" y="780243"/>
+            <a:off x="4394992" y="1497795"/>
             <a:ext cx="214314" cy="928694"/>
           </a:xfrm>
           <a:prstGeom prst="rect">
@@ -9179,13 +9179,13 @@
       </p:sp>
       <p:sp>
         <p:nvSpPr>
-          <p:cNvPr id="175" name="矩形 174"/>
+          <p:cNvPr id="678" name="矩形 677"/>
           <p:cNvSpPr/>
           <p:nvPr/>
         </p:nvSpPr>
         <p:spPr>
           <a:xfrm>
-            <a:off x="4714876" y="780243"/>
+            <a:off x="4752182" y="1497795"/>
             <a:ext cx="214314" cy="928694"/>
           </a:xfrm>
           <a:prstGeom prst="rect">
@@ -9239,13 +9239,13 @@
       </p:sp>
       <p:sp>
         <p:nvSpPr>
-          <p:cNvPr id="176" name="矩形 175"/>
+          <p:cNvPr id="679" name="矩形 678"/>
           <p:cNvSpPr/>
           <p:nvPr/>
         </p:nvSpPr>
         <p:spPr>
           <a:xfrm>
-            <a:off x="4357686" y="2566193"/>
+            <a:off x="4394992" y="3283745"/>
             <a:ext cx="214314" cy="1071570"/>
           </a:xfrm>
           <a:prstGeom prst="rect">
@@ -9294,13 +9294,13 @@
       </p:sp>
       <p:sp>
         <p:nvSpPr>
-          <p:cNvPr id="177" name="矩形 176"/>
+          <p:cNvPr id="680" name="矩形 679"/>
           <p:cNvSpPr/>
           <p:nvPr/>
         </p:nvSpPr>
         <p:spPr>
           <a:xfrm>
-            <a:off x="4714876" y="2566193"/>
+            <a:off x="4752182" y="3283745"/>
             <a:ext cx="214314" cy="1071570"/>
           </a:xfrm>
           <a:prstGeom prst="rect">
@@ -9354,13 +9354,13 @@
       </p:sp>
       <p:cxnSp>
         <p:nvCxnSpPr>
-          <p:cNvPr id="181" name="直接箭头连接符 180"/>
+          <p:cNvPr id="681" name="直接箭头连接符 680"/>
           <p:cNvCxnSpPr/>
           <p:nvPr/>
         </p:nvCxnSpPr>
         <p:spPr>
           <a:xfrm>
-            <a:off x="1071538" y="1208871"/>
+            <a:off x="1108844" y="1926423"/>
             <a:ext cx="285752" cy="1255"/>
           </a:xfrm>
           <a:prstGeom prst="straightConnector1">
@@ -9390,13 +9390,13 @@
       </p:cxnSp>
       <p:cxnSp>
         <p:nvCxnSpPr>
-          <p:cNvPr id="187" name="直接箭头连接符 186"/>
+          <p:cNvPr id="682" name="直接箭头连接符 681"/>
           <p:cNvCxnSpPr/>
           <p:nvPr/>
         </p:nvCxnSpPr>
         <p:spPr>
           <a:xfrm>
-            <a:off x="1071538" y="3066259"/>
+            <a:off x="1108844" y="3783811"/>
             <a:ext cx="428628" cy="1588"/>
           </a:xfrm>
           <a:prstGeom prst="straightConnector1">
@@ -9426,13 +9426,13 @@
       </p:cxnSp>
       <p:cxnSp>
         <p:nvCxnSpPr>
-          <p:cNvPr id="189" name="直接箭头连接符 188"/>
+          <p:cNvPr id="683" name="直接箭头连接符 682"/>
           <p:cNvCxnSpPr/>
           <p:nvPr/>
         </p:nvCxnSpPr>
         <p:spPr>
           <a:xfrm>
-            <a:off x="2285984" y="1208871"/>
+            <a:off x="2323290" y="1926423"/>
             <a:ext cx="428628" cy="1588"/>
           </a:xfrm>
           <a:prstGeom prst="straightConnector1">
@@ -9462,13 +9462,13 @@
       </p:cxnSp>
       <p:cxnSp>
         <p:nvCxnSpPr>
-          <p:cNvPr id="190" name="直接箭头连接符 189"/>
+          <p:cNvPr id="684" name="直接箭头连接符 683"/>
           <p:cNvCxnSpPr/>
           <p:nvPr/>
         </p:nvCxnSpPr>
         <p:spPr>
           <a:xfrm>
-            <a:off x="2214546" y="3066259"/>
+            <a:off x="2251852" y="3783811"/>
             <a:ext cx="500066" cy="1588"/>
           </a:xfrm>
           <a:prstGeom prst="straightConnector1">
@@ -9498,13 +9498,13 @@
       </p:cxnSp>
       <p:cxnSp>
         <p:nvCxnSpPr>
-          <p:cNvPr id="192" name="直接箭头连接符 191"/>
+          <p:cNvPr id="685" name="直接箭头连接符 684"/>
           <p:cNvCxnSpPr/>
           <p:nvPr/>
         </p:nvCxnSpPr>
         <p:spPr>
           <a:xfrm>
-            <a:off x="3571868" y="1208871"/>
+            <a:off x="3609174" y="1926423"/>
             <a:ext cx="214314" cy="1588"/>
           </a:xfrm>
           <a:prstGeom prst="straightConnector1">
@@ -9534,13 +9534,13 @@
       </p:cxnSp>
       <p:cxnSp>
         <p:nvCxnSpPr>
-          <p:cNvPr id="194" name="直接箭头连接符 193"/>
+          <p:cNvPr id="686" name="直接箭头连接符 685"/>
           <p:cNvCxnSpPr/>
           <p:nvPr/>
         </p:nvCxnSpPr>
         <p:spPr>
           <a:xfrm>
-            <a:off x="3571868" y="3066259"/>
+            <a:off x="3609174" y="3783811"/>
             <a:ext cx="214314" cy="1588"/>
           </a:xfrm>
           <a:prstGeom prst="straightConnector1">
@@ -9570,13 +9570,13 @@
       </p:cxnSp>
       <p:cxnSp>
         <p:nvCxnSpPr>
-          <p:cNvPr id="195" name="直接箭头连接符 194"/>
+          <p:cNvPr id="687" name="直接箭头连接符 686"/>
           <p:cNvCxnSpPr/>
           <p:nvPr/>
         </p:nvCxnSpPr>
         <p:spPr>
           <a:xfrm>
-            <a:off x="3071802" y="1208871"/>
+            <a:off x="3109108" y="1926423"/>
             <a:ext cx="142876" cy="1588"/>
           </a:xfrm>
           <a:prstGeom prst="straightConnector1">
@@ -9606,13 +9606,13 @@
       </p:cxnSp>
       <p:cxnSp>
         <p:nvCxnSpPr>
-          <p:cNvPr id="197" name="直接箭头连接符 196"/>
+          <p:cNvPr id="688" name="直接箭头连接符 687"/>
           <p:cNvCxnSpPr/>
           <p:nvPr/>
         </p:nvCxnSpPr>
         <p:spPr>
           <a:xfrm>
-            <a:off x="3071802" y="3066259"/>
+            <a:off x="3109108" y="3783811"/>
             <a:ext cx="142876" cy="1588"/>
           </a:xfrm>
           <a:prstGeom prst="straightConnector1">
@@ -9642,13 +9642,13 @@
       </p:cxnSp>
       <p:cxnSp>
         <p:nvCxnSpPr>
-          <p:cNvPr id="198" name="直接箭头连接符 197"/>
+          <p:cNvPr id="689" name="直接箭头连接符 688"/>
           <p:cNvCxnSpPr/>
           <p:nvPr/>
         </p:nvCxnSpPr>
         <p:spPr>
           <a:xfrm>
-            <a:off x="4143372" y="1208871"/>
+            <a:off x="4180678" y="1926423"/>
             <a:ext cx="214314" cy="1588"/>
           </a:xfrm>
           <a:prstGeom prst="straightConnector1">
@@ -9678,13 +9678,13 @@
       </p:cxnSp>
       <p:cxnSp>
         <p:nvCxnSpPr>
-          <p:cNvPr id="200" name="直接箭头连接符 199"/>
+          <p:cNvPr id="690" name="直接箭头连接符 689"/>
           <p:cNvCxnSpPr/>
           <p:nvPr/>
         </p:nvCxnSpPr>
         <p:spPr>
           <a:xfrm>
-            <a:off x="4143372" y="3066259"/>
+            <a:off x="4180678" y="3783811"/>
             <a:ext cx="214314" cy="1588"/>
           </a:xfrm>
           <a:prstGeom prst="straightConnector1">
@@ -9714,13 +9714,13 @@
       </p:cxnSp>
       <p:cxnSp>
         <p:nvCxnSpPr>
-          <p:cNvPr id="201" name="直接箭头连接符 200"/>
+          <p:cNvPr id="691" name="直接箭头连接符 690"/>
           <p:cNvCxnSpPr/>
           <p:nvPr/>
         </p:nvCxnSpPr>
         <p:spPr>
           <a:xfrm>
-            <a:off x="4572000" y="1208871"/>
+            <a:off x="4609306" y="1926423"/>
             <a:ext cx="142876" cy="1588"/>
           </a:xfrm>
           <a:prstGeom prst="straightConnector1">
@@ -9750,13 +9750,13 @@
       </p:cxnSp>
       <p:cxnSp>
         <p:nvCxnSpPr>
-          <p:cNvPr id="202" name="直接箭头连接符 201"/>
+          <p:cNvPr id="692" name="直接箭头连接符 691"/>
           <p:cNvCxnSpPr/>
           <p:nvPr/>
         </p:nvCxnSpPr>
         <p:spPr>
           <a:xfrm>
-            <a:off x="4572000" y="3066259"/>
+            <a:off x="4609306" y="3783811"/>
             <a:ext cx="142876" cy="1588"/>
           </a:xfrm>
           <a:prstGeom prst="straightConnector1">
@@ -9786,13 +9786,13 @@
       </p:cxnSp>
       <p:cxnSp>
         <p:nvCxnSpPr>
-          <p:cNvPr id="204" name="直接箭头连接符 203"/>
+          <p:cNvPr id="693" name="直接箭头连接符 692"/>
           <p:cNvCxnSpPr/>
           <p:nvPr/>
         </p:nvCxnSpPr>
         <p:spPr>
           <a:xfrm>
-            <a:off x="4929190" y="3066259"/>
+            <a:off x="4966496" y="3783811"/>
             <a:ext cx="142876" cy="1588"/>
           </a:xfrm>
           <a:prstGeom prst="straightConnector1">
@@ -9822,13 +9822,13 @@
       </p:cxnSp>
       <p:cxnSp>
         <p:nvCxnSpPr>
-          <p:cNvPr id="207" name="直接箭头连接符 206"/>
+          <p:cNvPr id="694" name="直接箭头连接符 693"/>
           <p:cNvCxnSpPr/>
           <p:nvPr/>
         </p:nvCxnSpPr>
         <p:spPr>
           <a:xfrm>
-            <a:off x="4929190" y="1208871"/>
+            <a:off x="4966496" y="1926423"/>
             <a:ext cx="142876" cy="1588"/>
           </a:xfrm>
           <a:prstGeom prst="straightConnector1">
@@ -9858,13 +9858,13 @@
       </p:cxnSp>
       <p:cxnSp>
         <p:nvCxnSpPr>
-          <p:cNvPr id="208" name="直接箭头连接符 207"/>
+          <p:cNvPr id="695" name="直接箭头连接符 694"/>
           <p:cNvCxnSpPr/>
           <p:nvPr/>
         </p:nvCxnSpPr>
         <p:spPr>
           <a:xfrm>
-            <a:off x="571472" y="708805"/>
+            <a:off x="608778" y="1426357"/>
             <a:ext cx="142876" cy="1588"/>
           </a:xfrm>
           <a:prstGeom prst="straightConnector1">
@@ -9894,13 +9894,13 @@
       </p:cxnSp>
       <p:cxnSp>
         <p:nvCxnSpPr>
-          <p:cNvPr id="209" name="直接箭头连接符 208"/>
+          <p:cNvPr id="696" name="直接箭头连接符 695"/>
           <p:cNvCxnSpPr/>
           <p:nvPr/>
         </p:nvCxnSpPr>
         <p:spPr>
           <a:xfrm>
-            <a:off x="571472" y="1207283"/>
+            <a:off x="608778" y="1924835"/>
             <a:ext cx="142876" cy="1588"/>
           </a:xfrm>
           <a:prstGeom prst="straightConnector1">
@@ -9930,13 +9930,13 @@
       </p:cxnSp>
       <p:cxnSp>
         <p:nvCxnSpPr>
-          <p:cNvPr id="210" name="直接箭头连接符 209"/>
+          <p:cNvPr id="697" name="直接箭头连接符 696"/>
           <p:cNvCxnSpPr/>
           <p:nvPr/>
         </p:nvCxnSpPr>
         <p:spPr>
           <a:xfrm>
-            <a:off x="571472" y="1708937"/>
+            <a:off x="608778" y="2426489"/>
             <a:ext cx="142876" cy="1588"/>
           </a:xfrm>
           <a:prstGeom prst="straightConnector1">
@@ -9966,13 +9966,13 @@
       </p:cxnSp>
       <p:cxnSp>
         <p:nvCxnSpPr>
-          <p:cNvPr id="211" name="直接箭头连接符 210"/>
+          <p:cNvPr id="698" name="直接箭头连接符 697"/>
           <p:cNvCxnSpPr/>
           <p:nvPr/>
         </p:nvCxnSpPr>
         <p:spPr>
           <a:xfrm>
-            <a:off x="571472" y="2350291"/>
+            <a:off x="608778" y="3067843"/>
             <a:ext cx="142876" cy="1588"/>
           </a:xfrm>
           <a:prstGeom prst="straightConnector1">
@@ -10002,13 +10002,13 @@
       </p:cxnSp>
       <p:cxnSp>
         <p:nvCxnSpPr>
-          <p:cNvPr id="212" name="直接箭头连接符 211"/>
+          <p:cNvPr id="699" name="直接箭头连接符 698"/>
           <p:cNvCxnSpPr/>
           <p:nvPr/>
         </p:nvCxnSpPr>
         <p:spPr>
           <a:xfrm>
-            <a:off x="571472" y="2851945"/>
+            <a:off x="608778" y="3569497"/>
             <a:ext cx="142876" cy="1588"/>
           </a:xfrm>
           <a:prstGeom prst="straightConnector1">
@@ -10038,13 +10038,13 @@
       </p:cxnSp>
       <p:cxnSp>
         <p:nvCxnSpPr>
-          <p:cNvPr id="213" name="直接箭头连接符 212"/>
+          <p:cNvPr id="700" name="直接箭头连接符 699"/>
           <p:cNvCxnSpPr/>
           <p:nvPr/>
         </p:nvCxnSpPr>
         <p:spPr>
           <a:xfrm>
-            <a:off x="571472" y="3350423"/>
+            <a:off x="608778" y="4067975"/>
             <a:ext cx="142876" cy="1588"/>
           </a:xfrm>
           <a:prstGeom prst="straightConnector1">
@@ -10074,13 +10074,13 @@
       </p:cxnSp>
       <p:cxnSp>
         <p:nvCxnSpPr>
-          <p:cNvPr id="214" name="直接箭头连接符 213"/>
+          <p:cNvPr id="701" name="直接箭头连接符 700"/>
           <p:cNvCxnSpPr/>
           <p:nvPr/>
         </p:nvCxnSpPr>
         <p:spPr>
           <a:xfrm>
-            <a:off x="571472" y="3850489"/>
+            <a:off x="608778" y="4568041"/>
             <a:ext cx="142876" cy="1588"/>
           </a:xfrm>
           <a:prstGeom prst="straightConnector1">
@@ -10110,13 +10110,13 @@
       </p:cxnSp>
       <p:sp>
         <p:nvSpPr>
-          <p:cNvPr id="215" name="TextBox 214"/>
+          <p:cNvPr id="702" name="TextBox 701"/>
           <p:cNvSpPr txBox="1"/>
           <p:nvPr/>
         </p:nvSpPr>
         <p:spPr>
           <a:xfrm>
-            <a:off x="571472" y="90005"/>
+            <a:off x="608778" y="807557"/>
             <a:ext cx="748923" cy="261610"/>
           </a:xfrm>
           <a:prstGeom prst="rect">
@@ -10140,13 +10140,13 @@
       </p:sp>
       <p:sp>
         <p:nvSpPr>
-          <p:cNvPr id="216" name="TextBox 215"/>
+          <p:cNvPr id="703" name="TextBox 702"/>
           <p:cNvSpPr txBox="1"/>
           <p:nvPr/>
         </p:nvSpPr>
         <p:spPr>
           <a:xfrm>
-            <a:off x="1630524" y="90005"/>
+            <a:off x="1667830" y="807557"/>
             <a:ext cx="466794" cy="261610"/>
           </a:xfrm>
           <a:prstGeom prst="rect">
@@ -10170,13 +10170,13 @@
       </p:sp>
       <p:sp>
         <p:nvSpPr>
-          <p:cNvPr id="217" name="TextBox 216"/>
+          <p:cNvPr id="704" name="TextBox 703"/>
           <p:cNvSpPr txBox="1"/>
           <p:nvPr/>
         </p:nvSpPr>
         <p:spPr>
           <a:xfrm>
-            <a:off x="2571736" y="90005"/>
+            <a:off x="2609042" y="807557"/>
             <a:ext cx="1172116" cy="261610"/>
           </a:xfrm>
           <a:prstGeom prst="rect">
@@ -10200,13 +10200,13 @@
       </p:sp>
       <p:sp>
         <p:nvSpPr>
-          <p:cNvPr id="218" name="TextBox 217"/>
+          <p:cNvPr id="705" name="TextBox 704"/>
           <p:cNvSpPr txBox="1"/>
           <p:nvPr/>
         </p:nvSpPr>
         <p:spPr>
           <a:xfrm>
-            <a:off x="3702226" y="90005"/>
+            <a:off x="3739532" y="807557"/>
             <a:ext cx="466794" cy="261610"/>
           </a:xfrm>
           <a:prstGeom prst="rect">
@@ -10230,13 +10230,13 @@
       </p:sp>
       <p:sp>
         <p:nvSpPr>
-          <p:cNvPr id="219" name="TextBox 218"/>
+          <p:cNvPr id="706" name="TextBox 705"/>
           <p:cNvSpPr txBox="1"/>
           <p:nvPr/>
         </p:nvSpPr>
         <p:spPr>
           <a:xfrm>
-            <a:off x="4214810" y="90005"/>
+            <a:off x="4252116" y="807557"/>
             <a:ext cx="748923" cy="261610"/>
           </a:xfrm>
           <a:prstGeom prst="rect">
@@ -10260,13 +10260,13 @@
       </p:sp>
       <p:sp>
         <p:nvSpPr>
-          <p:cNvPr id="220" name="TextBox 219"/>
+          <p:cNvPr id="707" name="TextBox 706"/>
           <p:cNvSpPr txBox="1"/>
           <p:nvPr/>
         </p:nvSpPr>
         <p:spPr>
           <a:xfrm>
-            <a:off x="4874505" y="90005"/>
+            <a:off x="4895058" y="807557"/>
             <a:ext cx="748923" cy="261610"/>
           </a:xfrm>
           <a:prstGeom prst="rect">
@@ -10290,13 +10290,13 @@
       </p:sp>
       <p:sp>
         <p:nvSpPr>
-          <p:cNvPr id="221" name="TextBox 220"/>
+          <p:cNvPr id="708" name="TextBox 707"/>
           <p:cNvSpPr txBox="1"/>
           <p:nvPr/>
         </p:nvSpPr>
         <p:spPr>
           <a:xfrm>
-            <a:off x="115690" y="994557"/>
+            <a:off x="152996" y="1712109"/>
             <a:ext cx="338554" cy="461665"/>
           </a:xfrm>
           <a:prstGeom prst="rect">
@@ -10327,13 +10327,13 @@
       </p:sp>
       <p:sp>
         <p:nvSpPr>
-          <p:cNvPr id="222" name="TextBox 221"/>
+          <p:cNvPr id="709" name="TextBox 708"/>
           <p:cNvSpPr txBox="1"/>
           <p:nvPr/>
         </p:nvSpPr>
         <p:spPr>
           <a:xfrm>
-            <a:off x="142844" y="2780507"/>
+            <a:off x="180150" y="3498059"/>
             <a:ext cx="338554" cy="461665"/>
           </a:xfrm>
           <a:prstGeom prst="rect">
@@ -10364,15 +10364,15 @@
       </p:sp>
       <p:cxnSp>
         <p:nvCxnSpPr>
-          <p:cNvPr id="223" name="直接箭头连接符 222"/>
+          <p:cNvPr id="710" name="直接箭头连接符 709"/>
           <p:cNvCxnSpPr>
-            <a:stCxn id="64" idx="3"/>
+            <a:stCxn id="590" idx="3"/>
           </p:cNvCxnSpPr>
           <p:nvPr/>
         </p:nvCxnSpPr>
         <p:spPr>
           <a:xfrm>
-            <a:off x="1071538" y="1208871"/>
+            <a:off x="1108844" y="1926423"/>
             <a:ext cx="1643074" cy="1857388"/>
           </a:xfrm>
           <a:prstGeom prst="straightConnector1">
@@ -10402,16 +10402,16 @@
       </p:cxnSp>
       <p:cxnSp>
         <p:nvCxnSpPr>
-          <p:cNvPr id="226" name="直接箭头连接符 225"/>
+          <p:cNvPr id="711" name="直接箭头连接符 710"/>
           <p:cNvCxnSpPr>
-            <a:stCxn id="64" idx="3"/>
-            <a:endCxn id="94" idx="1"/>
+            <a:stCxn id="590" idx="3"/>
+            <a:endCxn id="544" idx="1"/>
           </p:cNvCxnSpPr>
           <p:nvPr/>
         </p:nvCxnSpPr>
         <p:spPr>
           <a:xfrm>
-            <a:off x="1071538" y="1208871"/>
+            <a:off x="1108844" y="1926423"/>
             <a:ext cx="785818" cy="1428760"/>
           </a:xfrm>
           <a:prstGeom prst="straightConnector1">
@@ -10441,16 +10441,16 @@
       </p:cxnSp>
       <p:cxnSp>
         <p:nvCxnSpPr>
-          <p:cNvPr id="229" name="直接箭头连接符 228"/>
+          <p:cNvPr id="712" name="直接箭头连接符 711"/>
           <p:cNvCxnSpPr>
-            <a:stCxn id="65" idx="3"/>
-            <a:endCxn id="67" idx="2"/>
+            <a:stCxn id="591" idx="3"/>
+            <a:endCxn id="593" idx="2"/>
           </p:cNvCxnSpPr>
           <p:nvPr/>
         </p:nvCxnSpPr>
         <p:spPr>
           <a:xfrm flipV="1">
-            <a:off x="1071538" y="1566061"/>
+            <a:off x="1108844" y="2283613"/>
             <a:ext cx="750099" cy="1535917"/>
           </a:xfrm>
           <a:prstGeom prst="straightConnector1">
@@ -10480,16 +10480,16 @@
       </p:cxnSp>
       <p:cxnSp>
         <p:nvCxnSpPr>
-          <p:cNvPr id="232" name="直接箭头连接符 231"/>
+          <p:cNvPr id="713" name="直接箭头连接符 712"/>
           <p:cNvCxnSpPr>
-            <a:stCxn id="65" idx="3"/>
-            <a:endCxn id="112" idx="1"/>
+            <a:stCxn id="591" idx="3"/>
+            <a:endCxn id="625" idx="1"/>
           </p:cNvCxnSpPr>
           <p:nvPr/>
         </p:nvCxnSpPr>
         <p:spPr>
           <a:xfrm flipV="1">
-            <a:off x="1071538" y="1208871"/>
+            <a:off x="1108844" y="1926423"/>
             <a:ext cx="1643074" cy="1893107"/>
           </a:xfrm>
           <a:prstGeom prst="straightConnector1">
@@ -10519,13 +10519,13 @@
       </p:cxnSp>
       <p:cxnSp>
         <p:nvCxnSpPr>
-          <p:cNvPr id="236" name="肘形连接符 235"/>
+          <p:cNvPr id="714" name="肘形连接符 713"/>
           <p:cNvCxnSpPr/>
           <p:nvPr/>
         </p:nvCxnSpPr>
         <p:spPr>
           <a:xfrm rot="5400000" flipH="1" flipV="1">
-            <a:off x="1893075" y="1816094"/>
+            <a:off x="1930381" y="2533646"/>
             <a:ext cx="1857388" cy="642942"/>
           </a:xfrm>
           <a:prstGeom prst="bentConnector3">
@@ -10557,13 +10557,13 @@
       </p:cxnSp>
       <p:cxnSp>
         <p:nvCxnSpPr>
-          <p:cNvPr id="239" name="肘形连接符 238"/>
+          <p:cNvPr id="715" name="肘形连接符 714"/>
           <p:cNvCxnSpPr/>
           <p:nvPr/>
         </p:nvCxnSpPr>
         <p:spPr>
           <a:xfrm rot="16200000" flipH="1">
-            <a:off x="1928794" y="1851813"/>
+            <a:off x="1966100" y="2569365"/>
             <a:ext cx="1857388" cy="571504"/>
           </a:xfrm>
           <a:prstGeom prst="bentConnector3">
@@ -10595,13 +10595,13 @@
       </p:cxnSp>
       <p:cxnSp>
         <p:nvCxnSpPr>
-          <p:cNvPr id="245" name="直接箭头连接符 244"/>
+          <p:cNvPr id="716" name="直接箭头连接符 715"/>
           <p:cNvCxnSpPr/>
           <p:nvPr/>
         </p:nvCxnSpPr>
         <p:spPr>
           <a:xfrm rot="5400000" flipH="1" flipV="1">
-            <a:off x="4107653" y="958838"/>
+            <a:off x="4144959" y="1676390"/>
             <a:ext cx="285752" cy="214314"/>
           </a:xfrm>
           <a:prstGeom prst="straightConnector1">
@@ -10631,13 +10631,13 @@
       </p:cxnSp>
       <p:cxnSp>
         <p:nvCxnSpPr>
-          <p:cNvPr id="248" name="直接箭头连接符 247"/>
+          <p:cNvPr id="717" name="直接箭头连接符 716"/>
           <p:cNvCxnSpPr/>
           <p:nvPr/>
         </p:nvCxnSpPr>
         <p:spPr>
           <a:xfrm rot="16200000" flipH="1">
-            <a:off x="4107653" y="1244590"/>
+            <a:off x="4144959" y="1962142"/>
             <a:ext cx="285752" cy="214314"/>
           </a:xfrm>
           <a:prstGeom prst="straightConnector1">
@@ -10667,13 +10667,13 @@
       </p:cxnSp>
       <p:cxnSp>
         <p:nvCxnSpPr>
-          <p:cNvPr id="250" name="直接箭头连接符 249"/>
+          <p:cNvPr id="718" name="直接箭头连接符 717"/>
           <p:cNvCxnSpPr/>
           <p:nvPr/>
         </p:nvCxnSpPr>
         <p:spPr>
           <a:xfrm rot="16200000" flipH="1">
-            <a:off x="4107653" y="3101978"/>
+            <a:off x="4144959" y="3819530"/>
             <a:ext cx="285752" cy="214314"/>
           </a:xfrm>
           <a:prstGeom prst="straightConnector1">
@@ -10703,13 +10703,13 @@
       </p:cxnSp>
       <p:cxnSp>
         <p:nvCxnSpPr>
-          <p:cNvPr id="251" name="直接箭头连接符 250"/>
+          <p:cNvPr id="719" name="直接箭头连接符 718"/>
           <p:cNvCxnSpPr/>
           <p:nvPr/>
         </p:nvCxnSpPr>
         <p:spPr>
           <a:xfrm rot="5400000" flipH="1" flipV="1">
-            <a:off x="4107653" y="2816226"/>
+            <a:off x="4144959" y="3533778"/>
             <a:ext cx="285752" cy="214314"/>
           </a:xfrm>
           <a:prstGeom prst="straightConnector1">
@@ -10739,13 +10739,13 @@
       </p:cxnSp>
       <p:sp>
         <p:nvSpPr>
-          <p:cNvPr id="257" name="圆角矩形 256"/>
+          <p:cNvPr id="720" name="圆角矩形 719"/>
           <p:cNvSpPr/>
           <p:nvPr/>
         </p:nvSpPr>
         <p:spPr>
           <a:xfrm rot="16200000">
-            <a:off x="6250793" y="3744920"/>
+            <a:off x="6288099" y="4462472"/>
             <a:ext cx="857256" cy="1214446"/>
           </a:xfrm>
           <a:prstGeom prst="roundRect">
@@ -10785,13 +10785,13 @@
       </p:sp>
       <p:sp>
         <p:nvSpPr>
-          <p:cNvPr id="258" name="矩形 257"/>
+          <p:cNvPr id="721" name="矩形 720"/>
           <p:cNvSpPr/>
           <p:nvPr/>
         </p:nvSpPr>
         <p:spPr>
           <a:xfrm rot="16200000">
-            <a:off x="6572264" y="3994953"/>
+            <a:off x="6609570" y="4712505"/>
             <a:ext cx="214314" cy="1071570"/>
           </a:xfrm>
           <a:prstGeom prst="rect">
@@ -10840,13 +10840,13 @@
       </p:sp>
       <p:sp>
         <p:nvSpPr>
-          <p:cNvPr id="259" name="矩形 258"/>
+          <p:cNvPr id="722" name="矩形 721"/>
           <p:cNvSpPr/>
           <p:nvPr/>
         </p:nvSpPr>
         <p:spPr>
           <a:xfrm rot="16200000">
-            <a:off x="6572264" y="3637763"/>
+            <a:off x="6609570" y="4355315"/>
             <a:ext cx="214314" cy="1071570"/>
           </a:xfrm>
           <a:prstGeom prst="rect">
@@ -10900,13 +10900,13 @@
       </p:sp>
       <p:cxnSp>
         <p:nvCxnSpPr>
-          <p:cNvPr id="260" name="直接箭头连接符 259"/>
+          <p:cNvPr id="723" name="直接箭头连接符 722"/>
           <p:cNvCxnSpPr/>
           <p:nvPr/>
         </p:nvCxnSpPr>
         <p:spPr>
           <a:xfrm rot="5400000" flipH="1" flipV="1">
-            <a:off x="6537339" y="4815696"/>
+            <a:off x="6574645" y="5533248"/>
             <a:ext cx="357190" cy="1588"/>
           </a:xfrm>
           <a:prstGeom prst="straightConnector1">
@@ -10936,13 +10936,13 @@
       </p:cxnSp>
       <p:cxnSp>
         <p:nvCxnSpPr>
-          <p:cNvPr id="266" name="直接箭头连接符 265"/>
+          <p:cNvPr id="724" name="直接箭头连接符 723"/>
           <p:cNvCxnSpPr/>
           <p:nvPr/>
         </p:nvCxnSpPr>
         <p:spPr>
           <a:xfrm flipV="1">
-            <a:off x="6715140" y="4637895"/>
+            <a:off x="6752446" y="5355447"/>
             <a:ext cx="285752" cy="142876"/>
           </a:xfrm>
           <a:prstGeom prst="straightConnector1">
@@ -10972,13 +10972,13 @@
       </p:cxnSp>
       <p:cxnSp>
         <p:nvCxnSpPr>
-          <p:cNvPr id="270" name="直接箭头连接符 269"/>
+          <p:cNvPr id="725" name="直接箭头连接符 724"/>
           <p:cNvCxnSpPr/>
           <p:nvPr/>
         </p:nvCxnSpPr>
         <p:spPr>
           <a:xfrm rot="10800000">
-            <a:off x="6429388" y="4637895"/>
+            <a:off x="6466694" y="5355447"/>
             <a:ext cx="285752" cy="142876"/>
           </a:xfrm>
           <a:prstGeom prst="straightConnector1">
@@ -11008,13 +11008,13 @@
       </p:cxnSp>
       <p:cxnSp>
         <p:nvCxnSpPr>
-          <p:cNvPr id="273" name="直接箭头连接符 272"/>
+          <p:cNvPr id="726" name="直接箭头连接符 725"/>
           <p:cNvCxnSpPr/>
           <p:nvPr/>
         </p:nvCxnSpPr>
         <p:spPr>
           <a:xfrm rot="5400000" flipH="1" flipV="1">
-            <a:off x="6644496" y="4351349"/>
+            <a:off x="6681802" y="5068901"/>
             <a:ext cx="142876" cy="1588"/>
           </a:xfrm>
           <a:prstGeom prst="straightConnector1">
@@ -11044,13 +11044,13 @@
       </p:cxnSp>
       <p:sp>
         <p:nvSpPr>
-          <p:cNvPr id="275" name="TextBox 274"/>
+          <p:cNvPr id="727" name="TextBox 726"/>
           <p:cNvSpPr txBox="1"/>
           <p:nvPr/>
         </p:nvSpPr>
         <p:spPr>
           <a:xfrm rot="5400000">
-            <a:off x="388521" y="5045084"/>
+            <a:off x="425827" y="5762636"/>
             <a:ext cx="418704" cy="338554"/>
           </a:xfrm>
           <a:prstGeom prst="rect">
@@ -11073,13 +11073,13 @@
       </p:sp>
       <p:sp>
         <p:nvSpPr>
-          <p:cNvPr id="276" name="圆角矩形 275"/>
+          <p:cNvPr id="728" name="圆角矩形 727"/>
           <p:cNvSpPr/>
           <p:nvPr/>
         </p:nvSpPr>
         <p:spPr>
           <a:xfrm rot="16200000">
-            <a:off x="6500826" y="3137697"/>
+            <a:off x="6538132" y="3855249"/>
             <a:ext cx="357190" cy="1071570"/>
           </a:xfrm>
           <a:prstGeom prst="roundRect">
@@ -11119,13 +11119,13 @@
       </p:sp>
       <p:sp>
         <p:nvSpPr>
-          <p:cNvPr id="277" name="矩形 276"/>
+          <p:cNvPr id="729" name="矩形 728"/>
           <p:cNvSpPr/>
           <p:nvPr/>
         </p:nvSpPr>
         <p:spPr>
           <a:xfrm>
-            <a:off x="6286512" y="3566325"/>
+            <a:off x="6323818" y="4283877"/>
             <a:ext cx="285752" cy="214314"/>
           </a:xfrm>
           <a:prstGeom prst="rect">
@@ -11168,13 +11168,13 @@
       </p:sp>
       <p:cxnSp>
         <p:nvCxnSpPr>
-          <p:cNvPr id="278" name="直接箭头连接符 277"/>
+          <p:cNvPr id="730" name="直接箭头连接符 729"/>
           <p:cNvCxnSpPr/>
           <p:nvPr/>
         </p:nvCxnSpPr>
         <p:spPr>
           <a:xfrm>
-            <a:off x="6572264" y="3637763"/>
+            <a:off x="6609570" y="4355315"/>
             <a:ext cx="214314" cy="1588"/>
           </a:xfrm>
           <a:prstGeom prst="straightConnector1">
@@ -11204,13 +11204,13 @@
       </p:cxnSp>
       <p:sp>
         <p:nvSpPr>
-          <p:cNvPr id="279" name="TextBox 278"/>
+          <p:cNvPr id="731" name="TextBox 730"/>
           <p:cNvSpPr txBox="1"/>
           <p:nvPr/>
         </p:nvSpPr>
         <p:spPr>
           <a:xfrm>
-            <a:off x="6786578" y="3423449"/>
+            <a:off x="6823884" y="4141001"/>
             <a:ext cx="418704" cy="338554"/>
           </a:xfrm>
           <a:prstGeom prst="rect">
@@ -11233,13 +11233,13 @@
       </p:sp>
       <p:sp>
         <p:nvSpPr>
-          <p:cNvPr id="280" name="TextBox 279"/>
+          <p:cNvPr id="732" name="TextBox 731"/>
           <p:cNvSpPr txBox="1"/>
           <p:nvPr/>
         </p:nvSpPr>
         <p:spPr>
           <a:xfrm>
-            <a:off x="7215206" y="3534418"/>
+            <a:off x="7252512" y="4251970"/>
             <a:ext cx="697627" cy="246221"/>
           </a:xfrm>
           <a:prstGeom prst="rect">
@@ -11263,13 +11263,13 @@
       </p:sp>
       <p:sp>
         <p:nvSpPr>
-          <p:cNvPr id="281" name="流程图: 联系 280"/>
+          <p:cNvPr id="733" name="流程图: 联系 732"/>
           <p:cNvSpPr/>
           <p:nvPr/>
         </p:nvSpPr>
         <p:spPr>
           <a:xfrm rot="5400000">
-            <a:off x="5929322" y="2923383"/>
+            <a:off x="5966628" y="3640935"/>
             <a:ext cx="285752" cy="285752"/>
           </a:xfrm>
           <a:prstGeom prst="flowChartConnector">
@@ -11323,13 +11323,13 @@
       </p:sp>
       <p:sp>
         <p:nvSpPr>
-          <p:cNvPr id="284" name="矩形 283"/>
+          <p:cNvPr id="734" name="矩形 733"/>
           <p:cNvSpPr/>
           <p:nvPr/>
         </p:nvSpPr>
         <p:spPr>
           <a:xfrm>
-            <a:off x="7215206" y="2780507"/>
+            <a:off x="7252512" y="3498059"/>
             <a:ext cx="214314" cy="571504"/>
           </a:xfrm>
           <a:prstGeom prst="rect">
@@ -11383,15 +11383,15 @@
       </p:sp>
       <p:cxnSp>
         <p:nvCxnSpPr>
-          <p:cNvPr id="285" name="直接箭头连接符 284"/>
+          <p:cNvPr id="735" name="直接箭头连接符 734"/>
           <p:cNvCxnSpPr>
-            <a:endCxn id="281" idx="4"/>
+            <a:endCxn id="733" idx="4"/>
           </p:cNvCxnSpPr>
           <p:nvPr/>
         </p:nvCxnSpPr>
         <p:spPr>
           <a:xfrm>
-            <a:off x="5429256" y="3066259"/>
+            <a:off x="5466562" y="3783811"/>
             <a:ext cx="500066" cy="1588"/>
           </a:xfrm>
           <a:prstGeom prst="straightConnector1">
@@ -11421,13 +11421,13 @@
       </p:cxnSp>
       <p:cxnSp>
         <p:nvCxnSpPr>
-          <p:cNvPr id="287" name="直接箭头连接符 286"/>
+          <p:cNvPr id="736" name="直接箭头连接符 735"/>
           <p:cNvCxnSpPr/>
           <p:nvPr/>
         </p:nvCxnSpPr>
         <p:spPr>
           <a:xfrm>
-            <a:off x="6215074" y="3066259"/>
+            <a:off x="6252380" y="3783811"/>
             <a:ext cx="1000132" cy="1588"/>
           </a:xfrm>
           <a:prstGeom prst="straightConnector1">
@@ -11457,13 +11457,13 @@
       </p:cxnSp>
       <p:cxnSp>
         <p:nvCxnSpPr>
-          <p:cNvPr id="289" name="直接箭头连接符 288"/>
+          <p:cNvPr id="737" name="直接箭头连接符 736"/>
           <p:cNvCxnSpPr/>
           <p:nvPr/>
         </p:nvCxnSpPr>
         <p:spPr>
           <a:xfrm>
-            <a:off x="7429520" y="3066259"/>
+            <a:off x="7466826" y="3783811"/>
             <a:ext cx="285752" cy="1588"/>
           </a:xfrm>
           <a:prstGeom prst="straightConnector1">
@@ -11493,13 +11493,13 @@
       </p:cxnSp>
       <p:cxnSp>
         <p:nvCxnSpPr>
-          <p:cNvPr id="290" name="直接箭头连接符 289"/>
+          <p:cNvPr id="738" name="直接箭头连接符 737"/>
           <p:cNvCxnSpPr/>
           <p:nvPr/>
         </p:nvCxnSpPr>
         <p:spPr>
           <a:xfrm rot="5400000" flipH="1" flipV="1">
-            <a:off x="6608777" y="3958440"/>
+            <a:off x="6646083" y="4675992"/>
             <a:ext cx="214314" cy="1588"/>
           </a:xfrm>
           <a:prstGeom prst="straightConnector1">
@@ -11529,16 +11529,16 @@
       </p:cxnSp>
       <p:cxnSp>
         <p:nvCxnSpPr>
-          <p:cNvPr id="293" name="直接箭头连接符 292"/>
+          <p:cNvPr id="739" name="直接箭头连接符 738"/>
           <p:cNvCxnSpPr>
-            <a:stCxn id="276" idx="3"/>
-            <a:endCxn id="281" idx="7"/>
+            <a:stCxn id="728" idx="3"/>
+            <a:endCxn id="733" idx="7"/>
           </p:cNvCxnSpPr>
           <p:nvPr/>
         </p:nvCxnSpPr>
         <p:spPr>
           <a:xfrm rot="16200000" flipV="1">
-            <a:off x="6262525" y="3077991"/>
+            <a:off x="6299831" y="3795543"/>
             <a:ext cx="327599" cy="506194"/>
           </a:xfrm>
           <a:prstGeom prst="straightConnector1">
@@ -11568,15 +11568,15 @@
       </p:cxnSp>
       <p:cxnSp>
         <p:nvCxnSpPr>
-          <p:cNvPr id="295" name="直接箭头连接符 294"/>
+          <p:cNvPr id="740" name="直接箭头连接符 739"/>
           <p:cNvCxnSpPr>
-            <a:stCxn id="276" idx="3"/>
+            <a:stCxn id="728" idx="3"/>
           </p:cNvCxnSpPr>
           <p:nvPr/>
         </p:nvCxnSpPr>
         <p:spPr>
           <a:xfrm rot="5400000" flipH="1" flipV="1">
-            <a:off x="6625844" y="3119838"/>
+            <a:off x="6663150" y="3837390"/>
             <a:ext cx="428627" cy="321472"/>
           </a:xfrm>
           <a:prstGeom prst="straightConnector1">
@@ -11606,13 +11606,13 @@
       </p:cxnSp>
       <p:cxnSp>
         <p:nvCxnSpPr>
-          <p:cNvPr id="304" name="直接箭头连接符 303"/>
+          <p:cNvPr id="741" name="直接箭头连接符 740"/>
           <p:cNvCxnSpPr/>
           <p:nvPr/>
         </p:nvCxnSpPr>
         <p:spPr>
           <a:xfrm rot="5400000" flipH="1" flipV="1">
-            <a:off x="5465769" y="2886870"/>
+            <a:off x="5503075" y="3604422"/>
             <a:ext cx="357190" cy="1588"/>
           </a:xfrm>
           <a:prstGeom prst="straightConnector1">
@@ -11642,13 +11642,13 @@
       </p:cxnSp>
       <p:cxnSp>
         <p:nvCxnSpPr>
-          <p:cNvPr id="315" name="直接箭头连接符 314"/>
+          <p:cNvPr id="742" name="直接箭头连接符 741"/>
           <p:cNvCxnSpPr/>
           <p:nvPr/>
         </p:nvCxnSpPr>
         <p:spPr>
           <a:xfrm>
-            <a:off x="5643570" y="2709069"/>
+            <a:off x="5680876" y="3426621"/>
             <a:ext cx="1214446" cy="1588"/>
           </a:xfrm>
           <a:prstGeom prst="straightConnector1">
@@ -11678,13 +11678,13 @@
       </p:cxnSp>
       <p:cxnSp>
         <p:nvCxnSpPr>
-          <p:cNvPr id="318" name="直接箭头连接符 317"/>
+          <p:cNvPr id="743" name="直接箭头连接符 742"/>
           <p:cNvCxnSpPr/>
           <p:nvPr/>
         </p:nvCxnSpPr>
         <p:spPr>
           <a:xfrm rot="5400000">
-            <a:off x="6680215" y="2886870"/>
+            <a:off x="6717521" y="3604422"/>
             <a:ext cx="357190" cy="1588"/>
           </a:xfrm>
           <a:prstGeom prst="straightConnector1">
@@ -11714,13 +11714,13 @@
       </p:cxnSp>
       <p:sp>
         <p:nvSpPr>
-          <p:cNvPr id="320" name="TextBox 319"/>
+          <p:cNvPr id="744" name="TextBox 743"/>
           <p:cNvSpPr txBox="1"/>
           <p:nvPr/>
         </p:nvSpPr>
         <p:spPr>
           <a:xfrm>
-            <a:off x="5500694" y="3209135"/>
+            <a:off x="5538000" y="3926687"/>
             <a:ext cx="825867" cy="246221"/>
           </a:xfrm>
           <a:prstGeom prst="rect">
@@ -11744,13 +11744,13 @@
       </p:sp>
       <p:sp>
         <p:nvSpPr>
-          <p:cNvPr id="321" name="流程图: 联系 320"/>
+          <p:cNvPr id="745" name="流程图: 联系 744"/>
           <p:cNvSpPr/>
           <p:nvPr/>
         </p:nvSpPr>
         <p:spPr>
           <a:xfrm rot="5400000">
-            <a:off x="5643570" y="1065995"/>
+            <a:off x="5680876" y="1783547"/>
             <a:ext cx="285752" cy="285752"/>
           </a:xfrm>
           <a:prstGeom prst="flowChartConnector">
@@ -11804,16 +11804,16 @@
       </p:sp>
       <p:cxnSp>
         <p:nvCxnSpPr>
-          <p:cNvPr id="322" name="直接箭头连接符 321"/>
+          <p:cNvPr id="746" name="直接箭头连接符 745"/>
           <p:cNvCxnSpPr>
-            <a:stCxn id="170" idx="3"/>
-            <a:endCxn id="321" idx="4"/>
+            <a:stCxn id="673" idx="3"/>
+            <a:endCxn id="745" idx="4"/>
           </p:cNvCxnSpPr>
           <p:nvPr/>
         </p:nvCxnSpPr>
         <p:spPr>
           <a:xfrm>
-            <a:off x="5429256" y="1208871"/>
+            <a:off x="5466562" y="1926423"/>
             <a:ext cx="214314" cy="1588"/>
           </a:xfrm>
           <a:prstGeom prst="straightConnector1">
@@ -11843,13 +11843,13 @@
       </p:cxnSp>
       <p:cxnSp>
         <p:nvCxnSpPr>
-          <p:cNvPr id="323" name="直接箭头连接符 322"/>
+          <p:cNvPr id="747" name="直接箭头连接符 746"/>
           <p:cNvCxnSpPr/>
           <p:nvPr/>
         </p:nvCxnSpPr>
         <p:spPr>
           <a:xfrm>
-            <a:off x="5929322" y="1208871"/>
+            <a:off x="5966628" y="1926423"/>
             <a:ext cx="357190" cy="1588"/>
           </a:xfrm>
           <a:prstGeom prst="straightConnector1">
@@ -11879,13 +11879,13 @@
       </p:cxnSp>
       <p:sp>
         <p:nvSpPr>
-          <p:cNvPr id="324" name="TextBox 323"/>
+          <p:cNvPr id="748" name="TextBox 747"/>
           <p:cNvSpPr txBox="1"/>
           <p:nvPr/>
         </p:nvSpPr>
         <p:spPr>
           <a:xfrm>
-            <a:off x="5429256" y="851681"/>
+            <a:off x="5466562" y="1569233"/>
             <a:ext cx="825867" cy="246221"/>
           </a:xfrm>
           <a:prstGeom prst="rect">
@@ -11909,16 +11909,16 @@
       </p:sp>
       <p:cxnSp>
         <p:nvCxnSpPr>
-          <p:cNvPr id="326" name="肘形连接符 325"/>
+          <p:cNvPr id="749" name="肘形连接符 748"/>
           <p:cNvCxnSpPr>
-            <a:stCxn id="276" idx="3"/>
-            <a:endCxn id="321" idx="6"/>
+            <a:stCxn id="728" idx="3"/>
+            <a:endCxn id="745" idx="6"/>
           </p:cNvCxnSpPr>
           <p:nvPr/>
         </p:nvCxnSpPr>
         <p:spPr>
           <a:xfrm rot="16200000" flipV="1">
-            <a:off x="5161364" y="1976829"/>
+            <a:off x="5198670" y="2694381"/>
             <a:ext cx="2143140" cy="892975"/>
           </a:xfrm>
           <a:prstGeom prst="bentConnector3">
@@ -11950,15 +11950,15 @@
       </p:cxnSp>
       <p:cxnSp>
         <p:nvCxnSpPr>
-          <p:cNvPr id="330" name="形状 329"/>
+          <p:cNvPr id="750" name="形状 749"/>
           <p:cNvCxnSpPr>
-            <a:stCxn id="281" idx="2"/>
+            <a:stCxn id="733" idx="2"/>
           </p:cNvCxnSpPr>
           <p:nvPr/>
         </p:nvCxnSpPr>
         <p:spPr>
           <a:xfrm rot="5400000" flipH="1" flipV="1">
-            <a:off x="6179355" y="2101846"/>
+            <a:off x="6216661" y="2819398"/>
             <a:ext cx="714380" cy="928694"/>
           </a:xfrm>
           <a:prstGeom prst="bentConnector2">
@@ -11988,13 +11988,13 @@
       </p:cxnSp>
       <p:sp>
         <p:nvSpPr>
-          <p:cNvPr id="332" name="矩形 331"/>
+          <p:cNvPr id="751" name="矩形 750"/>
           <p:cNvSpPr/>
           <p:nvPr/>
         </p:nvSpPr>
         <p:spPr>
           <a:xfrm>
-            <a:off x="6287306" y="1137433"/>
+            <a:off x="6324612" y="1854985"/>
             <a:ext cx="71438" cy="214314"/>
           </a:xfrm>
           <a:prstGeom prst="rect">
@@ -12043,13 +12043,13 @@
       </p:sp>
       <p:sp>
         <p:nvSpPr>
-          <p:cNvPr id="333" name="矩形 332"/>
+          <p:cNvPr id="752" name="矩形 751"/>
           <p:cNvSpPr/>
           <p:nvPr/>
         </p:nvSpPr>
         <p:spPr>
           <a:xfrm>
-            <a:off x="6358744" y="1208871"/>
+            <a:off x="6396050" y="1926423"/>
             <a:ext cx="71438" cy="142876"/>
           </a:xfrm>
           <a:prstGeom prst="rect">
@@ -12098,13 +12098,13 @@
       </p:sp>
       <p:sp>
         <p:nvSpPr>
-          <p:cNvPr id="334" name="矩形 333"/>
+          <p:cNvPr id="753" name="矩形 752"/>
           <p:cNvSpPr/>
           <p:nvPr/>
         </p:nvSpPr>
         <p:spPr>
           <a:xfrm>
-            <a:off x="6430182" y="1065995"/>
+            <a:off x="6467488" y="1783547"/>
             <a:ext cx="71438" cy="285752"/>
           </a:xfrm>
           <a:prstGeom prst="rect">
@@ -12153,13 +12153,13 @@
       </p:sp>
       <p:sp>
         <p:nvSpPr>
-          <p:cNvPr id="335" name="矩形 334"/>
+          <p:cNvPr id="754" name="矩形 753"/>
           <p:cNvSpPr/>
           <p:nvPr/>
         </p:nvSpPr>
         <p:spPr>
           <a:xfrm>
-            <a:off x="6501620" y="1137433"/>
+            <a:off x="6538926" y="1854985"/>
             <a:ext cx="71438" cy="214314"/>
           </a:xfrm>
           <a:prstGeom prst="rect">
@@ -12208,13 +12208,13 @@
       </p:sp>
       <p:sp>
         <p:nvSpPr>
-          <p:cNvPr id="336" name="矩形 335"/>
+          <p:cNvPr id="755" name="矩形 754"/>
           <p:cNvSpPr/>
           <p:nvPr/>
         </p:nvSpPr>
         <p:spPr>
           <a:xfrm>
-            <a:off x="6573058" y="1208871"/>
+            <a:off x="6610364" y="1926423"/>
             <a:ext cx="71438" cy="142876"/>
           </a:xfrm>
           <a:prstGeom prst="rect">
@@ -12263,13 +12263,13 @@
       </p:sp>
       <p:sp>
         <p:nvSpPr>
-          <p:cNvPr id="337" name="矩形 336"/>
+          <p:cNvPr id="756" name="矩形 755"/>
           <p:cNvSpPr/>
           <p:nvPr/>
         </p:nvSpPr>
         <p:spPr>
           <a:xfrm>
-            <a:off x="6644496" y="1208871"/>
+            <a:off x="6681802" y="1926423"/>
             <a:ext cx="71438" cy="142876"/>
           </a:xfrm>
           <a:prstGeom prst="rect">
@@ -12318,13 +12318,13 @@
       </p:sp>
       <p:sp>
         <p:nvSpPr>
-          <p:cNvPr id="338" name="矩形 337"/>
+          <p:cNvPr id="757" name="矩形 756"/>
           <p:cNvSpPr/>
           <p:nvPr/>
         </p:nvSpPr>
         <p:spPr>
           <a:xfrm>
-            <a:off x="6715934" y="1280309"/>
+            <a:off x="6753240" y="1997861"/>
             <a:ext cx="71438" cy="71438"/>
           </a:xfrm>
           <a:prstGeom prst="rect">
@@ -12373,13 +12373,13 @@
       </p:sp>
       <p:sp>
         <p:nvSpPr>
-          <p:cNvPr id="339" name="矩形 338"/>
+          <p:cNvPr id="758" name="矩形 757"/>
           <p:cNvSpPr/>
           <p:nvPr/>
         </p:nvSpPr>
         <p:spPr>
           <a:xfrm>
-            <a:off x="6787372" y="1137433"/>
+            <a:off x="6824678" y="1854985"/>
             <a:ext cx="71438" cy="214314"/>
           </a:xfrm>
           <a:prstGeom prst="rect">
@@ -12428,13 +12428,13 @@
       </p:sp>
       <p:cxnSp>
         <p:nvCxnSpPr>
-          <p:cNvPr id="340" name="直接箭头连接符 339"/>
+          <p:cNvPr id="759" name="直接箭头连接符 758"/>
           <p:cNvCxnSpPr/>
           <p:nvPr/>
         </p:nvCxnSpPr>
         <p:spPr>
           <a:xfrm rot="5400000">
-            <a:off x="6072992" y="1137433"/>
+            <a:off x="6110298" y="1854985"/>
             <a:ext cx="428628" cy="1588"/>
           </a:xfrm>
           <a:prstGeom prst="straightConnector1">
@@ -12465,13 +12465,13 @@
       </p:cxnSp>
       <p:cxnSp>
         <p:nvCxnSpPr>
-          <p:cNvPr id="344" name="直接箭头连接符 343"/>
+          <p:cNvPr id="760" name="直接箭头连接符 759"/>
           <p:cNvCxnSpPr/>
           <p:nvPr/>
         </p:nvCxnSpPr>
         <p:spPr>
           <a:xfrm>
-            <a:off x="6287306" y="1351747"/>
+            <a:off x="6324612" y="2069299"/>
             <a:ext cx="714380" cy="1588"/>
           </a:xfrm>
           <a:prstGeom prst="straightConnector1">
@@ -12501,13 +12501,13 @@
       </p:cxnSp>
       <p:sp>
         <p:nvSpPr>
-          <p:cNvPr id="347" name="TextBox 346"/>
+          <p:cNvPr id="761" name="TextBox 760"/>
           <p:cNvSpPr txBox="1"/>
           <p:nvPr/>
         </p:nvSpPr>
         <p:spPr>
           <a:xfrm>
-            <a:off x="6215074" y="708805"/>
+            <a:off x="6252380" y="1426357"/>
             <a:ext cx="697627" cy="246221"/>
           </a:xfrm>
           <a:prstGeom prst="rect">
@@ -12531,13 +12531,13 @@
       </p:sp>
       <p:sp>
         <p:nvSpPr>
-          <p:cNvPr id="348" name="矩形 347"/>
+          <p:cNvPr id="762" name="矩形 761"/>
           <p:cNvSpPr/>
           <p:nvPr/>
         </p:nvSpPr>
         <p:spPr>
           <a:xfrm>
-            <a:off x="7072330" y="2280441"/>
+            <a:off x="7109636" y="2997993"/>
             <a:ext cx="71438" cy="71438"/>
           </a:xfrm>
           <a:prstGeom prst="rect">
@@ -12586,13 +12586,13 @@
       </p:sp>
       <p:sp>
         <p:nvSpPr>
-          <p:cNvPr id="349" name="矩形 348"/>
+          <p:cNvPr id="763" name="矩形 762"/>
           <p:cNvSpPr/>
           <p:nvPr/>
         </p:nvSpPr>
         <p:spPr>
           <a:xfrm>
-            <a:off x="7143768" y="2209003"/>
+            <a:off x="7181074" y="2926555"/>
             <a:ext cx="71438" cy="142876"/>
           </a:xfrm>
           <a:prstGeom prst="rect">
@@ -12641,13 +12641,13 @@
       </p:sp>
       <p:sp>
         <p:nvSpPr>
-          <p:cNvPr id="350" name="矩形 349"/>
+          <p:cNvPr id="764" name="矩形 763"/>
           <p:cNvSpPr/>
           <p:nvPr/>
         </p:nvSpPr>
         <p:spPr>
           <a:xfrm>
-            <a:off x="7215206" y="2137565"/>
+            <a:off x="7252512" y="2855117"/>
             <a:ext cx="71438" cy="214314"/>
           </a:xfrm>
           <a:prstGeom prst="rect">
@@ -12696,13 +12696,13 @@
       </p:sp>
       <p:sp>
         <p:nvSpPr>
-          <p:cNvPr id="351" name="矩形 350"/>
+          <p:cNvPr id="765" name="矩形 764"/>
           <p:cNvSpPr/>
           <p:nvPr/>
         </p:nvSpPr>
         <p:spPr>
           <a:xfrm>
-            <a:off x="7286644" y="2137565"/>
+            <a:off x="7323950" y="2855117"/>
             <a:ext cx="71438" cy="214314"/>
           </a:xfrm>
           <a:prstGeom prst="rect">
@@ -12751,13 +12751,13 @@
       </p:sp>
       <p:sp>
         <p:nvSpPr>
-          <p:cNvPr id="352" name="矩形 351"/>
+          <p:cNvPr id="766" name="矩形 765"/>
           <p:cNvSpPr/>
           <p:nvPr/>
         </p:nvSpPr>
         <p:spPr>
           <a:xfrm>
-            <a:off x="7358082" y="2209003"/>
+            <a:off x="7395388" y="2926555"/>
             <a:ext cx="71438" cy="142876"/>
           </a:xfrm>
           <a:prstGeom prst="rect">
@@ -12806,13 +12806,13 @@
       </p:sp>
       <p:sp>
         <p:nvSpPr>
-          <p:cNvPr id="353" name="矩形 352"/>
+          <p:cNvPr id="767" name="矩形 766"/>
           <p:cNvSpPr/>
           <p:nvPr/>
         </p:nvSpPr>
         <p:spPr>
           <a:xfrm>
-            <a:off x="7429520" y="1994689"/>
+            <a:off x="7466826" y="2712241"/>
             <a:ext cx="71438" cy="357190"/>
           </a:xfrm>
           <a:prstGeom prst="rect">
@@ -12861,13 +12861,13 @@
       </p:sp>
       <p:sp>
         <p:nvSpPr>
-          <p:cNvPr id="354" name="矩形 353"/>
+          <p:cNvPr id="768" name="矩形 767"/>
           <p:cNvSpPr/>
           <p:nvPr/>
         </p:nvSpPr>
         <p:spPr>
           <a:xfrm>
-            <a:off x="7500958" y="2280441"/>
+            <a:off x="7538264" y="2997993"/>
             <a:ext cx="71438" cy="71438"/>
           </a:xfrm>
           <a:prstGeom prst="rect">
@@ -12916,13 +12916,13 @@
       </p:sp>
       <p:sp>
         <p:nvSpPr>
-          <p:cNvPr id="355" name="矩形 354"/>
+          <p:cNvPr id="769" name="矩形 768"/>
           <p:cNvSpPr/>
           <p:nvPr/>
         </p:nvSpPr>
         <p:spPr>
           <a:xfrm>
-            <a:off x="7572396" y="2209003"/>
+            <a:off x="7609702" y="2926555"/>
             <a:ext cx="71438" cy="142876"/>
           </a:xfrm>
           <a:prstGeom prst="rect">
@@ -12971,13 +12971,13 @@
       </p:sp>
       <p:cxnSp>
         <p:nvCxnSpPr>
-          <p:cNvPr id="356" name="直接箭头连接符 355"/>
+          <p:cNvPr id="770" name="直接箭头连接符 769"/>
           <p:cNvCxnSpPr/>
           <p:nvPr/>
         </p:nvCxnSpPr>
         <p:spPr>
           <a:xfrm rot="5400000">
-            <a:off x="6858016" y="2137565"/>
+            <a:off x="6895322" y="2855117"/>
             <a:ext cx="428628" cy="1588"/>
           </a:xfrm>
           <a:prstGeom prst="straightConnector1">
@@ -13008,13 +13008,13 @@
       </p:cxnSp>
       <p:cxnSp>
         <p:nvCxnSpPr>
-          <p:cNvPr id="357" name="直接箭头连接符 356"/>
+          <p:cNvPr id="771" name="直接箭头连接符 770"/>
           <p:cNvCxnSpPr/>
           <p:nvPr/>
         </p:nvCxnSpPr>
         <p:spPr>
           <a:xfrm>
-            <a:off x="7072330" y="2351879"/>
+            <a:off x="7109636" y="3069431"/>
             <a:ext cx="714380" cy="1588"/>
           </a:xfrm>
           <a:prstGeom prst="straightConnector1">
@@ -13044,13 +13044,13 @@
       </p:cxnSp>
       <p:sp>
         <p:nvSpPr>
-          <p:cNvPr id="358" name="TextBox 357"/>
+          <p:cNvPr id="772" name="TextBox 771"/>
           <p:cNvSpPr txBox="1"/>
           <p:nvPr/>
         </p:nvSpPr>
         <p:spPr>
           <a:xfrm>
-            <a:off x="7000892" y="1708937"/>
+            <a:off x="7038198" y="2426489"/>
             <a:ext cx="697627" cy="246221"/>
           </a:xfrm>
           <a:prstGeom prst="rect">
@@ -13074,13 +13074,13 @@
       </p:sp>
       <p:sp>
         <p:nvSpPr>
-          <p:cNvPr id="359" name="TextBox 358"/>
+          <p:cNvPr id="773" name="TextBox 772"/>
           <p:cNvSpPr txBox="1"/>
           <p:nvPr/>
         </p:nvSpPr>
         <p:spPr>
           <a:xfrm>
-            <a:off x="7358082" y="3137697"/>
+            <a:off x="7395388" y="3855249"/>
             <a:ext cx="441146" cy="400110"/>
           </a:xfrm>
           <a:prstGeom prst="rect">
@@ -13111,13 +13111,13 @@
       </p:sp>
       <p:sp>
         <p:nvSpPr>
-          <p:cNvPr id="371" name="矩形 370"/>
+          <p:cNvPr id="774" name="矩形 773"/>
           <p:cNvSpPr/>
           <p:nvPr/>
         </p:nvSpPr>
         <p:spPr>
           <a:xfrm>
-            <a:off x="7747455" y="2923383"/>
+            <a:off x="7784761" y="3640935"/>
             <a:ext cx="71438" cy="214314"/>
           </a:xfrm>
           <a:prstGeom prst="rect">
@@ -13166,13 +13166,13 @@
       </p:sp>
       <p:sp>
         <p:nvSpPr>
-          <p:cNvPr id="372" name="矩形 371"/>
+          <p:cNvPr id="775" name="矩形 774"/>
           <p:cNvSpPr/>
           <p:nvPr/>
         </p:nvSpPr>
         <p:spPr>
           <a:xfrm>
-            <a:off x="7818893" y="2994821"/>
+            <a:off x="7856199" y="3712373"/>
             <a:ext cx="71438" cy="142876"/>
           </a:xfrm>
           <a:prstGeom prst="rect">
@@ -13221,13 +13221,13 @@
       </p:sp>
       <p:sp>
         <p:nvSpPr>
-          <p:cNvPr id="373" name="矩形 372"/>
+          <p:cNvPr id="776" name="矩形 775"/>
           <p:cNvSpPr/>
           <p:nvPr/>
         </p:nvSpPr>
         <p:spPr>
           <a:xfrm>
-            <a:off x="7890331" y="2923383"/>
+            <a:off x="7927637" y="3640935"/>
             <a:ext cx="71438" cy="214314"/>
           </a:xfrm>
           <a:prstGeom prst="rect">
@@ -13276,13 +13276,13 @@
       </p:sp>
       <p:sp>
         <p:nvSpPr>
-          <p:cNvPr id="374" name="矩形 373"/>
+          <p:cNvPr id="777" name="矩形 776"/>
           <p:cNvSpPr/>
           <p:nvPr/>
         </p:nvSpPr>
         <p:spPr>
           <a:xfrm>
-            <a:off x="7961769" y="2851945"/>
+            <a:off x="7999075" y="3569497"/>
             <a:ext cx="71438" cy="285752"/>
           </a:xfrm>
           <a:prstGeom prst="rect">
@@ -13331,13 +13331,13 @@
       </p:sp>
       <p:sp>
         <p:nvSpPr>
-          <p:cNvPr id="375" name="矩形 374"/>
+          <p:cNvPr id="778" name="矩形 777"/>
           <p:cNvSpPr/>
           <p:nvPr/>
         </p:nvSpPr>
         <p:spPr>
           <a:xfrm>
-            <a:off x="8033207" y="2780507"/>
+            <a:off x="8070513" y="3498059"/>
             <a:ext cx="71438" cy="357190"/>
           </a:xfrm>
           <a:prstGeom prst="rect">
@@ -13386,13 +13386,13 @@
       </p:sp>
       <p:sp>
         <p:nvSpPr>
-          <p:cNvPr id="376" name="矩形 375"/>
+          <p:cNvPr id="779" name="矩形 778"/>
           <p:cNvSpPr/>
           <p:nvPr/>
         </p:nvSpPr>
         <p:spPr>
           <a:xfrm>
-            <a:off x="8104645" y="2994821"/>
+            <a:off x="8141951" y="3712373"/>
             <a:ext cx="71438" cy="142876"/>
           </a:xfrm>
           <a:prstGeom prst="rect">
@@ -13441,13 +13441,13 @@
       </p:sp>
       <p:sp>
         <p:nvSpPr>
-          <p:cNvPr id="377" name="矩形 376"/>
+          <p:cNvPr id="780" name="矩形 779"/>
           <p:cNvSpPr/>
           <p:nvPr/>
         </p:nvSpPr>
         <p:spPr>
           <a:xfrm>
-            <a:off x="8176083" y="3066259"/>
+            <a:off x="8213389" y="3783811"/>
             <a:ext cx="71438" cy="71438"/>
           </a:xfrm>
           <a:prstGeom prst="rect">
@@ -13496,13 +13496,13 @@
       </p:sp>
       <p:sp>
         <p:nvSpPr>
-          <p:cNvPr id="378" name="矩形 377"/>
+          <p:cNvPr id="781" name="矩形 780"/>
           <p:cNvSpPr/>
           <p:nvPr/>
         </p:nvSpPr>
         <p:spPr>
           <a:xfrm>
-            <a:off x="8247521" y="3066259"/>
+            <a:off x="8284827" y="3783811"/>
             <a:ext cx="71438" cy="71438"/>
           </a:xfrm>
           <a:prstGeom prst="rect">
@@ -13551,13 +13551,13 @@
       </p:sp>
       <p:cxnSp>
         <p:nvCxnSpPr>
-          <p:cNvPr id="379" name="直接箭头连接符 378"/>
+          <p:cNvPr id="782" name="直接箭头连接符 781"/>
           <p:cNvCxnSpPr/>
           <p:nvPr/>
         </p:nvCxnSpPr>
         <p:spPr>
           <a:xfrm rot="5400000">
-            <a:off x="7533141" y="2923383"/>
+            <a:off x="7570447" y="3640935"/>
             <a:ext cx="428628" cy="1588"/>
           </a:xfrm>
           <a:prstGeom prst="straightConnector1">
@@ -13588,13 +13588,13 @@
       </p:cxnSp>
       <p:cxnSp>
         <p:nvCxnSpPr>
-          <p:cNvPr id="380" name="直接箭头连接符 379"/>
+          <p:cNvPr id="783" name="直接箭头连接符 782"/>
           <p:cNvCxnSpPr/>
           <p:nvPr/>
         </p:nvCxnSpPr>
         <p:spPr>
           <a:xfrm>
-            <a:off x="7747455" y="3137697"/>
+            <a:off x="7784761" y="3855249"/>
             <a:ext cx="714380" cy="1588"/>
           </a:xfrm>
           <a:prstGeom prst="straightConnector1">
@@ -13624,13 +13624,13 @@
       </p:cxnSp>
       <p:sp>
         <p:nvSpPr>
-          <p:cNvPr id="381" name="TextBox 380"/>
+          <p:cNvPr id="784" name="TextBox 783"/>
           <p:cNvSpPr txBox="1"/>
           <p:nvPr/>
         </p:nvSpPr>
         <p:spPr>
           <a:xfrm>
-            <a:off x="7675223" y="2494755"/>
+            <a:off x="7712529" y="3212307"/>
             <a:ext cx="825867" cy="246221"/>
           </a:xfrm>
           <a:prstGeom prst="rect">
@@ -13654,13 +13654,13 @@
       </p:sp>
       <p:sp>
         <p:nvSpPr>
-          <p:cNvPr id="382" name="流程图: 联系 381"/>
+          <p:cNvPr id="785" name="流程图: 联系 784"/>
           <p:cNvSpPr/>
           <p:nvPr/>
         </p:nvSpPr>
         <p:spPr>
           <a:xfrm rot="5400000">
-            <a:off x="7143768" y="1065995"/>
+            <a:off x="7181074" y="1783547"/>
             <a:ext cx="285752" cy="285752"/>
           </a:xfrm>
           <a:prstGeom prst="flowChartConnector">
@@ -13714,15 +13714,15 @@
       </p:sp>
       <p:cxnSp>
         <p:nvCxnSpPr>
-          <p:cNvPr id="383" name="直接箭头连接符 382"/>
+          <p:cNvPr id="786" name="直接箭头连接符 785"/>
           <p:cNvCxnSpPr>
-            <a:endCxn id="382" idx="6"/>
+            <a:endCxn id="785" idx="6"/>
           </p:cNvCxnSpPr>
           <p:nvPr/>
         </p:nvCxnSpPr>
         <p:spPr>
           <a:xfrm rot="5400000" flipH="1" flipV="1">
-            <a:off x="7108049" y="1530342"/>
+            <a:off x="7145355" y="2247894"/>
             <a:ext cx="357190" cy="1588"/>
           </a:xfrm>
           <a:prstGeom prst="straightConnector1">
@@ -13752,13 +13752,13 @@
       </p:cxnSp>
       <p:cxnSp>
         <p:nvCxnSpPr>
-          <p:cNvPr id="385" name="直接箭头连接符 384"/>
+          <p:cNvPr id="787" name="直接箭头连接符 786"/>
           <p:cNvCxnSpPr/>
           <p:nvPr/>
         </p:nvCxnSpPr>
         <p:spPr>
           <a:xfrm>
-            <a:off x="6929454" y="1208871"/>
+            <a:off x="6966760" y="1926423"/>
             <a:ext cx="214314" cy="1588"/>
           </a:xfrm>
           <a:prstGeom prst="straightConnector1">
@@ -13788,13 +13788,13 @@
       </p:cxnSp>
       <p:sp>
         <p:nvSpPr>
-          <p:cNvPr id="387" name="流程图: 联系 386"/>
+          <p:cNvPr id="788" name="流程图: 联系 787"/>
           <p:cNvSpPr/>
           <p:nvPr/>
         </p:nvSpPr>
         <p:spPr>
           <a:xfrm rot="5400000">
-            <a:off x="7929586" y="1065995"/>
+            <a:off x="7966892" y="1783547"/>
             <a:ext cx="285752" cy="285752"/>
           </a:xfrm>
           <a:prstGeom prst="flowChartConnector">
@@ -13848,13 +13848,13 @@
       </p:sp>
       <p:cxnSp>
         <p:nvCxnSpPr>
-          <p:cNvPr id="388" name="直接箭头连接符 387"/>
+          <p:cNvPr id="789" name="直接箭头连接符 788"/>
           <p:cNvCxnSpPr/>
           <p:nvPr/>
         </p:nvCxnSpPr>
         <p:spPr>
           <a:xfrm>
-            <a:off x="7429520" y="1208871"/>
+            <a:off x="7466826" y="1926423"/>
             <a:ext cx="500066" cy="1588"/>
           </a:xfrm>
           <a:prstGeom prst="straightConnector1">
@@ -13884,13 +13884,13 @@
       </p:cxnSp>
       <p:cxnSp>
         <p:nvCxnSpPr>
-          <p:cNvPr id="389" name="直接箭头连接符 388"/>
+          <p:cNvPr id="790" name="直接箭头连接符 789"/>
           <p:cNvCxnSpPr/>
           <p:nvPr/>
         </p:nvCxnSpPr>
         <p:spPr>
           <a:xfrm rot="5400000" flipH="1" flipV="1">
-            <a:off x="7500561" y="1922854"/>
+            <a:off x="7537867" y="2640406"/>
             <a:ext cx="1143008" cy="794"/>
           </a:xfrm>
           <a:prstGeom prst="straightConnector1">
@@ -13920,14 +13920,14 @@
       </p:cxnSp>
       <p:cxnSp>
         <p:nvCxnSpPr>
-          <p:cNvPr id="393" name="直接箭头连接符 392"/>
+          <p:cNvPr id="791" name="直接箭头连接符 790"/>
           <p:cNvCxnSpPr/>
           <p:nvPr/>
         </p:nvCxnSpPr>
         <p:spPr>
           <a:xfrm flipV="1">
-            <a:off x="8214544" y="1208077"/>
-            <a:ext cx="215108" cy="794"/>
+            <a:off x="8252644" y="1926423"/>
+            <a:ext cx="357190" cy="794"/>
           </a:xfrm>
           <a:prstGeom prst="straightConnector1">
             <a:avLst/>
@@ -13956,13 +13956,13 @@
       </p:cxnSp>
       <p:sp>
         <p:nvSpPr>
-          <p:cNvPr id="395" name="矩形 394"/>
+          <p:cNvPr id="792" name="矩形 791"/>
           <p:cNvSpPr/>
           <p:nvPr/>
         </p:nvSpPr>
         <p:spPr>
           <a:xfrm>
-            <a:off x="8429652" y="1137433"/>
+            <a:off x="8609834" y="1854985"/>
             <a:ext cx="71438" cy="214314"/>
           </a:xfrm>
           <a:prstGeom prst="rect">
@@ -14011,13 +14011,13 @@
       </p:sp>
       <p:sp>
         <p:nvSpPr>
-          <p:cNvPr id="396" name="矩形 395"/>
+          <p:cNvPr id="793" name="矩形 792"/>
           <p:cNvSpPr/>
           <p:nvPr/>
         </p:nvSpPr>
         <p:spPr>
           <a:xfrm>
-            <a:off x="8501090" y="1280309"/>
+            <a:off x="8681272" y="1997861"/>
             <a:ext cx="70644" cy="71438"/>
           </a:xfrm>
           <a:prstGeom prst="rect">
@@ -14066,13 +14066,13 @@
       </p:sp>
       <p:sp>
         <p:nvSpPr>
-          <p:cNvPr id="397" name="矩形 396"/>
+          <p:cNvPr id="794" name="矩形 793"/>
           <p:cNvSpPr/>
           <p:nvPr/>
         </p:nvSpPr>
         <p:spPr>
           <a:xfrm>
-            <a:off x="8572528" y="1208871"/>
+            <a:off x="8752710" y="1926423"/>
             <a:ext cx="70644" cy="142876"/>
           </a:xfrm>
           <a:prstGeom prst="rect">
@@ -14121,13 +14121,13 @@
       </p:sp>
       <p:sp>
         <p:nvSpPr>
-          <p:cNvPr id="398" name="矩形 397"/>
+          <p:cNvPr id="795" name="矩形 794"/>
           <p:cNvSpPr/>
           <p:nvPr/>
         </p:nvSpPr>
         <p:spPr>
           <a:xfrm>
-            <a:off x="8643966" y="1065995"/>
+            <a:off x="8824148" y="1783547"/>
             <a:ext cx="71438" cy="285752"/>
           </a:xfrm>
           <a:prstGeom prst="rect">
@@ -14176,13 +14176,13 @@
       </p:sp>
       <p:sp>
         <p:nvSpPr>
-          <p:cNvPr id="399" name="矩形 398"/>
+          <p:cNvPr id="796" name="矩形 795"/>
           <p:cNvSpPr/>
           <p:nvPr/>
         </p:nvSpPr>
         <p:spPr>
           <a:xfrm>
-            <a:off x="8715404" y="1208871"/>
+            <a:off x="8895586" y="1926423"/>
             <a:ext cx="70644" cy="142876"/>
           </a:xfrm>
           <a:prstGeom prst="rect">
@@ -14231,13 +14231,13 @@
       </p:sp>
       <p:sp>
         <p:nvSpPr>
-          <p:cNvPr id="400" name="矩形 399"/>
+          <p:cNvPr id="797" name="矩形 796"/>
           <p:cNvSpPr/>
           <p:nvPr/>
         </p:nvSpPr>
         <p:spPr>
           <a:xfrm>
-            <a:off x="8786842" y="994557"/>
+            <a:off x="8967024" y="1712109"/>
             <a:ext cx="70644" cy="357190"/>
           </a:xfrm>
           <a:prstGeom prst="rect">
@@ -14286,13 +14286,13 @@
       </p:sp>
       <p:sp>
         <p:nvSpPr>
-          <p:cNvPr id="401" name="矩形 400"/>
+          <p:cNvPr id="798" name="矩形 797"/>
           <p:cNvSpPr/>
           <p:nvPr/>
         </p:nvSpPr>
         <p:spPr>
           <a:xfrm>
-            <a:off x="8858280" y="1280309"/>
+            <a:off x="9038462" y="1997861"/>
             <a:ext cx="71438" cy="71438"/>
           </a:xfrm>
           <a:prstGeom prst="rect">
@@ -14341,13 +14341,13 @@
       </p:sp>
       <p:sp>
         <p:nvSpPr>
-          <p:cNvPr id="402" name="矩形 401"/>
+          <p:cNvPr id="799" name="矩形 798"/>
           <p:cNvSpPr/>
           <p:nvPr/>
         </p:nvSpPr>
         <p:spPr>
           <a:xfrm>
-            <a:off x="8929718" y="1208871"/>
+            <a:off x="9109900" y="1926423"/>
             <a:ext cx="70644" cy="142876"/>
           </a:xfrm>
           <a:prstGeom prst="rect">
@@ -14396,13 +14396,13 @@
       </p:sp>
       <p:cxnSp>
         <p:nvCxnSpPr>
-          <p:cNvPr id="403" name="直接箭头连接符 402"/>
+          <p:cNvPr id="800" name="直接箭头连接符 799"/>
           <p:cNvCxnSpPr/>
           <p:nvPr/>
         </p:nvCxnSpPr>
         <p:spPr>
           <a:xfrm rot="5400000">
-            <a:off x="8215338" y="1137433"/>
+            <a:off x="8395520" y="1854985"/>
             <a:ext cx="428628" cy="1588"/>
           </a:xfrm>
           <a:prstGeom prst="straightConnector1">
@@ -14433,13 +14433,13 @@
       </p:cxnSp>
       <p:cxnSp>
         <p:nvCxnSpPr>
-          <p:cNvPr id="404" name="直接箭头连接符 403"/>
+          <p:cNvPr id="801" name="直接箭头连接符 800"/>
           <p:cNvCxnSpPr/>
           <p:nvPr/>
         </p:nvCxnSpPr>
         <p:spPr>
           <a:xfrm>
-            <a:off x="8429652" y="1351747"/>
+            <a:off x="8609834" y="2069299"/>
             <a:ext cx="714380" cy="1588"/>
           </a:xfrm>
           <a:prstGeom prst="straightConnector1">
@@ -14469,13 +14469,13 @@
       </p:cxnSp>
       <p:sp>
         <p:nvSpPr>
-          <p:cNvPr id="405" name="TextBox 404"/>
+          <p:cNvPr id="802" name="TextBox 801"/>
           <p:cNvSpPr txBox="1"/>
           <p:nvPr/>
         </p:nvSpPr>
         <p:spPr>
           <a:xfrm>
-            <a:off x="8357420" y="708805"/>
+            <a:off x="8537602" y="1426357"/>
             <a:ext cx="723275" cy="253916"/>
           </a:xfrm>
           <a:prstGeom prst="rect">
@@ -14491,11 +14491,7 @@
           <a:p>
             <a:r>
               <a:rPr lang="zh-CN" altLang="en-US" sz="1050" b="1" dirty="0" smtClean="0"/>
-              <a:t>综合</a:t>
-            </a:r>
-            <a:r>
-              <a:rPr lang="zh-CN" altLang="en-US" sz="1050" b="1" dirty="0" smtClean="0"/>
-              <a:t>分布</a:t>
+              <a:t>综合分布</a:t>
             </a:r>
             <a:endParaRPr lang="zh-CN" altLang="en-US" sz="1050" b="1" dirty="0"/>
           </a:p>
@@ -14503,13 +14499,13 @@
       </p:sp>
       <p:sp>
         <p:nvSpPr>
-          <p:cNvPr id="268" name="矩形 267"/>
+          <p:cNvPr id="803" name="矩形 802"/>
           <p:cNvSpPr/>
           <p:nvPr/>
         </p:nvSpPr>
         <p:spPr>
           <a:xfrm rot="5400000">
-            <a:off x="348254" y="4728162"/>
+            <a:off x="385560" y="5445714"/>
             <a:ext cx="360000" cy="56439"/>
           </a:xfrm>
           <a:prstGeom prst="rect">
@@ -14556,13 +14552,13 @@
       </p:sp>
       <p:sp>
         <p:nvSpPr>
-          <p:cNvPr id="269" name="流程图: 联系 268"/>
+          <p:cNvPr id="804" name="流程图: 联系 803"/>
           <p:cNvSpPr/>
           <p:nvPr/>
         </p:nvSpPr>
         <p:spPr>
           <a:xfrm rot="5400000">
-            <a:off x="492536" y="4583881"/>
+            <a:off x="529842" y="5301433"/>
             <a:ext cx="71438" cy="56439"/>
           </a:xfrm>
           <a:prstGeom prst="flowChartConnector">
@@ -14604,13 +14600,13 @@
       </p:sp>
       <p:sp>
         <p:nvSpPr>
-          <p:cNvPr id="271" name="流程图: 联系 270"/>
+          <p:cNvPr id="805" name="流程图: 联系 804"/>
           <p:cNvSpPr/>
           <p:nvPr/>
         </p:nvSpPr>
         <p:spPr>
           <a:xfrm rot="5400000">
-            <a:off x="492536" y="4726757"/>
+            <a:off x="529842" y="5444309"/>
             <a:ext cx="71438" cy="56439"/>
           </a:xfrm>
           <a:prstGeom prst="flowChartConnector">
@@ -14652,13 +14648,13 @@
       </p:sp>
       <p:sp>
         <p:nvSpPr>
-          <p:cNvPr id="272" name="流程图: 联系 271"/>
+          <p:cNvPr id="806" name="流程图: 联系 805"/>
           <p:cNvSpPr/>
           <p:nvPr/>
         </p:nvSpPr>
         <p:spPr>
           <a:xfrm rot="5400000">
-            <a:off x="492536" y="4869633"/>
+            <a:off x="529842" y="5587185"/>
             <a:ext cx="71438" cy="56439"/>
           </a:xfrm>
           <a:prstGeom prst="flowChartConnector">
@@ -14700,13 +14696,13 @@
       </p:sp>
       <p:sp>
         <p:nvSpPr>
-          <p:cNvPr id="274" name="TextBox 273"/>
+          <p:cNvPr id="807" name="TextBox 806"/>
           <p:cNvSpPr txBox="1"/>
           <p:nvPr/>
         </p:nvSpPr>
         <p:spPr>
           <a:xfrm>
-            <a:off x="500034" y="4780771"/>
+            <a:off x="537340" y="5498323"/>
             <a:ext cx="235962" cy="584775"/>
           </a:xfrm>
           <a:prstGeom prst="rect">
@@ -14732,13 +14728,13 @@
       </p:sp>
       <p:sp>
         <p:nvSpPr>
-          <p:cNvPr id="282" name="TextBox 281"/>
+          <p:cNvPr id="808" name="TextBox 807"/>
           <p:cNvSpPr txBox="1"/>
           <p:nvPr/>
         </p:nvSpPr>
         <p:spPr>
           <a:xfrm>
-            <a:off x="142844" y="4686220"/>
+            <a:off x="180150" y="5403772"/>
             <a:ext cx="338554" cy="461665"/>
           </a:xfrm>
           <a:prstGeom prst="rect">
@@ -14769,13 +14765,13 @@
       </p:sp>
       <p:cxnSp>
         <p:nvCxnSpPr>
-          <p:cNvPr id="283" name="直接箭头连接符 282"/>
+          <p:cNvPr id="809" name="直接箭头连接符 808"/>
           <p:cNvCxnSpPr/>
           <p:nvPr/>
         </p:nvCxnSpPr>
         <p:spPr>
           <a:xfrm>
-            <a:off x="642910" y="4993497"/>
+            <a:off x="680216" y="5711049"/>
             <a:ext cx="6072230" cy="1588"/>
           </a:xfrm>
           <a:prstGeom prst="straightConnector1">
@@ -14805,13 +14801,13 @@
       </p:cxnSp>
       <p:cxnSp>
         <p:nvCxnSpPr>
-          <p:cNvPr id="298" name="直接箭头连接符 297"/>
+          <p:cNvPr id="810" name="直接箭头连接符 809"/>
           <p:cNvCxnSpPr/>
           <p:nvPr/>
         </p:nvCxnSpPr>
         <p:spPr>
           <a:xfrm rot="5400000">
-            <a:off x="4108447" y="4529944"/>
+            <a:off x="4145753" y="5247496"/>
             <a:ext cx="928694" cy="1588"/>
           </a:xfrm>
           <a:prstGeom prst="straightConnector1">
@@ -14821,7 +14817,7 @@
             <a:solidFill>
               <a:schemeClr val="tx1"/>
             </a:solidFill>
-            <a:tailEnd type="none"/>
+            <a:tailEnd type="arrow"/>
           </a:ln>
         </p:spPr>
         <p:style>
@@ -14841,14 +14837,14 @@
       </p:cxnSp>
       <p:sp>
         <p:nvSpPr>
-          <p:cNvPr id="325" name="TextBox 324"/>
+          <p:cNvPr id="811" name="TextBox 810"/>
           <p:cNvSpPr txBox="1"/>
           <p:nvPr/>
         </p:nvSpPr>
         <p:spPr>
           <a:xfrm>
-            <a:off x="71406" y="90005"/>
-            <a:ext cx="453970" cy="253916"/>
+            <a:off x="108712" y="426225"/>
+            <a:ext cx="543739" cy="307777"/>
           </a:xfrm>
           <a:prstGeom prst="rect">
             <a:avLst/>
@@ -14862,23 +14858,23 @@
           <a:lstStyle/>
           <a:p>
             <a:r>
-              <a:rPr lang="zh-CN" altLang="en-US" sz="1050" dirty="0" smtClean="0"/>
+              <a:rPr lang="zh-CN" altLang="en-US" sz="1400" b="1" dirty="0" smtClean="0"/>
               <a:t>输入</a:t>
             </a:r>
-            <a:endParaRPr lang="zh-CN" altLang="en-US" sz="1050" dirty="0"/>
-          </a:p>
-        </p:txBody>
-      </p:sp>
-      <p:sp>
-        <p:nvSpPr>
-          <p:cNvPr id="327" name="TextBox 326"/>
+            <a:endParaRPr lang="zh-CN" altLang="en-US" sz="1400" b="1" dirty="0"/>
+          </a:p>
+        </p:txBody>
+      </p:sp>
+      <p:sp>
+        <p:nvSpPr>
+          <p:cNvPr id="812" name="TextBox 811"/>
           <p:cNvSpPr txBox="1"/>
           <p:nvPr/>
         </p:nvSpPr>
         <p:spPr>
           <a:xfrm>
-            <a:off x="8475748" y="90005"/>
-            <a:ext cx="453970" cy="253916"/>
+            <a:off x="8617457" y="426225"/>
+            <a:ext cx="543739" cy="307777"/>
           </a:xfrm>
           <a:prstGeom prst="rect">
             <a:avLst/>
@@ -14892,10 +14888,226 @@
           <a:lstStyle/>
           <a:p>
             <a:r>
-              <a:rPr lang="zh-CN" altLang="en-US" sz="1050" dirty="0" smtClean="0"/>
+              <a:rPr lang="zh-CN" altLang="en-US" sz="1400" b="1" dirty="0" smtClean="0"/>
               <a:t>输出</a:t>
             </a:r>
-            <a:endParaRPr lang="zh-CN" altLang="en-US" sz="1050" dirty="0"/>
+            <a:endParaRPr lang="zh-CN" altLang="en-US" sz="1400" b="1" dirty="0"/>
+          </a:p>
+        </p:txBody>
+      </p:sp>
+      <p:sp>
+        <p:nvSpPr>
+          <p:cNvPr id="813" name="矩形 812"/>
+          <p:cNvSpPr/>
+          <p:nvPr/>
+        </p:nvSpPr>
+        <p:spPr>
+          <a:xfrm>
+            <a:off x="680217" y="426225"/>
+            <a:ext cx="4857784" cy="5214974"/>
+          </a:xfrm>
+          <a:prstGeom prst="rect">
+            <a:avLst/>
+          </a:prstGeom>
+          <a:noFill/>
+          <a:ln w="19050" cap="sq">
+            <a:solidFill>
+              <a:schemeClr val="tx1"/>
+            </a:solidFill>
+            <a:prstDash val="dash"/>
+            <a:miter lim="800000"/>
+          </a:ln>
+        </p:spPr>
+        <p:style>
+          <a:lnRef idx="2">
+            <a:schemeClr val="accent1">
+              <a:shade val="50000"/>
+            </a:schemeClr>
+          </a:lnRef>
+          <a:fillRef idx="1">
+            <a:schemeClr val="accent1"/>
+          </a:fillRef>
+          <a:effectRef idx="0">
+            <a:schemeClr val="accent1"/>
+          </a:effectRef>
+          <a:fontRef idx="minor">
+            <a:schemeClr val="lt1"/>
+          </a:fontRef>
+        </p:style>
+        <p:txBody>
+          <a:bodyPr rtlCol="0" anchor="ctr"/>
+          <a:lstStyle/>
+          <a:p>
+            <a:pPr algn="ctr"/>
+            <a:endParaRPr lang="zh-CN" altLang="en-US"/>
+          </a:p>
+        </p:txBody>
+      </p:sp>
+      <p:sp>
+        <p:nvSpPr>
+          <p:cNvPr id="814" name="TextBox 813"/>
+          <p:cNvSpPr txBox="1"/>
+          <p:nvPr/>
+        </p:nvSpPr>
+        <p:spPr>
+          <a:xfrm>
+            <a:off x="680216" y="426225"/>
+            <a:ext cx="723275" cy="307777"/>
+          </a:xfrm>
+          <a:prstGeom prst="rect">
+            <a:avLst/>
+          </a:prstGeom>
+          <a:noFill/>
+        </p:spPr>
+        <p:txBody>
+          <a:bodyPr wrap="none" rtlCol="0">
+            <a:spAutoFit/>
+          </a:bodyPr>
+          <a:lstStyle/>
+          <a:p>
+            <a:r>
+              <a:rPr lang="zh-CN" altLang="en-US" sz="1400" b="1" dirty="0" smtClean="0"/>
+              <a:t>编码器</a:t>
+            </a:r>
+            <a:endParaRPr lang="zh-CN" altLang="en-US" sz="1400" b="1" dirty="0"/>
+          </a:p>
+        </p:txBody>
+      </p:sp>
+      <p:sp>
+        <p:nvSpPr>
+          <p:cNvPr id="815" name="矩形 814"/>
+          <p:cNvSpPr/>
+          <p:nvPr/>
+        </p:nvSpPr>
+        <p:spPr>
+          <a:xfrm>
+            <a:off x="5538000" y="426225"/>
+            <a:ext cx="3000396" cy="5214974"/>
+          </a:xfrm>
+          <a:prstGeom prst="rect">
+            <a:avLst/>
+          </a:prstGeom>
+          <a:noFill/>
+          <a:ln w="19050" cap="sq">
+            <a:solidFill>
+              <a:schemeClr val="tx1"/>
+            </a:solidFill>
+            <a:prstDash val="dash"/>
+            <a:miter lim="800000"/>
+          </a:ln>
+        </p:spPr>
+        <p:style>
+          <a:lnRef idx="2">
+            <a:schemeClr val="accent1">
+              <a:shade val="50000"/>
+            </a:schemeClr>
+          </a:lnRef>
+          <a:fillRef idx="1">
+            <a:schemeClr val="accent1"/>
+          </a:fillRef>
+          <a:effectRef idx="0">
+            <a:schemeClr val="accent1"/>
+          </a:effectRef>
+          <a:fontRef idx="minor">
+            <a:schemeClr val="lt1"/>
+          </a:fontRef>
+        </p:style>
+        <p:txBody>
+          <a:bodyPr rtlCol="0" anchor="ctr"/>
+          <a:lstStyle/>
+          <a:p>
+            <a:pPr algn="ctr"/>
+            <a:endParaRPr lang="zh-CN" altLang="en-US"/>
+          </a:p>
+        </p:txBody>
+      </p:sp>
+      <p:sp>
+        <p:nvSpPr>
+          <p:cNvPr id="816" name="TextBox 815"/>
+          <p:cNvSpPr txBox="1"/>
+          <p:nvPr/>
+        </p:nvSpPr>
+        <p:spPr>
+          <a:xfrm>
+            <a:off x="5538000" y="426225"/>
+            <a:ext cx="723275" cy="307777"/>
+          </a:xfrm>
+          <a:prstGeom prst="rect">
+            <a:avLst/>
+          </a:prstGeom>
+          <a:noFill/>
+        </p:spPr>
+        <p:txBody>
+          <a:bodyPr wrap="none" rtlCol="0">
+            <a:spAutoFit/>
+          </a:bodyPr>
+          <a:lstStyle/>
+          <a:p>
+            <a:r>
+              <a:rPr lang="zh-CN" altLang="en-US" sz="1400" b="1" dirty="0" smtClean="0"/>
+              <a:t>解码器</a:t>
+            </a:r>
+            <a:endParaRPr lang="zh-CN" altLang="en-US" sz="1400" b="1" dirty="0"/>
+          </a:p>
+        </p:txBody>
+      </p:sp>
+      <p:sp>
+        <p:nvSpPr>
+          <p:cNvPr id="275" name="TextBox 274"/>
+          <p:cNvSpPr txBox="1"/>
+          <p:nvPr/>
+        </p:nvSpPr>
+        <p:spPr>
+          <a:xfrm>
+            <a:off x="7340703" y="4966350"/>
+            <a:ext cx="697627" cy="246221"/>
+          </a:xfrm>
+          <a:prstGeom prst="rect">
+            <a:avLst/>
+          </a:prstGeom>
+          <a:noFill/>
+        </p:spPr>
+        <p:txBody>
+          <a:bodyPr wrap="none" rtlCol="0">
+            <a:spAutoFit/>
+          </a:bodyPr>
+          <a:lstStyle/>
+          <a:p>
+            <a:r>
+              <a:rPr lang="zh-CN" altLang="en-US" sz="1000" dirty="0" smtClean="0"/>
+              <a:t>自注意力</a:t>
+            </a:r>
+            <a:endParaRPr lang="zh-CN" altLang="en-US" sz="1000" dirty="0"/>
+          </a:p>
+        </p:txBody>
+      </p:sp>
+      <p:sp>
+        <p:nvSpPr>
+          <p:cNvPr id="276" name="TextBox 275"/>
+          <p:cNvSpPr txBox="1"/>
+          <p:nvPr/>
+        </p:nvSpPr>
+        <p:spPr>
+          <a:xfrm>
+            <a:off x="7323950" y="1323012"/>
+            <a:ext cx="825867" cy="246221"/>
+          </a:xfrm>
+          <a:prstGeom prst="rect">
+            <a:avLst/>
+          </a:prstGeom>
+          <a:noFill/>
+        </p:spPr>
+        <p:txBody>
+          <a:bodyPr wrap="none" rtlCol="0">
+            <a:spAutoFit/>
+          </a:bodyPr>
+          <a:lstStyle/>
+          <a:p>
+            <a:r>
+              <a:rPr lang="zh-CN" altLang="en-US" sz="1000" dirty="0" smtClean="0"/>
+              <a:t>多指针生成</a:t>
+            </a:r>
+            <a:endParaRPr lang="zh-CN" altLang="en-US" sz="1000" dirty="0"/>
           </a:p>
         </p:txBody>
       </p:sp>
